--- a/大學生/Deep learning-based urban big data.pptx
+++ b/大學生/Deep learning-based urban big data.pptx
@@ -5,24 +5,23 @@
     <p:sldMasterId id="2147483648" r:id="rId1"/>
   </p:sldMasterIdLst>
   <p:notesMasterIdLst>
-    <p:notesMasterId r:id="rId17"/>
+    <p:notesMasterId r:id="rId16"/>
   </p:notesMasterIdLst>
   <p:sldIdLst>
     <p:sldId id="256" r:id="rId2"/>
     <p:sldId id="270" r:id="rId3"/>
     <p:sldId id="257" r:id="rId4"/>
     <p:sldId id="258" r:id="rId5"/>
-    <p:sldId id="261" r:id="rId6"/>
-    <p:sldId id="278" r:id="rId7"/>
-    <p:sldId id="279" r:id="rId8"/>
-    <p:sldId id="280" r:id="rId9"/>
-    <p:sldId id="282" r:id="rId10"/>
-    <p:sldId id="283" r:id="rId11"/>
-    <p:sldId id="281" r:id="rId12"/>
-    <p:sldId id="268" r:id="rId13"/>
-    <p:sldId id="276" r:id="rId14"/>
-    <p:sldId id="277" r:id="rId15"/>
-    <p:sldId id="273" r:id="rId16"/>
+    <p:sldId id="284" r:id="rId6"/>
+    <p:sldId id="286" r:id="rId7"/>
+    <p:sldId id="278" r:id="rId8"/>
+    <p:sldId id="279" r:id="rId9"/>
+    <p:sldId id="280" r:id="rId10"/>
+    <p:sldId id="268" r:id="rId11"/>
+    <p:sldId id="276" r:id="rId12"/>
+    <p:sldId id="285" r:id="rId13"/>
+    <p:sldId id="277" r:id="rId14"/>
+    <p:sldId id="273" r:id="rId15"/>
   </p:sldIdLst>
   <p:sldSz cx="9144000" cy="6858000" type="screen4x3"/>
   <p:notesSz cx="6858000" cy="9144000"/>
@@ -2796,570 +2795,6 @@
       <dsp:cNvGrpSpPr/>
     </dsp:nvGrpSpPr>
     <dsp:grpSpPr/>
-    <dsp:sp modelId="{668FF09E-B712-4496-9312-337B4A9279A2}">
-      <dsp:nvSpPr>
-        <dsp:cNvPr id="0" name=""/>
-        <dsp:cNvSpPr/>
-      </dsp:nvSpPr>
-      <dsp:spPr>
-        <a:xfrm>
-          <a:off x="0" y="529159"/>
-          <a:ext cx="5000124" cy="756000"/>
-        </a:xfrm>
-        <a:prstGeom prst="rect">
-          <a:avLst/>
-        </a:prstGeom>
-        <a:solidFill>
-          <a:schemeClr val="lt1">
-            <a:alpha val="90000"/>
-            <a:hueOff val="0"/>
-            <a:satOff val="0"/>
-            <a:lumOff val="0"/>
-            <a:alphaOff val="0"/>
-          </a:schemeClr>
-        </a:solidFill>
-        <a:ln w="9525" cap="flat" cmpd="sng" algn="ctr">
-          <a:solidFill>
-            <a:schemeClr val="accent2">
-              <a:hueOff val="0"/>
-              <a:satOff val="0"/>
-              <a:lumOff val="0"/>
-              <a:alphaOff val="0"/>
-            </a:schemeClr>
-          </a:solidFill>
-          <a:prstDash val="solid"/>
-        </a:ln>
-        <a:effectLst/>
-      </dsp:spPr>
-      <dsp:style>
-        <a:lnRef idx="1">
-          <a:scrgbClr r="0" g="0" b="0"/>
-        </a:lnRef>
-        <a:fillRef idx="1">
-          <a:scrgbClr r="0" g="0" b="0"/>
-        </a:fillRef>
-        <a:effectRef idx="0">
-          <a:scrgbClr r="0" g="0" b="0"/>
-        </a:effectRef>
-        <a:fontRef idx="minor"/>
-      </dsp:style>
-    </dsp:sp>
-    <dsp:sp modelId="{0DC421E0-3CC3-4703-AE7A-C2D80CEBEEEC}">
-      <dsp:nvSpPr>
-        <dsp:cNvPr id="0" name=""/>
-        <dsp:cNvSpPr/>
-      </dsp:nvSpPr>
-      <dsp:spPr>
-        <a:xfrm>
-          <a:off x="250006" y="86359"/>
-          <a:ext cx="3500086" cy="885600"/>
-        </a:xfrm>
-        <a:prstGeom prst="roundRect">
-          <a:avLst/>
-        </a:prstGeom>
-        <a:gradFill rotWithShape="0">
-          <a:gsLst>
-            <a:gs pos="0">
-              <a:schemeClr val="accent2">
-                <a:hueOff val="0"/>
-                <a:satOff val="0"/>
-                <a:lumOff val="0"/>
-                <a:alphaOff val="0"/>
-                <a:tint val="100000"/>
-                <a:shade val="100000"/>
-                <a:satMod val="130000"/>
-              </a:schemeClr>
-            </a:gs>
-            <a:gs pos="100000">
-              <a:schemeClr val="accent2">
-                <a:hueOff val="0"/>
-                <a:satOff val="0"/>
-                <a:lumOff val="0"/>
-                <a:alphaOff val="0"/>
-                <a:tint val="50000"/>
-                <a:shade val="100000"/>
-                <a:satMod val="350000"/>
-              </a:schemeClr>
-            </a:gs>
-          </a:gsLst>
-          <a:lin ang="16200000" scaled="0"/>
-        </a:gradFill>
-        <a:ln>
-          <a:noFill/>
-        </a:ln>
-        <a:effectLst>
-          <a:outerShdw blurRad="40000" dist="23000" dir="5400000" rotWithShape="0">
-            <a:srgbClr val="000000">
-              <a:alpha val="35000"/>
-            </a:srgbClr>
-          </a:outerShdw>
-        </a:effectLst>
-      </dsp:spPr>
-      <dsp:style>
-        <a:lnRef idx="0">
-          <a:scrgbClr r="0" g="0" b="0"/>
-        </a:lnRef>
-        <a:fillRef idx="3">
-          <a:scrgbClr r="0" g="0" b="0"/>
-        </a:fillRef>
-        <a:effectRef idx="2">
-          <a:scrgbClr r="0" g="0" b="0"/>
-        </a:effectRef>
-        <a:fontRef idx="minor">
-          <a:schemeClr val="lt1"/>
-        </a:fontRef>
-      </dsp:style>
-      <dsp:txBody>
-        <a:bodyPr spcFirstLastPara="0" vert="horz" wrap="square" lIns="132295" tIns="0" rIns="132295" bIns="0" numCol="1" spcCol="1270" anchor="ctr" anchorCtr="0">
-          <a:noAutofit/>
-        </a:bodyPr>
-        <a:lstStyle/>
-        <a:p>
-          <a:pPr lvl="0" algn="l" defTabSz="1333500">
-            <a:lnSpc>
-              <a:spcPct val="90000"/>
-            </a:lnSpc>
-            <a:spcBef>
-              <a:spcPct val="0"/>
-            </a:spcBef>
-            <a:spcAft>
-              <a:spcPct val="35000"/>
-            </a:spcAft>
-          </a:pPr>
-          <a:r>
-            <a:rPr lang="en-US" sz="3000" kern="1200"/>
-            <a:t>Abstract</a:t>
-          </a:r>
-        </a:p>
-      </dsp:txBody>
-      <dsp:txXfrm>
-        <a:off x="293237" y="129590"/>
-        <a:ext cx="3413624" cy="799138"/>
-      </dsp:txXfrm>
-    </dsp:sp>
-    <dsp:sp modelId="{FC655620-4E16-425F-A61A-A3A1C1480EAF}">
-      <dsp:nvSpPr>
-        <dsp:cNvPr id="0" name=""/>
-        <dsp:cNvSpPr/>
-      </dsp:nvSpPr>
-      <dsp:spPr>
-        <a:xfrm>
-          <a:off x="0" y="1889959"/>
-          <a:ext cx="5000124" cy="756000"/>
-        </a:xfrm>
-        <a:prstGeom prst="rect">
-          <a:avLst/>
-        </a:prstGeom>
-        <a:solidFill>
-          <a:schemeClr val="lt1">
-            <a:alpha val="90000"/>
-            <a:hueOff val="0"/>
-            <a:satOff val="0"/>
-            <a:lumOff val="0"/>
-            <a:alphaOff val="0"/>
-          </a:schemeClr>
-        </a:solidFill>
-        <a:ln w="9525" cap="flat" cmpd="sng" algn="ctr">
-          <a:solidFill>
-            <a:schemeClr val="accent3">
-              <a:hueOff val="0"/>
-              <a:satOff val="0"/>
-              <a:lumOff val="0"/>
-              <a:alphaOff val="0"/>
-            </a:schemeClr>
-          </a:solidFill>
-          <a:prstDash val="solid"/>
-        </a:ln>
-        <a:effectLst/>
-      </dsp:spPr>
-      <dsp:style>
-        <a:lnRef idx="1">
-          <a:scrgbClr r="0" g="0" b="0"/>
-        </a:lnRef>
-        <a:fillRef idx="1">
-          <a:scrgbClr r="0" g="0" b="0"/>
-        </a:fillRef>
-        <a:effectRef idx="0">
-          <a:scrgbClr r="0" g="0" b="0"/>
-        </a:effectRef>
-        <a:fontRef idx="minor"/>
-      </dsp:style>
-    </dsp:sp>
-    <dsp:sp modelId="{1D3133D5-308C-415C-B719-F803A69650D1}">
-      <dsp:nvSpPr>
-        <dsp:cNvPr id="0" name=""/>
-        <dsp:cNvSpPr/>
-      </dsp:nvSpPr>
-      <dsp:spPr>
-        <a:xfrm>
-          <a:off x="250006" y="1447159"/>
-          <a:ext cx="3500086" cy="885600"/>
-        </a:xfrm>
-        <a:prstGeom prst="roundRect">
-          <a:avLst/>
-        </a:prstGeom>
-        <a:gradFill rotWithShape="0">
-          <a:gsLst>
-            <a:gs pos="0">
-              <a:schemeClr val="accent3">
-                <a:hueOff val="0"/>
-                <a:satOff val="0"/>
-                <a:lumOff val="0"/>
-                <a:alphaOff val="0"/>
-                <a:tint val="100000"/>
-                <a:shade val="100000"/>
-                <a:satMod val="130000"/>
-              </a:schemeClr>
-            </a:gs>
-            <a:gs pos="100000">
-              <a:schemeClr val="accent3">
-                <a:hueOff val="0"/>
-                <a:satOff val="0"/>
-                <a:lumOff val="0"/>
-                <a:alphaOff val="0"/>
-                <a:tint val="50000"/>
-                <a:shade val="100000"/>
-                <a:satMod val="350000"/>
-              </a:schemeClr>
-            </a:gs>
-          </a:gsLst>
-          <a:lin ang="16200000" scaled="0"/>
-        </a:gradFill>
-        <a:ln>
-          <a:noFill/>
-        </a:ln>
-        <a:effectLst>
-          <a:outerShdw blurRad="40000" dist="23000" dir="5400000" rotWithShape="0">
-            <a:srgbClr val="000000">
-              <a:alpha val="35000"/>
-            </a:srgbClr>
-          </a:outerShdw>
-        </a:effectLst>
-      </dsp:spPr>
-      <dsp:style>
-        <a:lnRef idx="0">
-          <a:scrgbClr r="0" g="0" b="0"/>
-        </a:lnRef>
-        <a:fillRef idx="3">
-          <a:scrgbClr r="0" g="0" b="0"/>
-        </a:fillRef>
-        <a:effectRef idx="2">
-          <a:scrgbClr r="0" g="0" b="0"/>
-        </a:effectRef>
-        <a:fontRef idx="minor">
-          <a:schemeClr val="lt1"/>
-        </a:fontRef>
-      </dsp:style>
-      <dsp:txBody>
-        <a:bodyPr spcFirstLastPara="0" vert="horz" wrap="square" lIns="132295" tIns="0" rIns="132295" bIns="0" numCol="1" spcCol="1270" anchor="ctr" anchorCtr="0">
-          <a:noAutofit/>
-        </a:bodyPr>
-        <a:lstStyle/>
-        <a:p>
-          <a:pPr lvl="0" algn="l" defTabSz="1333500">
-            <a:lnSpc>
-              <a:spcPct val="90000"/>
-            </a:lnSpc>
-            <a:spcBef>
-              <a:spcPct val="0"/>
-            </a:spcBef>
-            <a:spcAft>
-              <a:spcPct val="35000"/>
-            </a:spcAft>
-          </a:pPr>
-          <a:r>
-            <a:rPr lang="en-US" sz="3000" kern="1200"/>
-            <a:t>Introduction</a:t>
-          </a:r>
-        </a:p>
-      </dsp:txBody>
-      <dsp:txXfrm>
-        <a:off x="293237" y="1490390"/>
-        <a:ext cx="3413624" cy="799138"/>
-      </dsp:txXfrm>
-    </dsp:sp>
-    <dsp:sp modelId="{13B82372-C551-4B2A-BBB7-AB505F8B4E0E}">
-      <dsp:nvSpPr>
-        <dsp:cNvPr id="0" name=""/>
-        <dsp:cNvSpPr/>
-      </dsp:nvSpPr>
-      <dsp:spPr>
-        <a:xfrm>
-          <a:off x="0" y="3250759"/>
-          <a:ext cx="5000124" cy="756000"/>
-        </a:xfrm>
-        <a:prstGeom prst="rect">
-          <a:avLst/>
-        </a:prstGeom>
-        <a:solidFill>
-          <a:schemeClr val="lt1">
-            <a:alpha val="90000"/>
-            <a:hueOff val="0"/>
-            <a:satOff val="0"/>
-            <a:lumOff val="0"/>
-            <a:alphaOff val="0"/>
-          </a:schemeClr>
-        </a:solidFill>
-        <a:ln w="9525" cap="flat" cmpd="sng" algn="ctr">
-          <a:solidFill>
-            <a:schemeClr val="accent4">
-              <a:hueOff val="0"/>
-              <a:satOff val="0"/>
-              <a:lumOff val="0"/>
-              <a:alphaOff val="0"/>
-            </a:schemeClr>
-          </a:solidFill>
-          <a:prstDash val="solid"/>
-        </a:ln>
-        <a:effectLst/>
-      </dsp:spPr>
-      <dsp:style>
-        <a:lnRef idx="1">
-          <a:scrgbClr r="0" g="0" b="0"/>
-        </a:lnRef>
-        <a:fillRef idx="1">
-          <a:scrgbClr r="0" g="0" b="0"/>
-        </a:fillRef>
-        <a:effectRef idx="0">
-          <a:scrgbClr r="0" g="0" b="0"/>
-        </a:effectRef>
-        <a:fontRef idx="minor"/>
-      </dsp:style>
-    </dsp:sp>
-    <dsp:sp modelId="{63CCFD17-8471-4D7F-BC2F-872974B91D5C}">
-      <dsp:nvSpPr>
-        <dsp:cNvPr id="0" name=""/>
-        <dsp:cNvSpPr/>
-      </dsp:nvSpPr>
-      <dsp:spPr>
-        <a:xfrm>
-          <a:off x="250006" y="2807959"/>
-          <a:ext cx="3500086" cy="885600"/>
-        </a:xfrm>
-        <a:prstGeom prst="roundRect">
-          <a:avLst/>
-        </a:prstGeom>
-        <a:gradFill rotWithShape="0">
-          <a:gsLst>
-            <a:gs pos="0">
-              <a:schemeClr val="accent4">
-                <a:hueOff val="0"/>
-                <a:satOff val="0"/>
-                <a:lumOff val="0"/>
-                <a:alphaOff val="0"/>
-                <a:tint val="100000"/>
-                <a:shade val="100000"/>
-                <a:satMod val="130000"/>
-              </a:schemeClr>
-            </a:gs>
-            <a:gs pos="100000">
-              <a:schemeClr val="accent4">
-                <a:hueOff val="0"/>
-                <a:satOff val="0"/>
-                <a:lumOff val="0"/>
-                <a:alphaOff val="0"/>
-                <a:tint val="50000"/>
-                <a:shade val="100000"/>
-                <a:satMod val="350000"/>
-              </a:schemeClr>
-            </a:gs>
-          </a:gsLst>
-          <a:lin ang="16200000" scaled="0"/>
-        </a:gradFill>
-        <a:ln>
-          <a:noFill/>
-        </a:ln>
-        <a:effectLst>
-          <a:outerShdw blurRad="40000" dist="23000" dir="5400000" rotWithShape="0">
-            <a:srgbClr val="000000">
-              <a:alpha val="35000"/>
-            </a:srgbClr>
-          </a:outerShdw>
-        </a:effectLst>
-      </dsp:spPr>
-      <dsp:style>
-        <a:lnRef idx="0">
-          <a:scrgbClr r="0" g="0" b="0"/>
-        </a:lnRef>
-        <a:fillRef idx="3">
-          <a:scrgbClr r="0" g="0" b="0"/>
-        </a:fillRef>
-        <a:effectRef idx="2">
-          <a:scrgbClr r="0" g="0" b="0"/>
-        </a:effectRef>
-        <a:fontRef idx="minor">
-          <a:schemeClr val="lt1"/>
-        </a:fontRef>
-      </dsp:style>
-      <dsp:txBody>
-        <a:bodyPr spcFirstLastPara="0" vert="horz" wrap="square" lIns="132295" tIns="0" rIns="132295" bIns="0" numCol="1" spcCol="1270" anchor="ctr" anchorCtr="0">
-          <a:noAutofit/>
-        </a:bodyPr>
-        <a:lstStyle/>
-        <a:p>
-          <a:pPr lvl="0" algn="l" defTabSz="1333500">
-            <a:lnSpc>
-              <a:spcPct val="90000"/>
-            </a:lnSpc>
-            <a:spcBef>
-              <a:spcPct val="0"/>
-            </a:spcBef>
-            <a:spcAft>
-              <a:spcPct val="35000"/>
-            </a:spcAft>
-          </a:pPr>
-          <a:r>
-            <a:rPr lang="en-US" sz="3000" kern="1200"/>
-            <a:t>Proposed method</a:t>
-          </a:r>
-        </a:p>
-      </dsp:txBody>
-      <dsp:txXfrm>
-        <a:off x="293237" y="2851190"/>
-        <a:ext cx="3413624" cy="799138"/>
-      </dsp:txXfrm>
-    </dsp:sp>
-    <dsp:sp modelId="{790B7A37-43FF-4751-B3D2-E8D166412AAF}">
-      <dsp:nvSpPr>
-        <dsp:cNvPr id="0" name=""/>
-        <dsp:cNvSpPr/>
-      </dsp:nvSpPr>
-      <dsp:spPr>
-        <a:xfrm>
-          <a:off x="0" y="4611560"/>
-          <a:ext cx="5000124" cy="756000"/>
-        </a:xfrm>
-        <a:prstGeom prst="rect">
-          <a:avLst/>
-        </a:prstGeom>
-        <a:solidFill>
-          <a:schemeClr val="lt1">
-            <a:alpha val="90000"/>
-            <a:hueOff val="0"/>
-            <a:satOff val="0"/>
-            <a:lumOff val="0"/>
-            <a:alphaOff val="0"/>
-          </a:schemeClr>
-        </a:solidFill>
-        <a:ln w="9525" cap="flat" cmpd="sng" algn="ctr">
-          <a:solidFill>
-            <a:schemeClr val="accent5">
-              <a:hueOff val="0"/>
-              <a:satOff val="0"/>
-              <a:lumOff val="0"/>
-              <a:alphaOff val="0"/>
-            </a:schemeClr>
-          </a:solidFill>
-          <a:prstDash val="solid"/>
-        </a:ln>
-        <a:effectLst/>
-      </dsp:spPr>
-      <dsp:style>
-        <a:lnRef idx="1">
-          <a:scrgbClr r="0" g="0" b="0"/>
-        </a:lnRef>
-        <a:fillRef idx="1">
-          <a:scrgbClr r="0" g="0" b="0"/>
-        </a:fillRef>
-        <a:effectRef idx="0">
-          <a:scrgbClr r="0" g="0" b="0"/>
-        </a:effectRef>
-        <a:fontRef idx="minor"/>
-      </dsp:style>
-    </dsp:sp>
-    <dsp:sp modelId="{78C7250F-C4AA-47D3-A308-D4B4442BD4BF}">
-      <dsp:nvSpPr>
-        <dsp:cNvPr id="0" name=""/>
-        <dsp:cNvSpPr/>
-      </dsp:nvSpPr>
-      <dsp:spPr>
-        <a:xfrm>
-          <a:off x="250006" y="4168760"/>
-          <a:ext cx="3500086" cy="885600"/>
-        </a:xfrm>
-        <a:prstGeom prst="roundRect">
-          <a:avLst/>
-        </a:prstGeom>
-        <a:gradFill rotWithShape="0">
-          <a:gsLst>
-            <a:gs pos="0">
-              <a:schemeClr val="accent5">
-                <a:hueOff val="0"/>
-                <a:satOff val="0"/>
-                <a:lumOff val="0"/>
-                <a:alphaOff val="0"/>
-                <a:tint val="100000"/>
-                <a:shade val="100000"/>
-                <a:satMod val="130000"/>
-              </a:schemeClr>
-            </a:gs>
-            <a:gs pos="100000">
-              <a:schemeClr val="accent5">
-                <a:hueOff val="0"/>
-                <a:satOff val="0"/>
-                <a:lumOff val="0"/>
-                <a:alphaOff val="0"/>
-                <a:tint val="50000"/>
-                <a:shade val="100000"/>
-                <a:satMod val="350000"/>
-              </a:schemeClr>
-            </a:gs>
-          </a:gsLst>
-          <a:lin ang="16200000" scaled="0"/>
-        </a:gradFill>
-        <a:ln>
-          <a:noFill/>
-        </a:ln>
-        <a:effectLst>
-          <a:outerShdw blurRad="40000" dist="23000" dir="5400000" rotWithShape="0">
-            <a:srgbClr val="000000">
-              <a:alpha val="35000"/>
-            </a:srgbClr>
-          </a:outerShdw>
-        </a:effectLst>
-      </dsp:spPr>
-      <dsp:style>
-        <a:lnRef idx="0">
-          <a:scrgbClr r="0" g="0" b="0"/>
-        </a:lnRef>
-        <a:fillRef idx="3">
-          <a:scrgbClr r="0" g="0" b="0"/>
-        </a:fillRef>
-        <a:effectRef idx="2">
-          <a:scrgbClr r="0" g="0" b="0"/>
-        </a:effectRef>
-        <a:fontRef idx="minor">
-          <a:schemeClr val="lt1"/>
-        </a:fontRef>
-      </dsp:style>
-      <dsp:txBody>
-        <a:bodyPr spcFirstLastPara="0" vert="horz" wrap="square" lIns="132295" tIns="0" rIns="132295" bIns="0" numCol="1" spcCol="1270" anchor="ctr" anchorCtr="0">
-          <a:noAutofit/>
-        </a:bodyPr>
-        <a:lstStyle/>
-        <a:p>
-          <a:pPr lvl="0" algn="l" defTabSz="1333500">
-            <a:lnSpc>
-              <a:spcPct val="90000"/>
-            </a:lnSpc>
-            <a:spcBef>
-              <a:spcPct val="0"/>
-            </a:spcBef>
-            <a:spcAft>
-              <a:spcPct val="35000"/>
-            </a:spcAft>
-          </a:pPr>
-          <a:r>
-            <a:rPr lang="en-US" sz="3000" kern="1200"/>
-            <a:t>Results</a:t>
-          </a:r>
-        </a:p>
-      </dsp:txBody>
-      <dsp:txXfrm>
-        <a:off x="293237" y="4211991"/>
-        <a:ext cx="3413624" cy="799138"/>
-      </dsp:txXfrm>
-    </dsp:sp>
   </dsp:spTree>
 </dsp:drawing>
 </file>
@@ -5134,7 +4569,7 @@
           <a:p>
             <a:fld id="{0271A9D2-AE2C-4043-85B9-1775BF3BD848}" type="slidenum">
               <a:rPr lang="zh-TW" altLang="en-US" smtClean="0"/>
-              <a:t>8</a:t>
+              <a:t>4</a:t>
             </a:fld>
             <a:endParaRPr lang="zh-TW" altLang="en-US"/>
           </a:p>
@@ -5143,7 +4578,7 @@
     </p:spTree>
     <p:extLst>
       <p:ext uri="{BB962C8B-B14F-4D97-AF65-F5344CB8AC3E}">
-        <p14:creationId xmlns:p14="http://schemas.microsoft.com/office/powerpoint/2010/main" val="215169614"/>
+        <p14:creationId xmlns:p14="http://schemas.microsoft.com/office/powerpoint/2010/main" val="1748407822"/>
       </p:ext>
     </p:extLst>
   </p:cSld>
@@ -5218,7 +4653,7 @@
           <a:p>
             <a:fld id="{0271A9D2-AE2C-4043-85B9-1775BF3BD848}" type="slidenum">
               <a:rPr lang="zh-TW" altLang="en-US" smtClean="0"/>
-              <a:t>9</a:t>
+              <a:t>5</a:t>
             </a:fld>
             <a:endParaRPr lang="zh-TW" altLang="en-US"/>
           </a:p>
@@ -5227,7 +4662,7 @@
     </p:spTree>
     <p:extLst>
       <p:ext uri="{BB962C8B-B14F-4D97-AF65-F5344CB8AC3E}">
-        <p14:creationId xmlns:p14="http://schemas.microsoft.com/office/powerpoint/2010/main" val="749521988"/>
+        <p14:creationId xmlns:p14="http://schemas.microsoft.com/office/powerpoint/2010/main" val="3885670870"/>
       </p:ext>
     </p:extLst>
   </p:cSld>
@@ -5302,7 +4737,7 @@
           <a:p>
             <a:fld id="{0271A9D2-AE2C-4043-85B9-1775BF3BD848}" type="slidenum">
               <a:rPr lang="zh-TW" altLang="en-US" smtClean="0"/>
-              <a:t>10</a:t>
+              <a:t>6</a:t>
             </a:fld>
             <a:endParaRPr lang="zh-TW" altLang="en-US"/>
           </a:p>
@@ -5311,7 +4746,7 @@
     </p:spTree>
     <p:extLst>
       <p:ext uri="{BB962C8B-B14F-4D97-AF65-F5344CB8AC3E}">
-        <p14:creationId xmlns:p14="http://schemas.microsoft.com/office/powerpoint/2010/main" val="4115634780"/>
+        <p14:creationId xmlns:p14="http://schemas.microsoft.com/office/powerpoint/2010/main" val="934334240"/>
       </p:ext>
     </p:extLst>
   </p:cSld>
@@ -5365,144 +4800,6 @@
           <a:bodyPr/>
           <a:lstStyle/>
           <a:p>
-            <a:r>
-              <a:rPr lang="en-US" altLang="zh-TW" dirty="0" smtClean="0"/>
-              <a:t>AUC</a:t>
-            </a:r>
-            <a:r>
-              <a:rPr lang="zh-TW" altLang="en-US" dirty="0" smtClean="0"/>
-              <a:t>越接近</a:t>
-            </a:r>
-            <a:r>
-              <a:rPr lang="en-US" altLang="zh-TW" dirty="0" smtClean="0"/>
-              <a:t>1</a:t>
-            </a:r>
-            <a:r>
-              <a:rPr lang="zh-TW" altLang="en-US" dirty="0" smtClean="0"/>
-              <a:t>表示模型越準</a:t>
-            </a:r>
-            <a:endParaRPr lang="en-US" altLang="zh-TW" dirty="0" smtClean="0"/>
-          </a:p>
-          <a:p>
-            <a:r>
-              <a:rPr lang="zh-TW" altLang="en-US" dirty="0" smtClean="0"/>
-              <a:t>這十種組合中以特徵萃取</a:t>
-            </a:r>
-            <a:r>
-              <a:rPr lang="en-US" altLang="zh-TW" sz="1200" dirty="0" smtClean="0"/>
-              <a:t>NMF-spectrogram</a:t>
-            </a:r>
-            <a:r>
-              <a:rPr lang="zh-TW" altLang="en-US" sz="1200" dirty="0" smtClean="0"/>
-              <a:t> 占據</a:t>
-            </a:r>
-            <a:r>
-              <a:rPr lang="en-US" altLang="zh-TW" sz="1200" dirty="0" smtClean="0"/>
-              <a:t>5/10</a:t>
-            </a:r>
-            <a:r>
-              <a:rPr lang="zh-TW" altLang="en-US" sz="1200" dirty="0" smtClean="0"/>
-              <a:t>，抽樣方法</a:t>
-            </a:r>
-            <a:r>
-              <a:rPr lang="en-US" altLang="zh-TW" sz="1200" dirty="0" err="1" smtClean="0"/>
-              <a:t>undersampling</a:t>
-            </a:r>
-            <a:r>
-              <a:rPr lang="en-US" altLang="zh-TW" sz="1200" dirty="0" smtClean="0"/>
-              <a:t> 4</a:t>
-            </a:r>
-            <a:r>
-              <a:rPr lang="zh-TW" altLang="en-US" sz="1200" dirty="0" smtClean="0"/>
-              <a:t>筆</a:t>
-            </a:r>
-            <a:r>
-              <a:rPr lang="en-US" altLang="zh-TW" sz="1200" dirty="0" smtClean="0"/>
-              <a:t>,</a:t>
-            </a:r>
-            <a:r>
-              <a:rPr lang="zh-TW" altLang="en-US" sz="1200" dirty="0" smtClean="0"/>
-              <a:t> </a:t>
-            </a:r>
-            <a:r>
-              <a:rPr lang="en-US" altLang="zh-TW" sz="1200" dirty="0" smtClean="0"/>
-              <a:t>oversample 3</a:t>
-            </a:r>
-            <a:r>
-              <a:rPr lang="zh-TW" altLang="en-US" sz="1200" dirty="0" smtClean="0"/>
-              <a:t>筆 </a:t>
-            </a:r>
-            <a:r>
-              <a:rPr lang="en-US" altLang="zh-TW" sz="1200" dirty="0" smtClean="0"/>
-              <a:t>SMOTE</a:t>
-            </a:r>
-            <a:r>
-              <a:rPr lang="zh-TW" altLang="en-US" sz="1200" dirty="0" smtClean="0"/>
-              <a:t>三筆，沒有比較占大多數的，模型中</a:t>
-            </a:r>
-            <a:r>
-              <a:rPr lang="en-US" altLang="zh-TW" sz="1200" dirty="0" smtClean="0"/>
-              <a:t>XGB</a:t>
-            </a:r>
-            <a:r>
-              <a:rPr lang="zh-TW" altLang="en-US" sz="1200" dirty="0" smtClean="0"/>
-              <a:t>占多數</a:t>
-            </a:r>
-            <a:endParaRPr lang="en-US" altLang="zh-TW" sz="1200" dirty="0" smtClean="0"/>
-          </a:p>
-          <a:p>
-            <a:r>
-              <a:rPr lang="zh-TW" altLang="en-US" dirty="0" smtClean="0"/>
-              <a:t>實驗中用到</a:t>
-            </a:r>
-            <a:r>
-              <a:rPr lang="en-US" altLang="zh-TW" dirty="0" err="1" smtClean="0"/>
-              <a:t>Coswara</a:t>
-            </a:r>
-            <a:r>
-              <a:rPr lang="zh-TW" altLang="en-US" dirty="0" smtClean="0"/>
-              <a:t>和</a:t>
-            </a:r>
-            <a:r>
-              <a:rPr lang="en-US" altLang="zh-TW" dirty="0" smtClean="0"/>
-              <a:t>COUGHVID</a:t>
-            </a:r>
-            <a:r>
-              <a:rPr lang="zh-TW" altLang="en-US" dirty="0" smtClean="0"/>
-              <a:t>兩種</a:t>
-            </a:r>
-            <a:r>
-              <a:rPr lang="en-US" altLang="zh-TW" dirty="0" smtClean="0"/>
-              <a:t>dataset </a:t>
-            </a:r>
-            <a:r>
-              <a:rPr lang="zh-TW" altLang="en-US" dirty="0" smtClean="0"/>
-              <a:t>但最佳的前十筆都是來自</a:t>
-            </a:r>
-            <a:r>
-              <a:rPr lang="en-US" altLang="zh-TW" dirty="0" err="1" smtClean="0"/>
-              <a:t>Coswara</a:t>
-            </a:r>
-            <a:r>
-              <a:rPr lang="zh-TW" altLang="en-US" dirty="0" smtClean="0"/>
-              <a:t>，主因是</a:t>
-            </a:r>
-            <a:r>
-              <a:rPr lang="en-US" altLang="zh-TW" dirty="0" err="1" smtClean="0"/>
-              <a:t>Coswara</a:t>
-            </a:r>
-            <a:r>
-              <a:rPr lang="zh-TW" altLang="en-US" dirty="0" smtClean="0"/>
-              <a:t>的陰陽性差異若以人聽比較清楚可以辨識，</a:t>
-            </a:r>
-            <a:r>
-              <a:rPr lang="en-US" altLang="zh-TW" dirty="0" smtClean="0"/>
-              <a:t>COUGHVID</a:t>
-            </a:r>
-            <a:r>
-              <a:rPr lang="zh-TW" altLang="en-US" dirty="0" smtClean="0"/>
-              <a:t>有太多雜音在裡面導致辨識不容易</a:t>
-            </a:r>
             <a:endParaRPr lang="zh-TW" altLang="en-US" dirty="0"/>
           </a:p>
         </p:txBody>
@@ -5524,7 +4821,7 @@
           <a:p>
             <a:fld id="{0271A9D2-AE2C-4043-85B9-1775BF3BD848}" type="slidenum">
               <a:rPr lang="zh-TW" altLang="en-US" smtClean="0"/>
-              <a:t>12</a:t>
+              <a:t>9</a:t>
             </a:fld>
             <a:endParaRPr lang="zh-TW" altLang="en-US"/>
           </a:p>
@@ -5533,7 +4830,7 @@
     </p:spTree>
     <p:extLst>
       <p:ext uri="{BB962C8B-B14F-4D97-AF65-F5344CB8AC3E}">
-        <p14:creationId xmlns:p14="http://schemas.microsoft.com/office/powerpoint/2010/main" val="2484631450"/>
+        <p14:creationId xmlns:p14="http://schemas.microsoft.com/office/powerpoint/2010/main" val="215169614"/>
       </p:ext>
     </p:extLst>
   </p:cSld>
@@ -5587,22 +4884,6 @@
           <a:bodyPr/>
           <a:lstStyle/>
           <a:p>
-            <a:r>
-              <a:rPr lang="en-US" altLang="zh-TW" dirty="0" smtClean="0"/>
-              <a:t>SNR</a:t>
-            </a:r>
-            <a:r>
-              <a:rPr lang="zh-TW" altLang="en-US" dirty="0" smtClean="0"/>
-              <a:t>是訊號雜訊比 </a:t>
-            </a:r>
-            <a:r>
-              <a:rPr lang="en-US" altLang="zh-TW" dirty="0" smtClean="0"/>
-              <a:t>12.5</a:t>
-            </a:r>
-            <a:r>
-              <a:rPr lang="zh-TW" altLang="en-US" dirty="0" smtClean="0"/>
-              <a:t>表示訊號比雜訊強 若負的表示雜訊強</a:t>
-            </a:r>
             <a:endParaRPr lang="zh-TW" altLang="en-US" dirty="0"/>
           </a:p>
         </p:txBody>
@@ -5624,7 +4905,7 @@
           <a:p>
             <a:fld id="{0271A9D2-AE2C-4043-85B9-1775BF3BD848}" type="slidenum">
               <a:rPr lang="zh-TW" altLang="en-US" smtClean="0"/>
-              <a:t>13</a:t>
+              <a:t>10</a:t>
             </a:fld>
             <a:endParaRPr lang="zh-TW" altLang="en-US"/>
           </a:p>
@@ -5633,7 +4914,7 @@
     </p:spTree>
     <p:extLst>
       <p:ext uri="{BB962C8B-B14F-4D97-AF65-F5344CB8AC3E}">
-        <p14:creationId xmlns:p14="http://schemas.microsoft.com/office/powerpoint/2010/main" val="2268279603"/>
+        <p14:creationId xmlns:p14="http://schemas.microsoft.com/office/powerpoint/2010/main" val="2484631450"/>
       </p:ext>
     </p:extLst>
   </p:cSld>
@@ -5687,6 +4968,22 @@
           <a:bodyPr/>
           <a:lstStyle/>
           <a:p>
+            <a:r>
+              <a:rPr lang="en-US" altLang="zh-TW" dirty="0" smtClean="0"/>
+              <a:t>SNR</a:t>
+            </a:r>
+            <a:r>
+              <a:rPr lang="zh-TW" altLang="en-US" dirty="0" smtClean="0"/>
+              <a:t>是訊號雜訊比 </a:t>
+            </a:r>
+            <a:r>
+              <a:rPr lang="en-US" altLang="zh-TW" dirty="0" smtClean="0"/>
+              <a:t>12.5</a:t>
+            </a:r>
+            <a:r>
+              <a:rPr lang="zh-TW" altLang="en-US" dirty="0" smtClean="0"/>
+              <a:t>表示訊號比雜訊強 若負的表示雜訊強</a:t>
+            </a:r>
             <a:endParaRPr lang="zh-TW" altLang="en-US" dirty="0"/>
           </a:p>
         </p:txBody>
@@ -5708,7 +5005,191 @@
           <a:p>
             <a:fld id="{0271A9D2-AE2C-4043-85B9-1775BF3BD848}" type="slidenum">
               <a:rPr lang="zh-TW" altLang="en-US" smtClean="0"/>
-              <a:t>14</a:t>
+              <a:t>11</a:t>
+            </a:fld>
+            <a:endParaRPr lang="zh-TW" altLang="en-US"/>
+          </a:p>
+        </p:txBody>
+      </p:sp>
+    </p:spTree>
+    <p:extLst>
+      <p:ext uri="{BB962C8B-B14F-4D97-AF65-F5344CB8AC3E}">
+        <p14:creationId xmlns:p14="http://schemas.microsoft.com/office/powerpoint/2010/main" val="2268279603"/>
+      </p:ext>
+    </p:extLst>
+  </p:cSld>
+  <p:clrMapOvr>
+    <a:masterClrMapping/>
+  </p:clrMapOvr>
+</p:notes>
+</file>
+
+<file path=ppt/notesSlides/notesSlide8.xml><?xml version="1.0" encoding="utf-8"?>
+<p:notes xmlns:a="http://schemas.openxmlformats.org/drawingml/2006/main" xmlns:r="http://schemas.openxmlformats.org/officeDocument/2006/relationships" xmlns:p="http://schemas.openxmlformats.org/presentationml/2006/main">
+  <p:cSld>
+    <p:spTree>
+      <p:nvGrpSpPr>
+        <p:cNvPr id="1" name=""/>
+        <p:cNvGrpSpPr/>
+        <p:nvPr/>
+      </p:nvGrpSpPr>
+      <p:grpSpPr>
+        <a:xfrm>
+          <a:off x="0" y="0"/>
+          <a:ext cx="0" cy="0"/>
+          <a:chOff x="0" y="0"/>
+          <a:chExt cx="0" cy="0"/>
+        </a:xfrm>
+      </p:grpSpPr>
+      <p:sp>
+        <p:nvSpPr>
+          <p:cNvPr id="2" name="投影片圖像版面配置區 1"/>
+          <p:cNvSpPr>
+            <a:spLocks noGrp="1" noRot="1" noChangeAspect="1"/>
+          </p:cNvSpPr>
+          <p:nvPr>
+            <p:ph type="sldImg"/>
+          </p:nvPr>
+        </p:nvSpPr>
+        <p:spPr/>
+      </p:sp>
+      <p:sp>
+        <p:nvSpPr>
+          <p:cNvPr id="3" name="備忘稿版面配置區 2"/>
+          <p:cNvSpPr>
+            <a:spLocks noGrp="1"/>
+          </p:cNvSpPr>
+          <p:nvPr>
+            <p:ph type="body" idx="1"/>
+          </p:nvPr>
+        </p:nvSpPr>
+        <p:spPr/>
+        <p:txBody>
+          <a:bodyPr/>
+          <a:lstStyle/>
+          <a:p>
+            <a:r>
+              <a:rPr lang="en-US" altLang="zh-TW" dirty="0" smtClean="0"/>
+              <a:t>SNR</a:t>
+            </a:r>
+            <a:r>
+              <a:rPr lang="zh-TW" altLang="en-US" dirty="0" smtClean="0"/>
+              <a:t>是訊號雜訊比 </a:t>
+            </a:r>
+            <a:r>
+              <a:rPr lang="en-US" altLang="zh-TW" dirty="0" smtClean="0"/>
+              <a:t>12.5</a:t>
+            </a:r>
+            <a:r>
+              <a:rPr lang="zh-TW" altLang="en-US" dirty="0" smtClean="0"/>
+              <a:t>表示訊號比雜訊強 若負的表示雜訊強</a:t>
+            </a:r>
+            <a:endParaRPr lang="zh-TW" altLang="en-US" dirty="0"/>
+          </a:p>
+        </p:txBody>
+      </p:sp>
+      <p:sp>
+        <p:nvSpPr>
+          <p:cNvPr id="4" name="投影片編號版面配置區 3"/>
+          <p:cNvSpPr>
+            <a:spLocks noGrp="1"/>
+          </p:cNvSpPr>
+          <p:nvPr>
+            <p:ph type="sldNum" sz="quarter" idx="10"/>
+          </p:nvPr>
+        </p:nvSpPr>
+        <p:spPr/>
+        <p:txBody>
+          <a:bodyPr/>
+          <a:lstStyle/>
+          <a:p>
+            <a:fld id="{0271A9D2-AE2C-4043-85B9-1775BF3BD848}" type="slidenum">
+              <a:rPr lang="zh-TW" altLang="en-US" smtClean="0"/>
+              <a:t>12</a:t>
+            </a:fld>
+            <a:endParaRPr lang="zh-TW" altLang="en-US"/>
+          </a:p>
+        </p:txBody>
+      </p:sp>
+    </p:spTree>
+    <p:extLst>
+      <p:ext uri="{BB962C8B-B14F-4D97-AF65-F5344CB8AC3E}">
+        <p14:creationId xmlns:p14="http://schemas.microsoft.com/office/powerpoint/2010/main" val="2914183415"/>
+      </p:ext>
+    </p:extLst>
+  </p:cSld>
+  <p:clrMapOvr>
+    <a:masterClrMapping/>
+  </p:clrMapOvr>
+</p:notes>
+</file>
+
+<file path=ppt/notesSlides/notesSlide9.xml><?xml version="1.0" encoding="utf-8"?>
+<p:notes xmlns:a="http://schemas.openxmlformats.org/drawingml/2006/main" xmlns:r="http://schemas.openxmlformats.org/officeDocument/2006/relationships" xmlns:p="http://schemas.openxmlformats.org/presentationml/2006/main">
+  <p:cSld>
+    <p:spTree>
+      <p:nvGrpSpPr>
+        <p:cNvPr id="1" name=""/>
+        <p:cNvGrpSpPr/>
+        <p:nvPr/>
+      </p:nvGrpSpPr>
+      <p:grpSpPr>
+        <a:xfrm>
+          <a:off x="0" y="0"/>
+          <a:ext cx="0" cy="0"/>
+          <a:chOff x="0" y="0"/>
+          <a:chExt cx="0" cy="0"/>
+        </a:xfrm>
+      </p:grpSpPr>
+      <p:sp>
+        <p:nvSpPr>
+          <p:cNvPr id="2" name="投影片圖像版面配置區 1"/>
+          <p:cNvSpPr>
+            <a:spLocks noGrp="1" noRot="1" noChangeAspect="1"/>
+          </p:cNvSpPr>
+          <p:nvPr>
+            <p:ph type="sldImg"/>
+          </p:nvPr>
+        </p:nvSpPr>
+        <p:spPr/>
+      </p:sp>
+      <p:sp>
+        <p:nvSpPr>
+          <p:cNvPr id="3" name="備忘稿版面配置區 2"/>
+          <p:cNvSpPr>
+            <a:spLocks noGrp="1"/>
+          </p:cNvSpPr>
+          <p:nvPr>
+            <p:ph type="body" idx="1"/>
+          </p:nvPr>
+        </p:nvSpPr>
+        <p:spPr/>
+        <p:txBody>
+          <a:bodyPr/>
+          <a:lstStyle/>
+          <a:p>
+            <a:endParaRPr lang="zh-TW" altLang="en-US" dirty="0"/>
+          </a:p>
+        </p:txBody>
+      </p:sp>
+      <p:sp>
+        <p:nvSpPr>
+          <p:cNvPr id="4" name="投影片編號版面配置區 3"/>
+          <p:cNvSpPr>
+            <a:spLocks noGrp="1"/>
+          </p:cNvSpPr>
+          <p:nvPr>
+            <p:ph type="sldNum" sz="quarter" idx="10"/>
+          </p:nvPr>
+        </p:nvSpPr>
+        <p:spPr/>
+        <p:txBody>
+          <a:bodyPr/>
+          <a:lstStyle/>
+          <a:p>
+            <a:fld id="{0271A9D2-AE2C-4043-85B9-1775BF3BD848}" type="slidenum">
+              <a:rPr lang="zh-TW" altLang="en-US" smtClean="0"/>
+              <a:t>13</a:t>
             </a:fld>
             <a:endParaRPr lang="zh-TW" altLang="en-US"/>
           </a:p>
@@ -8737,11 +8218,7 @@
             </a:br>
             <a:r>
               <a:rPr lang="en-US" altLang="zh-TW" dirty="0"/>
-              <a:t> </a:t>
-            </a:r>
-            <a:r>
-              <a:rPr lang="en-US" altLang="zh-TW" dirty="0"/>
-              <a:t>Deep learning-based urban big data fusion in smart cities: Towards traffic monitoring and flow-preserving fusion</a:t>
+              <a:t> Deep learning-based urban big data fusion in smart cities: Towards traffic monitoring and flow-preserving fusion</a:t>
             </a:r>
             <a:endParaRPr dirty="0"/>
           </a:p>
@@ -8790,11 +8267,7 @@
             </a:r>
             <a:r>
               <a:rPr lang="en-US" altLang="zh-TW" sz="1800" dirty="0"/>
-              <a:t> Kh</a:t>
-            </a:r>
-            <a:r>
-              <a:rPr lang="en-US" altLang="zh-TW" sz="1800" dirty="0"/>
-              <a:t>an</a:t>
+              <a:t> Khan</a:t>
             </a:r>
             <a:r>
               <a:rPr lang="en-US" sz="1800" dirty="0"/>
@@ -8818,11 +8291,7 @@
             </a:r>
             <a:r>
               <a:rPr lang="en-US" altLang="zh-TW" sz="1800" dirty="0"/>
-              <a:t>, </a:t>
-            </a:r>
-            <a:r>
-              <a:rPr lang="en-US" altLang="zh-TW" sz="1800" dirty="0"/>
-              <a:t>Anwar Hussain</a:t>
+              <a:t>, Anwar Hussain</a:t>
             </a:r>
             <a:endParaRPr lang="zh-TW" altLang="en-US" sz="1800" dirty="0"/>
           </a:p>
@@ -8935,7 +8404,7 @@
           <p:cNvPr id="8" name="投影片編號版面配置區 7">
             <a:extLst>
               <a:ext uri="{FF2B5EF4-FFF2-40B4-BE49-F238E27FC236}">
-                <a16:creationId xmlns:a16="http://schemas.microsoft.com/office/drawing/2014/main" xmlns="" id="{07B2E6EB-BD66-5593-79B4-2E3DCF82E6E0}"/>
+                <a16:creationId xmlns="" xmlns:a16="http://schemas.microsoft.com/office/drawing/2014/main" id="{07B2E6EB-BD66-5593-79B4-2E3DCF82E6E0}"/>
               </a:ext>
             </a:extLst>
           </p:cNvPr>
@@ -8994,45 +8463,136 @@
             <p:ph type="title"/>
           </p:nvPr>
         </p:nvSpPr>
-        <p:spPr>
-          <a:xfrm>
-            <a:off x="866336" y="827829"/>
-            <a:ext cx="7103967" cy="1137111"/>
-          </a:xfrm>
-        </p:spPr>
-        <p:txBody>
-          <a:bodyPr>
+        <p:spPr/>
+        <p:txBody>
+          <a:bodyPr/>
+          <a:lstStyle/>
+          <a:p>
+            <a:r>
+              <a:rPr lang="af-ZA" dirty="0">
+                <a:cs typeface="Calibri"/>
+              </a:rPr>
+              <a:t>RESULT</a:t>
+            </a:r>
+            <a:endParaRPr dirty="0"/>
+          </a:p>
+        </p:txBody>
+      </p:sp>
+      <p:sp>
+        <p:nvSpPr>
+          <p:cNvPr id="3" name="Content Placeholder 2"/>
+          <p:cNvSpPr>
+            <a:spLocks noGrp="1"/>
+          </p:cNvSpPr>
+          <p:nvPr>
+            <p:ph idx="1"/>
+          </p:nvPr>
+        </p:nvSpPr>
+        <p:spPr/>
+        <p:txBody>
+          <a:bodyPr vert="horz" lIns="91440" tIns="45720" rIns="91440" bIns="45720" rtlCol="0" anchor="t">
             <a:normAutofit/>
           </a:bodyPr>
           <a:lstStyle/>
           <a:p>
             <a:r>
-              <a:rPr lang="af-ZA" sz="4700" dirty="0">
-                <a:cs typeface="Calibri"/>
-              </a:rPr>
-              <a:t>method</a:t>
-            </a:r>
-            <a:endParaRPr lang="af-ZA" sz="4700" dirty="0"/>
-          </a:p>
-        </p:txBody>
-      </p:sp>
-      <p:sp>
-        <p:nvSpPr>
-          <p:cNvPr id="5" name="矩形 4"/>
+              <a:rPr sz="1800" dirty="0" err="1"/>
+              <a:t>研究結果顯示</a:t>
+            </a:r>
+            <a:r>
+              <a:rPr sz="1800" dirty="0" smtClean="0"/>
+              <a:t>，</a:t>
+            </a:r>
+            <a:r>
+              <a:rPr lang="zh-TW" altLang="en-US" sz="1800" dirty="0" smtClean="0"/>
+              <a:t>當預測時間區間越長，</a:t>
+            </a:r>
+            <a:r>
+              <a:rPr lang="en-US" altLang="zh-TW" sz="1800" dirty="0" smtClean="0"/>
+              <a:t>RMSE</a:t>
+            </a:r>
+            <a:r>
+              <a:rPr lang="zh-TW" altLang="en-US" sz="1800" dirty="0" smtClean="0"/>
+              <a:t>會越大，若使用融合模型，在同一個時間區間，與其他模型相比誤差較小</a:t>
+            </a:r>
+            <a:endParaRPr lang="zh-TW" altLang="en-US" sz="1800" dirty="0">
+              <a:cs typeface="Calibri"/>
+            </a:endParaRPr>
+          </a:p>
+        </p:txBody>
+      </p:sp>
+      <p:sp>
+        <p:nvSpPr>
+          <p:cNvPr id="4" name="投影片編號版面配置區 3">
+            <a:extLst>
+              <a:ext uri="{FF2B5EF4-FFF2-40B4-BE49-F238E27FC236}">
+                <a16:creationId xmlns="" xmlns:a16="http://schemas.microsoft.com/office/drawing/2014/main" id="{A87F1B5D-F8E2-ED3D-2E72-EB23BAB0F167}"/>
+              </a:ext>
+            </a:extLst>
+          </p:cNvPr>
+          <p:cNvSpPr>
+            <a:spLocks noGrp="1"/>
+          </p:cNvSpPr>
+          <p:nvPr>
+            <p:ph type="sldNum" sz="quarter" idx="12"/>
+          </p:nvPr>
+        </p:nvSpPr>
+        <p:spPr/>
+        <p:txBody>
+          <a:bodyPr/>
+          <a:lstStyle/>
+          <a:p>
+            <a:fld id="{C1FF6DA9-008F-8B48-92A6-B652298478BF}" type="slidenum">
+              <a:rPr lang="en-US" smtClean="0"/>
+              <a:t>10</a:t>
+            </a:fld>
+            <a:endParaRPr lang="zh-TW" altLang="en-US"/>
+          </a:p>
+        </p:txBody>
+      </p:sp>
+      <p:pic>
+        <p:nvPicPr>
+          <p:cNvPr id="5" name="圖片 4"/>
+          <p:cNvPicPr>
+            <a:picLocks noChangeAspect="1"/>
+          </p:cNvPicPr>
+          <p:nvPr/>
+        </p:nvPicPr>
+        <p:blipFill rotWithShape="1">
+          <a:blip r:embed="rId3"/>
+          <a:srcRect l="41522" t="36666" r="26413" b="35894"/>
+          <a:stretch/>
+        </p:blipFill>
+        <p:spPr>
+          <a:xfrm>
+            <a:off x="1642442" y="2663687"/>
+            <a:ext cx="5859117" cy="2820322"/>
+          </a:xfrm>
+          <a:prstGeom prst="rect">
+            <a:avLst/>
+          </a:prstGeom>
+        </p:spPr>
+      </p:pic>
+      <p:sp>
+        <p:nvSpPr>
+          <p:cNvPr id="6" name="矩形 5"/>
           <p:cNvSpPr/>
           <p:nvPr/>
         </p:nvSpPr>
         <p:spPr>
           <a:xfrm>
-            <a:off x="426982" y="1639310"/>
-            <a:ext cx="1780189" cy="651260"/>
+            <a:off x="2445026" y="3836504"/>
+            <a:ext cx="3597965" cy="496957"/>
           </a:xfrm>
           <a:prstGeom prst="rect">
             <a:avLst/>
           </a:prstGeom>
           <a:noFill/>
           <a:ln>
-            <a:noFill/>
+            <a:solidFill>
+              <a:srgbClr val="FF0000"/>
+            </a:solidFill>
+            <a:prstDash val="dashDot"/>
           </a:ln>
         </p:spPr>
         <p:style>
@@ -9054,309 +8614,11 @@
           <a:lstStyle/>
           <a:p>
             <a:pPr algn="ctr"/>
-            <a:r>
-              <a:rPr lang="zh-TW" altLang="en-US" dirty="0" smtClean="0">
-                <a:solidFill>
-                  <a:schemeClr val="tx1"/>
-                </a:solidFill>
-              </a:rPr>
-              <a:t>建模演算法</a:t>
-            </a:r>
-            <a:endParaRPr lang="en-US" altLang="zh-TW" dirty="0" smtClean="0">
-              <a:solidFill>
-                <a:schemeClr val="tx1"/>
-              </a:solidFill>
-            </a:endParaRPr>
-          </a:p>
-          <a:p>
-            <a:pPr algn="ctr"/>
-            <a:r>
-              <a:rPr lang="zh-TW" altLang="en-US" dirty="0" smtClean="0">
-                <a:solidFill>
-                  <a:schemeClr val="tx1"/>
-                </a:solidFill>
-              </a:rPr>
-              <a:t>介紹</a:t>
-            </a:r>
-            <a:endParaRPr lang="zh-TW" altLang="en-US" dirty="0">
-              <a:solidFill>
-                <a:schemeClr val="tx1"/>
-              </a:solidFill>
-            </a:endParaRPr>
-          </a:p>
-        </p:txBody>
-      </p:sp>
-      <p:sp>
-        <p:nvSpPr>
-          <p:cNvPr id="6" name="Content Placeholder 2"/>
-          <p:cNvSpPr>
-            <a:spLocks noGrp="1"/>
-          </p:cNvSpPr>
-          <p:nvPr>
-            <p:ph idx="1"/>
-          </p:nvPr>
-        </p:nvSpPr>
-        <p:spPr>
-          <a:xfrm>
-            <a:off x="931947" y="2290570"/>
-            <a:ext cx="7991336" cy="4300447"/>
-          </a:xfrm>
-        </p:spPr>
-        <p:txBody>
-          <a:bodyPr vert="horz" lIns="91440" tIns="45720" rIns="91440" bIns="45720" rtlCol="0" anchor="t">
-            <a:normAutofit lnSpcReduction="10000"/>
-          </a:bodyPr>
-          <a:lstStyle/>
-          <a:p>
-            <a:pPr marL="457200" indent="-457200">
-              <a:buAutoNum type="arabicPeriod"/>
-            </a:pPr>
-            <a:r>
-              <a:rPr lang="en-US" altLang="zh-TW" sz="2000" dirty="0"/>
-              <a:t>Extreme Gradient Boosting</a:t>
-            </a:r>
-            <a:r>
-              <a:rPr lang="en-US" altLang="zh-TW" sz="1800" dirty="0"/>
-              <a:t> :</a:t>
-            </a:r>
-            <a:r>
-              <a:rPr lang="zh-TW" altLang="en-US" sz="1800" dirty="0"/>
-              <a:t> </a:t>
-            </a:r>
-            <a:endParaRPr lang="en-US" altLang="zh-TW" sz="1800" dirty="0" smtClean="0"/>
-          </a:p>
-          <a:p>
-            <a:r>
-              <a:rPr lang="zh-TW" altLang="en-US" sz="2000" dirty="0"/>
-              <a:t>算法原理</a:t>
-            </a:r>
-            <a:r>
-              <a:rPr lang="en-US" altLang="zh-TW" sz="2000" dirty="0"/>
-              <a:t>: </a:t>
-            </a:r>
-            <a:r>
-              <a:rPr lang="zh-TW" altLang="en-US" sz="2000" dirty="0"/>
-              <a:t>集成學習</a:t>
-            </a:r>
-            <a:r>
-              <a:rPr lang="en-US" altLang="zh-TW" sz="2000" dirty="0"/>
-              <a:t>: </a:t>
-            </a:r>
-            <a:r>
-              <a:rPr lang="zh-TW" altLang="en-US" sz="2000" dirty="0"/>
-              <a:t>組合多個弱學習器</a:t>
-            </a:r>
-            <a:r>
-              <a:rPr lang="en-US" altLang="zh-TW" sz="2000" dirty="0"/>
-              <a:t>(</a:t>
-            </a:r>
-            <a:r>
-              <a:rPr lang="zh-TW" altLang="en-US" sz="2000" dirty="0"/>
-              <a:t>通常是決策樹</a:t>
-            </a:r>
-            <a:r>
-              <a:rPr lang="en-US" altLang="zh-TW" sz="2000" dirty="0"/>
-              <a:t>)</a:t>
-            </a:r>
-            <a:r>
-              <a:rPr lang="zh-TW" altLang="en-US" sz="2000" dirty="0"/>
-              <a:t>來構建強學習器。</a:t>
-            </a:r>
-          </a:p>
-          <a:p>
-            <a:r>
-              <a:rPr lang="zh-TW" altLang="en-US" sz="2000" dirty="0"/>
-              <a:t>梯度提升</a:t>
-            </a:r>
-            <a:r>
-              <a:rPr lang="en-US" altLang="zh-TW" sz="2000" dirty="0"/>
-              <a:t>: </a:t>
-            </a:r>
-            <a:r>
-              <a:rPr lang="zh-TW" altLang="en-US" sz="2000" dirty="0"/>
-              <a:t>逐步添加模型</a:t>
-            </a:r>
-            <a:r>
-              <a:rPr lang="en-US" altLang="zh-TW" sz="2000" dirty="0"/>
-              <a:t>,</a:t>
-            </a:r>
-            <a:r>
-              <a:rPr lang="zh-TW" altLang="en-US" sz="2000" dirty="0"/>
-              <a:t>每次添加都試圖糾正之前模型的錯誤。</a:t>
-            </a:r>
-          </a:p>
-          <a:p>
-            <a:r>
-              <a:rPr lang="zh-TW" altLang="en-US" sz="2000" dirty="0"/>
-              <a:t>性能優化</a:t>
-            </a:r>
-            <a:r>
-              <a:rPr lang="en-US" altLang="zh-TW" sz="2000" dirty="0"/>
-              <a:t>: </a:t>
-            </a:r>
-            <a:r>
-              <a:rPr lang="zh-TW" altLang="en-US" sz="2000" dirty="0"/>
-              <a:t>並行處理</a:t>
-            </a:r>
-            <a:r>
-              <a:rPr lang="en-US" altLang="zh-TW" sz="2000" dirty="0"/>
-              <a:t>: </a:t>
-            </a:r>
-            <a:r>
-              <a:rPr lang="zh-TW" altLang="en-US" sz="2000" dirty="0"/>
-              <a:t>利用多核</a:t>
-            </a:r>
-            <a:r>
-              <a:rPr lang="en-US" altLang="zh-TW" sz="2000" dirty="0"/>
-              <a:t>CPU</a:t>
-            </a:r>
-            <a:r>
-              <a:rPr lang="zh-TW" altLang="en-US" sz="2000" dirty="0"/>
-              <a:t>進行樹的並行構建。</a:t>
-            </a:r>
-          </a:p>
-          <a:p>
-            <a:r>
-              <a:rPr lang="zh-TW" altLang="en-US" sz="2000" dirty="0"/>
-              <a:t>硬件優化</a:t>
-            </a:r>
-            <a:r>
-              <a:rPr lang="en-US" altLang="zh-TW" sz="2000" dirty="0"/>
-              <a:t>: </a:t>
-            </a:r>
-            <a:r>
-              <a:rPr lang="zh-TW" altLang="en-US" sz="2000" dirty="0"/>
-              <a:t>高效的內存使用和磁盤空間利用。</a:t>
-            </a:r>
-          </a:p>
-          <a:p>
-            <a:r>
-              <a:rPr lang="zh-TW" altLang="en-US" sz="2000" dirty="0"/>
-              <a:t>正則化</a:t>
-            </a:r>
-            <a:r>
-              <a:rPr lang="en-US" altLang="zh-TW" sz="2000" dirty="0"/>
-              <a:t>: </a:t>
-            </a:r>
-            <a:r>
-              <a:rPr lang="zh-TW" altLang="en-US" sz="2000" dirty="0"/>
-              <a:t>包含</a:t>
-            </a:r>
-            <a:r>
-              <a:rPr lang="en-US" altLang="zh-TW" sz="2000" dirty="0"/>
-              <a:t>L1</a:t>
-            </a:r>
-            <a:r>
-              <a:rPr lang="zh-TW" altLang="en-US" sz="2000" dirty="0"/>
-              <a:t>和</a:t>
-            </a:r>
-            <a:r>
-              <a:rPr lang="en-US" altLang="zh-TW" sz="2000" dirty="0"/>
-              <a:t>L2</a:t>
-            </a:r>
-            <a:r>
-              <a:rPr lang="zh-TW" altLang="en-US" sz="2000" dirty="0"/>
-              <a:t>正則化項</a:t>
-            </a:r>
-            <a:r>
-              <a:rPr lang="en-US" altLang="zh-TW" sz="2000" dirty="0"/>
-              <a:t>,</a:t>
-            </a:r>
-            <a:r>
-              <a:rPr lang="zh-TW" altLang="en-US" sz="2000" dirty="0"/>
-              <a:t>防止過擬合。</a:t>
-            </a:r>
-          </a:p>
-          <a:p>
-            <a:r>
-              <a:rPr lang="zh-TW" altLang="en-US" sz="2000" dirty="0"/>
-              <a:t>算法改進</a:t>
-            </a:r>
-            <a:r>
-              <a:rPr lang="en-US" altLang="zh-TW" sz="2000" dirty="0"/>
-              <a:t>: </a:t>
-            </a:r>
-            <a:r>
-              <a:rPr lang="zh-TW" altLang="en-US" sz="2000" dirty="0"/>
-              <a:t>使用二階泰勒展開近似損失函數</a:t>
-            </a:r>
-            <a:r>
-              <a:rPr lang="en-US" altLang="zh-TW" sz="2000" dirty="0"/>
-              <a:t>,</a:t>
-            </a:r>
-            <a:r>
-              <a:rPr lang="zh-TW" altLang="en-US" sz="2000" dirty="0"/>
-              <a:t>提高收斂速度。</a:t>
-            </a:r>
-          </a:p>
-          <a:p>
-            <a:r>
-              <a:rPr lang="zh-TW" altLang="en-US" sz="2000" dirty="0"/>
-              <a:t>支持自定義損失函數。</a:t>
-            </a:r>
-          </a:p>
-          <a:p>
-            <a:r>
-              <a:rPr lang="zh-TW" altLang="en-US" sz="2000" dirty="0"/>
-              <a:t>特徵重要性評估。</a:t>
-            </a:r>
-          </a:p>
-          <a:p>
-            <a:endParaRPr lang="zh-TW" altLang="en-US" sz="2000" dirty="0"/>
-          </a:p>
-          <a:p>
-            <a:pPr marL="0" indent="0">
-              <a:buNone/>
-            </a:pPr>
-            <a:r>
-              <a:rPr lang="en-US" altLang="zh-TW" sz="2000" dirty="0">
-                <a:ea typeface="+mn-lt"/>
-                <a:cs typeface="+mn-lt"/>
-              </a:rPr>
-              <a:t>	</a:t>
-            </a:r>
-            <a:endParaRPr lang="en-US" altLang="zh-TW" sz="1900" dirty="0">
-              <a:ea typeface="+mn-lt"/>
-              <a:cs typeface="+mn-lt"/>
-            </a:endParaRPr>
-          </a:p>
-          <a:p>
-            <a:pPr marL="0" indent="0">
-              <a:buNone/>
-            </a:pPr>
-            <a:endParaRPr lang="en-US" altLang="zh-TW" sz="1900" dirty="0" smtClean="0">
-              <a:ea typeface="+mn-lt"/>
-              <a:cs typeface="+mn-lt"/>
-            </a:endParaRPr>
-          </a:p>
-          <a:p>
-            <a:pPr marL="0" indent="0">
-              <a:buNone/>
-            </a:pPr>
-            <a:endParaRPr lang="zh-TW" sz="1900" dirty="0">
-              <a:ea typeface="+mn-lt"/>
-              <a:cs typeface="+mn-lt"/>
-            </a:endParaRPr>
-          </a:p>
-          <a:p>
-            <a:endParaRPr lang="zh-TW" altLang="en-US" sz="1900" dirty="0">
-              <a:ea typeface="新細明體"/>
-              <a:cs typeface="Calibri"/>
-            </a:endParaRPr>
-          </a:p>
-          <a:p>
-            <a:endParaRPr lang="zh-TW" altLang="en-US" sz="1900" dirty="0">
-              <a:cs typeface="Calibri"/>
-            </a:endParaRPr>
+            <a:endParaRPr lang="zh-TW" altLang="en-US"/>
           </a:p>
         </p:txBody>
       </p:sp>
     </p:spTree>
-    <p:extLst>
-      <p:ext uri="{BB962C8B-B14F-4D97-AF65-F5344CB8AC3E}">
-        <p14:creationId xmlns:p14="http://schemas.microsoft.com/office/powerpoint/2010/main" val="327803838"/>
-      </p:ext>
-    </p:extLst>
   </p:cSld>
   <p:clrMapOvr>
     <a:masterClrMapping/>
@@ -9391,944 +8653,129 @@
             <p:ph type="title"/>
           </p:nvPr>
         </p:nvSpPr>
+        <p:spPr/>
+        <p:txBody>
+          <a:bodyPr/>
+          <a:lstStyle/>
+          <a:p>
+            <a:r>
+              <a:rPr lang="af-ZA" dirty="0">
+                <a:cs typeface="Calibri"/>
+              </a:rPr>
+              <a:t>RESULT</a:t>
+            </a:r>
+            <a:endParaRPr dirty="0"/>
+          </a:p>
+        </p:txBody>
+      </p:sp>
+      <p:sp>
+        <p:nvSpPr>
+          <p:cNvPr id="4" name="投影片編號版面配置區 3">
+            <a:extLst>
+              <a:ext uri="{FF2B5EF4-FFF2-40B4-BE49-F238E27FC236}">
+                <a16:creationId xmlns="" xmlns:a16="http://schemas.microsoft.com/office/drawing/2014/main" id="{A87F1B5D-F8E2-ED3D-2E72-EB23BAB0F167}"/>
+              </a:ext>
+            </a:extLst>
+          </p:cNvPr>
+          <p:cNvSpPr>
+            <a:spLocks noGrp="1"/>
+          </p:cNvSpPr>
+          <p:nvPr>
+            <p:ph type="sldNum" sz="quarter" idx="12"/>
+          </p:nvPr>
+        </p:nvSpPr>
+        <p:spPr/>
+        <p:txBody>
+          <a:bodyPr/>
+          <a:lstStyle/>
+          <a:p>
+            <a:fld id="{C1FF6DA9-008F-8B48-92A6-B652298478BF}" type="slidenum">
+              <a:rPr lang="en-US" smtClean="0"/>
+              <a:t>11</a:t>
+            </a:fld>
+            <a:endParaRPr lang="zh-TW" altLang="en-US"/>
+          </a:p>
+        </p:txBody>
+      </p:sp>
+      <p:pic>
+        <p:nvPicPr>
+          <p:cNvPr id="8" name="圖片 7"/>
+          <p:cNvPicPr>
+            <a:picLocks noChangeAspect="1"/>
+          </p:cNvPicPr>
+          <p:nvPr/>
+        </p:nvPicPr>
+        <p:blipFill rotWithShape="1">
+          <a:blip r:embed="rId3"/>
+          <a:srcRect l="38587" t="40145" r="23696" b="26039"/>
+          <a:stretch/>
+        </p:blipFill>
         <p:spPr>
           <a:xfrm>
-            <a:off x="866336" y="827829"/>
-            <a:ext cx="7103967" cy="1137111"/>
-          </a:xfrm>
-        </p:spPr>
-        <p:txBody>
-          <a:bodyPr>
-            <a:normAutofit/>
-          </a:bodyPr>
-          <a:lstStyle/>
-          <a:p>
-            <a:r>
-              <a:rPr lang="af-ZA" sz="4700" dirty="0">
-                <a:cs typeface="Calibri"/>
-              </a:rPr>
-              <a:t>method</a:t>
-            </a:r>
-            <a:endParaRPr lang="af-ZA" sz="4700" dirty="0"/>
-          </a:p>
-        </p:txBody>
-      </p:sp>
-      <p:sp>
-        <p:nvSpPr>
-          <p:cNvPr id="5" name="矩形 4"/>
-          <p:cNvSpPr/>
-          <p:nvPr/>
-        </p:nvSpPr>
-        <p:spPr>
-          <a:xfrm>
-            <a:off x="426982" y="1639310"/>
-            <a:ext cx="1780189" cy="651260"/>
+            <a:off x="1909369" y="2713382"/>
+            <a:ext cx="5710631" cy="2880000"/>
           </a:xfrm>
           <a:prstGeom prst="rect">
             <a:avLst/>
           </a:prstGeom>
-          <a:noFill/>
-          <a:ln>
-            <a:noFill/>
-          </a:ln>
         </p:spPr>
-        <p:style>
-          <a:lnRef idx="1">
-            <a:schemeClr val="accent1"/>
-          </a:lnRef>
-          <a:fillRef idx="3">
-            <a:schemeClr val="accent1"/>
-          </a:fillRef>
-          <a:effectRef idx="2">
-            <a:schemeClr val="accent1"/>
-          </a:effectRef>
-          <a:fontRef idx="minor">
-            <a:schemeClr val="lt1"/>
-          </a:fontRef>
-        </p:style>
-        <p:txBody>
-          <a:bodyPr rtlCol="0" anchor="ctr"/>
+      </p:pic>
+      <p:sp>
+        <p:nvSpPr>
+          <p:cNvPr id="5" name="Content Placeholder 2"/>
+          <p:cNvSpPr>
+            <a:spLocks noGrp="1"/>
+          </p:cNvSpPr>
+          <p:nvPr>
+            <p:ph idx="1"/>
+          </p:nvPr>
+        </p:nvSpPr>
+        <p:spPr>
+          <a:xfrm>
+            <a:off x="457200" y="1600200"/>
+            <a:ext cx="8229600" cy="4525963"/>
+          </a:xfrm>
+        </p:spPr>
+        <p:txBody>
+          <a:bodyPr vert="horz" lIns="91440" tIns="45720" rIns="91440" bIns="45720" rtlCol="0" anchor="t">
+            <a:normAutofit/>
+          </a:bodyPr>
           <a:lstStyle/>
           <a:p>
-            <a:pPr algn="ctr"/>
-            <a:r>
-              <a:rPr lang="zh-TW" altLang="en-US" dirty="0" smtClean="0">
-                <a:solidFill>
-                  <a:schemeClr val="tx1"/>
-                </a:solidFill>
-              </a:rPr>
-              <a:t>混淆矩陣</a:t>
-            </a:r>
-            <a:endParaRPr lang="zh-TW" altLang="en-US" dirty="0">
-              <a:solidFill>
-                <a:schemeClr val="tx1"/>
-              </a:solidFill>
+            <a:r>
+              <a:rPr lang="zh-TW" altLang="en-US" sz="1800" dirty="0" smtClean="0"/>
+              <a:t>比較不同比例的</a:t>
+            </a:r>
+            <a:r>
+              <a:rPr lang="en-US" altLang="zh-TW" sz="1800" dirty="0" smtClean="0"/>
+              <a:t>training</a:t>
+            </a:r>
+            <a:r>
+              <a:rPr lang="zh-TW" altLang="en-US" sz="1800" dirty="0" smtClean="0"/>
+              <a:t> </a:t>
+            </a:r>
+            <a:r>
+              <a:rPr lang="en-US" altLang="zh-TW" sz="1800" dirty="0" smtClean="0"/>
+              <a:t>set</a:t>
+            </a:r>
+            <a:r>
+              <a:rPr lang="zh-TW" altLang="en-US" sz="1800" dirty="0"/>
+              <a:t>，融合</a:t>
+            </a:r>
+            <a:r>
+              <a:rPr lang="zh-TW" altLang="en-US" sz="1800" dirty="0" smtClean="0"/>
+              <a:t>模型表現較佳</a:t>
+            </a:r>
+            <a:endParaRPr lang="zh-TW" altLang="en-US" sz="1800" dirty="0">
+              <a:cs typeface="Calibri"/>
             </a:endParaRPr>
           </a:p>
         </p:txBody>
       </p:sp>
-      <p:graphicFrame>
-        <p:nvGraphicFramePr>
-          <p:cNvPr id="3" name="表格 2"/>
-          <p:cNvGraphicFramePr>
-            <a:graphicFrameLocks noGrp="1"/>
-          </p:cNvGraphicFramePr>
-          <p:nvPr>
-            <p:extLst>
-              <p:ext uri="{D42A27DB-BD31-4B8C-83A1-F6EECF244321}">
-                <p14:modId xmlns:p14="http://schemas.microsoft.com/office/powerpoint/2010/main" val="1021861028"/>
-              </p:ext>
-            </p:extLst>
-          </p:nvPr>
-        </p:nvGraphicFramePr>
-        <p:xfrm>
-          <a:off x="1524000" y="2309138"/>
-          <a:ext cx="6096000" cy="1112520"/>
-        </p:xfrm>
-        <a:graphic>
-          <a:graphicData uri="http://schemas.openxmlformats.org/drawingml/2006/table">
-            <a:tbl>
-              <a:tblPr firstRow="1" bandRow="1">
-                <a:tableStyleId>{5C22544A-7EE6-4342-B048-85BDC9FD1C3A}</a:tableStyleId>
-              </a:tblPr>
-              <a:tblGrid>
-                <a:gridCol w="2032000">
-                  <a:extLst>
-                    <a:ext uri="{9D8B030D-6E8A-4147-A177-3AD203B41FA5}">
-                      <a16:colId xmlns:a16="http://schemas.microsoft.com/office/drawing/2014/main" xmlns="" val="4131429575"/>
-                    </a:ext>
-                  </a:extLst>
-                </a:gridCol>
-                <a:gridCol w="2032000">
-                  <a:extLst>
-                    <a:ext uri="{9D8B030D-6E8A-4147-A177-3AD203B41FA5}">
-                      <a16:colId xmlns:a16="http://schemas.microsoft.com/office/drawing/2014/main" xmlns="" val="4166598384"/>
-                    </a:ext>
-                  </a:extLst>
-                </a:gridCol>
-                <a:gridCol w="2032000">
-                  <a:extLst>
-                    <a:ext uri="{9D8B030D-6E8A-4147-A177-3AD203B41FA5}">
-                      <a16:colId xmlns:a16="http://schemas.microsoft.com/office/drawing/2014/main" xmlns="" val="4127755322"/>
-                    </a:ext>
-                  </a:extLst>
-                </a:gridCol>
-              </a:tblGrid>
-              <a:tr h="370840">
-                <a:tc>
-                  <a:txBody>
-                    <a:bodyPr/>
-                    <a:lstStyle/>
-                    <a:p>
-                      <a:endParaRPr lang="zh-TW" altLang="en-US" b="0" dirty="0">
-                        <a:solidFill>
-                          <a:schemeClr val="tx1"/>
-                        </a:solidFill>
-                      </a:endParaRPr>
-                    </a:p>
-                  </a:txBody>
-                  <a:tcPr>
-                    <a:lnL w="12700" cap="flat" cmpd="sng" algn="ctr">
-                      <a:solidFill>
-                        <a:schemeClr val="tx1"/>
-                      </a:solidFill>
-                      <a:prstDash val="solid"/>
-                      <a:round/>
-                      <a:headEnd type="none" w="med" len="med"/>
-                      <a:tailEnd type="none" w="med" len="med"/>
-                    </a:lnL>
-                    <a:lnR w="12700" cap="flat" cmpd="sng" algn="ctr">
-                      <a:solidFill>
-                        <a:schemeClr val="tx1"/>
-                      </a:solidFill>
-                      <a:prstDash val="solid"/>
-                      <a:round/>
-                      <a:headEnd type="none" w="med" len="med"/>
-                      <a:tailEnd type="none" w="med" len="med"/>
-                    </a:lnR>
-                    <a:lnT w="12700" cap="flat" cmpd="sng" algn="ctr">
-                      <a:solidFill>
-                        <a:schemeClr val="tx1"/>
-                      </a:solidFill>
-                      <a:prstDash val="solid"/>
-                      <a:round/>
-                      <a:headEnd type="none" w="med" len="med"/>
-                      <a:tailEnd type="none" w="med" len="med"/>
-                    </a:lnT>
-                    <a:lnB w="12700" cap="flat" cmpd="sng" algn="ctr">
-                      <a:solidFill>
-                        <a:schemeClr val="tx1"/>
-                      </a:solidFill>
-                      <a:prstDash val="solid"/>
-                      <a:round/>
-                      <a:headEnd type="none" w="med" len="med"/>
-                      <a:tailEnd type="none" w="med" len="med"/>
-                    </a:lnB>
-                    <a:noFill/>
-                  </a:tcPr>
-                </a:tc>
-                <a:tc>
-                  <a:txBody>
-                    <a:bodyPr/>
-                    <a:lstStyle/>
-                    <a:p>
-                      <a:r>
-                        <a:rPr lang="zh-TW" altLang="en-US" b="0" dirty="0" smtClean="0">
-                          <a:solidFill>
-                            <a:schemeClr val="tx1"/>
-                          </a:solidFill>
-                        </a:rPr>
-                        <a:t>預測陽性</a:t>
-                      </a:r>
-                      <a:endParaRPr lang="zh-TW" altLang="en-US" b="0" dirty="0">
-                        <a:solidFill>
-                          <a:schemeClr val="tx1"/>
-                        </a:solidFill>
-                      </a:endParaRPr>
-                    </a:p>
-                  </a:txBody>
-                  <a:tcPr>
-                    <a:lnL w="12700" cap="flat" cmpd="sng" algn="ctr">
-                      <a:solidFill>
-                        <a:schemeClr val="tx1"/>
-                      </a:solidFill>
-                      <a:prstDash val="solid"/>
-                      <a:round/>
-                      <a:headEnd type="none" w="med" len="med"/>
-                      <a:tailEnd type="none" w="med" len="med"/>
-                    </a:lnL>
-                    <a:lnR w="12700" cap="flat" cmpd="sng" algn="ctr">
-                      <a:solidFill>
-                        <a:schemeClr val="tx1"/>
-                      </a:solidFill>
-                      <a:prstDash val="solid"/>
-                      <a:round/>
-                      <a:headEnd type="none" w="med" len="med"/>
-                      <a:tailEnd type="none" w="med" len="med"/>
-                    </a:lnR>
-                    <a:lnT w="12700" cap="flat" cmpd="sng" algn="ctr">
-                      <a:solidFill>
-                        <a:schemeClr val="tx1"/>
-                      </a:solidFill>
-                      <a:prstDash val="solid"/>
-                      <a:round/>
-                      <a:headEnd type="none" w="med" len="med"/>
-                      <a:tailEnd type="none" w="med" len="med"/>
-                    </a:lnT>
-                    <a:lnB w="12700" cap="flat" cmpd="sng" algn="ctr">
-                      <a:solidFill>
-                        <a:schemeClr val="tx1"/>
-                      </a:solidFill>
-                      <a:prstDash val="solid"/>
-                      <a:round/>
-                      <a:headEnd type="none" w="med" len="med"/>
-                      <a:tailEnd type="none" w="med" len="med"/>
-                    </a:lnB>
-                    <a:noFill/>
-                  </a:tcPr>
-                </a:tc>
-                <a:tc>
-                  <a:txBody>
-                    <a:bodyPr/>
-                    <a:lstStyle/>
-                    <a:p>
-                      <a:r>
-                        <a:rPr lang="zh-TW" altLang="en-US" b="0" dirty="0" smtClean="0">
-                          <a:solidFill>
-                            <a:schemeClr val="tx1"/>
-                          </a:solidFill>
-                        </a:rPr>
-                        <a:t>預測陰性</a:t>
-                      </a:r>
-                      <a:endParaRPr lang="zh-TW" altLang="en-US" b="0" dirty="0">
-                        <a:solidFill>
-                          <a:schemeClr val="tx1"/>
-                        </a:solidFill>
-                      </a:endParaRPr>
-                    </a:p>
-                  </a:txBody>
-                  <a:tcPr>
-                    <a:lnL w="12700" cap="flat" cmpd="sng" algn="ctr">
-                      <a:solidFill>
-                        <a:schemeClr val="tx1"/>
-                      </a:solidFill>
-                      <a:prstDash val="solid"/>
-                      <a:round/>
-                      <a:headEnd type="none" w="med" len="med"/>
-                      <a:tailEnd type="none" w="med" len="med"/>
-                    </a:lnL>
-                    <a:lnR w="12700" cap="flat" cmpd="sng" algn="ctr">
-                      <a:solidFill>
-                        <a:schemeClr val="tx1"/>
-                      </a:solidFill>
-                      <a:prstDash val="solid"/>
-                      <a:round/>
-                      <a:headEnd type="none" w="med" len="med"/>
-                      <a:tailEnd type="none" w="med" len="med"/>
-                    </a:lnR>
-                    <a:lnT w="12700" cap="flat" cmpd="sng" algn="ctr">
-                      <a:solidFill>
-                        <a:schemeClr val="tx1"/>
-                      </a:solidFill>
-                      <a:prstDash val="solid"/>
-                      <a:round/>
-                      <a:headEnd type="none" w="med" len="med"/>
-                      <a:tailEnd type="none" w="med" len="med"/>
-                    </a:lnT>
-                    <a:lnB w="12700" cap="flat" cmpd="sng" algn="ctr">
-                      <a:solidFill>
-                        <a:schemeClr val="tx1"/>
-                      </a:solidFill>
-                      <a:prstDash val="solid"/>
-                      <a:round/>
-                      <a:headEnd type="none" w="med" len="med"/>
-                      <a:tailEnd type="none" w="med" len="med"/>
-                    </a:lnB>
-                    <a:noFill/>
-                  </a:tcPr>
-                </a:tc>
-                <a:extLst>
-                  <a:ext uri="{0D108BD9-81ED-4DB2-BD59-A6C34878D82A}">
-                    <a16:rowId xmlns:a16="http://schemas.microsoft.com/office/drawing/2014/main" xmlns="" val="2818126588"/>
-                  </a:ext>
-                </a:extLst>
-              </a:tr>
-              <a:tr h="370840">
-                <a:tc>
-                  <a:txBody>
-                    <a:bodyPr/>
-                    <a:lstStyle/>
-                    <a:p>
-                      <a:r>
-                        <a:rPr lang="zh-TW" altLang="en-US" b="0" dirty="0" smtClean="0">
-                          <a:solidFill>
-                            <a:schemeClr val="tx1"/>
-                          </a:solidFill>
-                        </a:rPr>
-                        <a:t>實際陽性</a:t>
-                      </a:r>
-                      <a:endParaRPr lang="zh-TW" altLang="en-US" b="0" dirty="0">
-                        <a:solidFill>
-                          <a:schemeClr val="tx1"/>
-                        </a:solidFill>
-                      </a:endParaRPr>
-                    </a:p>
-                  </a:txBody>
-                  <a:tcPr>
-                    <a:lnL w="12700" cap="flat" cmpd="sng" algn="ctr">
-                      <a:solidFill>
-                        <a:schemeClr val="tx1"/>
-                      </a:solidFill>
-                      <a:prstDash val="solid"/>
-                      <a:round/>
-                      <a:headEnd type="none" w="med" len="med"/>
-                      <a:tailEnd type="none" w="med" len="med"/>
-                    </a:lnL>
-                    <a:lnR w="12700" cap="flat" cmpd="sng" algn="ctr">
-                      <a:solidFill>
-                        <a:schemeClr val="tx1"/>
-                      </a:solidFill>
-                      <a:prstDash val="solid"/>
-                      <a:round/>
-                      <a:headEnd type="none" w="med" len="med"/>
-                      <a:tailEnd type="none" w="med" len="med"/>
-                    </a:lnR>
-                    <a:lnT w="12700" cap="flat" cmpd="sng" algn="ctr">
-                      <a:solidFill>
-                        <a:schemeClr val="tx1"/>
-                      </a:solidFill>
-                      <a:prstDash val="solid"/>
-                      <a:round/>
-                      <a:headEnd type="none" w="med" len="med"/>
-                      <a:tailEnd type="none" w="med" len="med"/>
-                    </a:lnT>
-                    <a:lnB w="12700" cap="flat" cmpd="sng" algn="ctr">
-                      <a:solidFill>
-                        <a:schemeClr val="tx1"/>
-                      </a:solidFill>
-                      <a:prstDash val="solid"/>
-                      <a:round/>
-                      <a:headEnd type="none" w="med" len="med"/>
-                      <a:tailEnd type="none" w="med" len="med"/>
-                    </a:lnB>
-                    <a:noFill/>
-                  </a:tcPr>
-                </a:tc>
-                <a:tc>
-                  <a:txBody>
-                    <a:bodyPr/>
-                    <a:lstStyle/>
-                    <a:p>
-                      <a:r>
-                        <a:rPr lang="en-US" altLang="zh-TW" b="0" dirty="0" smtClean="0">
-                          <a:solidFill>
-                            <a:schemeClr val="tx1"/>
-                          </a:solidFill>
-                        </a:rPr>
-                        <a:t>TP</a:t>
-                      </a:r>
-                      <a:endParaRPr lang="zh-TW" altLang="en-US" b="0" dirty="0">
-                        <a:solidFill>
-                          <a:schemeClr val="tx1"/>
-                        </a:solidFill>
-                      </a:endParaRPr>
-                    </a:p>
-                  </a:txBody>
-                  <a:tcPr>
-                    <a:lnL w="12700" cap="flat" cmpd="sng" algn="ctr">
-                      <a:solidFill>
-                        <a:schemeClr val="tx1"/>
-                      </a:solidFill>
-                      <a:prstDash val="solid"/>
-                      <a:round/>
-                      <a:headEnd type="none" w="med" len="med"/>
-                      <a:tailEnd type="none" w="med" len="med"/>
-                    </a:lnL>
-                    <a:lnR w="12700" cap="flat" cmpd="sng" algn="ctr">
-                      <a:solidFill>
-                        <a:schemeClr val="tx1"/>
-                      </a:solidFill>
-                      <a:prstDash val="solid"/>
-                      <a:round/>
-                      <a:headEnd type="none" w="med" len="med"/>
-                      <a:tailEnd type="none" w="med" len="med"/>
-                    </a:lnR>
-                    <a:lnT w="12700" cap="flat" cmpd="sng" algn="ctr">
-                      <a:solidFill>
-                        <a:schemeClr val="tx1"/>
-                      </a:solidFill>
-                      <a:prstDash val="solid"/>
-                      <a:round/>
-                      <a:headEnd type="none" w="med" len="med"/>
-                      <a:tailEnd type="none" w="med" len="med"/>
-                    </a:lnT>
-                    <a:lnB w="12700" cap="flat" cmpd="sng" algn="ctr">
-                      <a:solidFill>
-                        <a:schemeClr val="tx1"/>
-                      </a:solidFill>
-                      <a:prstDash val="solid"/>
-                      <a:round/>
-                      <a:headEnd type="none" w="med" len="med"/>
-                      <a:tailEnd type="none" w="med" len="med"/>
-                    </a:lnB>
-                    <a:noFill/>
-                  </a:tcPr>
-                </a:tc>
-                <a:tc>
-                  <a:txBody>
-                    <a:bodyPr/>
-                    <a:lstStyle/>
-                    <a:p>
-                      <a:r>
-                        <a:rPr lang="en-US" altLang="zh-TW" b="0" dirty="0" smtClean="0">
-                          <a:solidFill>
-                            <a:schemeClr val="tx1"/>
-                          </a:solidFill>
-                        </a:rPr>
-                        <a:t>FN</a:t>
-                      </a:r>
-                      <a:endParaRPr lang="zh-TW" altLang="en-US" b="0" dirty="0">
-                        <a:solidFill>
-                          <a:schemeClr val="tx1"/>
-                        </a:solidFill>
-                      </a:endParaRPr>
-                    </a:p>
-                  </a:txBody>
-                  <a:tcPr>
-                    <a:lnL w="12700" cap="flat" cmpd="sng" algn="ctr">
-                      <a:solidFill>
-                        <a:schemeClr val="tx1"/>
-                      </a:solidFill>
-                      <a:prstDash val="solid"/>
-                      <a:round/>
-                      <a:headEnd type="none" w="med" len="med"/>
-                      <a:tailEnd type="none" w="med" len="med"/>
-                    </a:lnL>
-                    <a:lnR w="12700" cap="flat" cmpd="sng" algn="ctr">
-                      <a:solidFill>
-                        <a:schemeClr val="tx1"/>
-                      </a:solidFill>
-                      <a:prstDash val="solid"/>
-                      <a:round/>
-                      <a:headEnd type="none" w="med" len="med"/>
-                      <a:tailEnd type="none" w="med" len="med"/>
-                    </a:lnR>
-                    <a:lnT w="12700" cap="flat" cmpd="sng" algn="ctr">
-                      <a:solidFill>
-                        <a:schemeClr val="tx1"/>
-                      </a:solidFill>
-                      <a:prstDash val="solid"/>
-                      <a:round/>
-                      <a:headEnd type="none" w="med" len="med"/>
-                      <a:tailEnd type="none" w="med" len="med"/>
-                    </a:lnT>
-                    <a:lnB w="12700" cap="flat" cmpd="sng" algn="ctr">
-                      <a:solidFill>
-                        <a:schemeClr val="tx1"/>
-                      </a:solidFill>
-                      <a:prstDash val="solid"/>
-                      <a:round/>
-                      <a:headEnd type="none" w="med" len="med"/>
-                      <a:tailEnd type="none" w="med" len="med"/>
-                    </a:lnB>
-                    <a:noFill/>
-                  </a:tcPr>
-                </a:tc>
-                <a:extLst>
-                  <a:ext uri="{0D108BD9-81ED-4DB2-BD59-A6C34878D82A}">
-                    <a16:rowId xmlns:a16="http://schemas.microsoft.com/office/drawing/2014/main" xmlns="" val="100157053"/>
-                  </a:ext>
-                </a:extLst>
-              </a:tr>
-              <a:tr h="370840">
-                <a:tc>
-                  <a:txBody>
-                    <a:bodyPr/>
-                    <a:lstStyle/>
-                    <a:p>
-                      <a:r>
-                        <a:rPr lang="zh-TW" altLang="en-US" b="0" dirty="0" smtClean="0">
-                          <a:solidFill>
-                            <a:schemeClr val="tx1"/>
-                          </a:solidFill>
-                        </a:rPr>
-                        <a:t>實際陰性</a:t>
-                      </a:r>
-                      <a:endParaRPr lang="zh-TW" altLang="en-US" b="0" dirty="0">
-                        <a:solidFill>
-                          <a:schemeClr val="tx1"/>
-                        </a:solidFill>
-                      </a:endParaRPr>
-                    </a:p>
-                  </a:txBody>
-                  <a:tcPr>
-                    <a:lnL w="12700" cap="flat" cmpd="sng" algn="ctr">
-                      <a:solidFill>
-                        <a:schemeClr val="tx1"/>
-                      </a:solidFill>
-                      <a:prstDash val="solid"/>
-                      <a:round/>
-                      <a:headEnd type="none" w="med" len="med"/>
-                      <a:tailEnd type="none" w="med" len="med"/>
-                    </a:lnL>
-                    <a:lnR w="12700" cap="flat" cmpd="sng" algn="ctr">
-                      <a:solidFill>
-                        <a:schemeClr val="tx1"/>
-                      </a:solidFill>
-                      <a:prstDash val="solid"/>
-                      <a:round/>
-                      <a:headEnd type="none" w="med" len="med"/>
-                      <a:tailEnd type="none" w="med" len="med"/>
-                    </a:lnR>
-                    <a:lnT w="12700" cap="flat" cmpd="sng" algn="ctr">
-                      <a:solidFill>
-                        <a:schemeClr val="tx1"/>
-                      </a:solidFill>
-                      <a:prstDash val="solid"/>
-                      <a:round/>
-                      <a:headEnd type="none" w="med" len="med"/>
-                      <a:tailEnd type="none" w="med" len="med"/>
-                    </a:lnT>
-                    <a:lnB w="12700" cap="flat" cmpd="sng" algn="ctr">
-                      <a:solidFill>
-                        <a:schemeClr val="tx1"/>
-                      </a:solidFill>
-                      <a:prstDash val="solid"/>
-                      <a:round/>
-                      <a:headEnd type="none" w="med" len="med"/>
-                      <a:tailEnd type="none" w="med" len="med"/>
-                    </a:lnB>
-                    <a:noFill/>
-                  </a:tcPr>
-                </a:tc>
-                <a:tc>
-                  <a:txBody>
-                    <a:bodyPr/>
-                    <a:lstStyle/>
-                    <a:p>
-                      <a:r>
-                        <a:rPr lang="en-US" altLang="zh-TW" b="0" dirty="0" smtClean="0">
-                          <a:solidFill>
-                            <a:schemeClr val="tx1"/>
-                          </a:solidFill>
-                        </a:rPr>
-                        <a:t>FP</a:t>
-                      </a:r>
-                      <a:endParaRPr lang="zh-TW" altLang="en-US" b="0" dirty="0">
-                        <a:solidFill>
-                          <a:schemeClr val="tx1"/>
-                        </a:solidFill>
-                      </a:endParaRPr>
-                    </a:p>
-                  </a:txBody>
-                  <a:tcPr>
-                    <a:lnL w="12700" cap="flat" cmpd="sng" algn="ctr">
-                      <a:solidFill>
-                        <a:schemeClr val="tx1"/>
-                      </a:solidFill>
-                      <a:prstDash val="solid"/>
-                      <a:round/>
-                      <a:headEnd type="none" w="med" len="med"/>
-                      <a:tailEnd type="none" w="med" len="med"/>
-                    </a:lnL>
-                    <a:lnR w="12700" cap="flat" cmpd="sng" algn="ctr">
-                      <a:solidFill>
-                        <a:schemeClr val="tx1"/>
-                      </a:solidFill>
-                      <a:prstDash val="solid"/>
-                      <a:round/>
-                      <a:headEnd type="none" w="med" len="med"/>
-                      <a:tailEnd type="none" w="med" len="med"/>
-                    </a:lnR>
-                    <a:lnT w="12700" cap="flat" cmpd="sng" algn="ctr">
-                      <a:solidFill>
-                        <a:schemeClr val="tx1"/>
-                      </a:solidFill>
-                      <a:prstDash val="solid"/>
-                      <a:round/>
-                      <a:headEnd type="none" w="med" len="med"/>
-                      <a:tailEnd type="none" w="med" len="med"/>
-                    </a:lnT>
-                    <a:lnB w="12700" cap="flat" cmpd="sng" algn="ctr">
-                      <a:solidFill>
-                        <a:schemeClr val="tx1"/>
-                      </a:solidFill>
-                      <a:prstDash val="solid"/>
-                      <a:round/>
-                      <a:headEnd type="none" w="med" len="med"/>
-                      <a:tailEnd type="none" w="med" len="med"/>
-                    </a:lnB>
-                    <a:noFill/>
-                  </a:tcPr>
-                </a:tc>
-                <a:tc>
-                  <a:txBody>
-                    <a:bodyPr/>
-                    <a:lstStyle/>
-                    <a:p>
-                      <a:r>
-                        <a:rPr lang="en-US" altLang="zh-TW" b="0" dirty="0" smtClean="0">
-                          <a:solidFill>
-                            <a:schemeClr val="tx1"/>
-                          </a:solidFill>
-                        </a:rPr>
-                        <a:t>TN</a:t>
-                      </a:r>
-                      <a:endParaRPr lang="zh-TW" altLang="en-US" b="0" dirty="0">
-                        <a:solidFill>
-                          <a:schemeClr val="tx1"/>
-                        </a:solidFill>
-                      </a:endParaRPr>
-                    </a:p>
-                  </a:txBody>
-                  <a:tcPr>
-                    <a:lnL w="12700" cap="flat" cmpd="sng" algn="ctr">
-                      <a:solidFill>
-                        <a:schemeClr val="tx1"/>
-                      </a:solidFill>
-                      <a:prstDash val="solid"/>
-                      <a:round/>
-                      <a:headEnd type="none" w="med" len="med"/>
-                      <a:tailEnd type="none" w="med" len="med"/>
-                    </a:lnL>
-                    <a:lnR w="12700" cap="flat" cmpd="sng" algn="ctr">
-                      <a:solidFill>
-                        <a:schemeClr val="tx1"/>
-                      </a:solidFill>
-                      <a:prstDash val="solid"/>
-                      <a:round/>
-                      <a:headEnd type="none" w="med" len="med"/>
-                      <a:tailEnd type="none" w="med" len="med"/>
-                    </a:lnR>
-                    <a:lnT w="12700" cap="flat" cmpd="sng" algn="ctr">
-                      <a:solidFill>
-                        <a:schemeClr val="tx1"/>
-                      </a:solidFill>
-                      <a:prstDash val="solid"/>
-                      <a:round/>
-                      <a:headEnd type="none" w="med" len="med"/>
-                      <a:tailEnd type="none" w="med" len="med"/>
-                    </a:lnT>
-                    <a:lnB w="12700" cap="flat" cmpd="sng" algn="ctr">
-                      <a:solidFill>
-                        <a:schemeClr val="tx1"/>
-                      </a:solidFill>
-                      <a:prstDash val="solid"/>
-                      <a:round/>
-                      <a:headEnd type="none" w="med" len="med"/>
-                      <a:tailEnd type="none" w="med" len="med"/>
-                    </a:lnB>
-                    <a:noFill/>
-                  </a:tcPr>
-                </a:tc>
-                <a:extLst>
-                  <a:ext uri="{0D108BD9-81ED-4DB2-BD59-A6C34878D82A}">
-                    <a16:rowId xmlns:a16="http://schemas.microsoft.com/office/drawing/2014/main" xmlns="" val="2777066451"/>
-                  </a:ext>
-                </a:extLst>
-              </a:tr>
-            </a:tbl>
-          </a:graphicData>
-        </a:graphic>
-      </p:graphicFrame>
-      <mc:AlternateContent xmlns:mc="http://schemas.openxmlformats.org/markup-compatibility/2006" xmlns:a14="http://schemas.microsoft.com/office/drawing/2010/main">
-        <mc:Choice Requires="a14">
-          <p:sp>
-            <p:nvSpPr>
-              <p:cNvPr id="7" name="文字方塊 6"/>
-              <p:cNvSpPr txBox="1"/>
-              <p:nvPr/>
-            </p:nvSpPr>
-            <p:spPr>
-              <a:xfrm>
-                <a:off x="3233283" y="3541193"/>
-                <a:ext cx="2370072" cy="523157"/>
-              </a:xfrm>
-              <a:prstGeom prst="rect">
-                <a:avLst/>
-              </a:prstGeom>
-              <a:noFill/>
-            </p:spPr>
-            <p:txBody>
-              <a:bodyPr wrap="none" lIns="0" tIns="0" rIns="0" bIns="0" rtlCol="0">
-                <a:spAutoFit/>
-              </a:bodyPr>
-              <a:lstStyle/>
-              <a:p>
-                <a:pPr/>
-                <a14:m>
-                  <m:oMathPara xmlns:m="http://schemas.openxmlformats.org/officeDocument/2006/math">
-                    <m:oMathParaPr>
-                      <m:jc m:val="centerGroup"/>
-                    </m:oMathParaPr>
-                    <m:oMath xmlns:m="http://schemas.openxmlformats.org/officeDocument/2006/math">
-                      <m:r>
-                        <a:rPr lang="en-US" altLang="zh-TW" b="0" i="1" smtClean="0">
-                          <a:latin typeface="Cambria Math" panose="02040503050406030204" pitchFamily="18" charset="0"/>
-                        </a:rPr>
-                        <m:t>𝑆𝑒𝑛𝑠𝑖𝑡𝑖𝑣𝑖𝑡𝑦</m:t>
-                      </m:r>
-                      <m:r>
-                        <a:rPr lang="en-US" altLang="zh-TW" i="1" smtClean="0">
-                          <a:latin typeface="Cambria Math" panose="02040503050406030204" pitchFamily="18" charset="0"/>
-                        </a:rPr>
-                        <m:t>=</m:t>
-                      </m:r>
-                      <m:f>
-                        <m:fPr>
-                          <m:ctrlPr>
-                            <a:rPr lang="en-US" altLang="zh-TW" b="0" i="1" smtClean="0">
-                              <a:latin typeface="Cambria Math" panose="02040503050406030204" pitchFamily="18" charset="0"/>
-                            </a:rPr>
-                          </m:ctrlPr>
-                        </m:fPr>
-                        <m:num>
-                          <m:r>
-                            <a:rPr lang="en-US" altLang="zh-TW" b="0" i="1" smtClean="0">
-                              <a:latin typeface="Cambria Math" panose="02040503050406030204" pitchFamily="18" charset="0"/>
-                            </a:rPr>
-                            <m:t>𝑇𝑃</m:t>
-                          </m:r>
-                        </m:num>
-                        <m:den>
-                          <m:r>
-                            <a:rPr lang="en-US" altLang="zh-TW" b="0" i="1" smtClean="0">
-                              <a:latin typeface="Cambria Math" panose="02040503050406030204" pitchFamily="18" charset="0"/>
-                            </a:rPr>
-                            <m:t>𝑇𝑃</m:t>
-                          </m:r>
-                          <m:r>
-                            <a:rPr lang="en-US" altLang="zh-TW" b="0" i="1" smtClean="0">
-                              <a:latin typeface="Cambria Math" panose="02040503050406030204" pitchFamily="18" charset="0"/>
-                            </a:rPr>
-                            <m:t>+</m:t>
-                          </m:r>
-                          <m:r>
-                            <a:rPr lang="en-US" altLang="zh-TW" b="0" i="1" smtClean="0">
-                              <a:latin typeface="Cambria Math" panose="02040503050406030204" pitchFamily="18" charset="0"/>
-                            </a:rPr>
-                            <m:t>𝐹𝑁</m:t>
-                          </m:r>
-                        </m:den>
-                      </m:f>
-                    </m:oMath>
-                  </m:oMathPara>
-                </a14:m>
-                <a:endParaRPr lang="zh-TW" altLang="en-US" dirty="0"/>
-              </a:p>
-            </p:txBody>
-          </p:sp>
-        </mc:Choice>
-        <mc:Fallback xmlns="">
-          <p:sp>
-            <p:nvSpPr>
-              <p:cNvPr id="7" name="文字方塊 6"/>
-              <p:cNvSpPr txBox="1">
-                <a:spLocks noRot="1" noChangeAspect="1" noMove="1" noResize="1" noEditPoints="1" noAdjustHandles="1" noChangeArrowheads="1" noChangeShapeType="1" noTextEdit="1"/>
-              </p:cNvSpPr>
-              <p:nvPr/>
-            </p:nvSpPr>
-            <p:spPr>
-              <a:xfrm>
-                <a:off x="3233283" y="3541193"/>
-                <a:ext cx="2370072" cy="523157"/>
-              </a:xfrm>
-              <a:prstGeom prst="rect">
-                <a:avLst/>
-              </a:prstGeom>
-              <a:blipFill>
-                <a:blip r:embed="rId2"/>
-                <a:stretch>
-                  <a:fillRect/>
-                </a:stretch>
-              </a:blipFill>
-            </p:spPr>
-            <p:txBody>
-              <a:bodyPr/>
-              <a:lstStyle/>
-              <a:p>
-                <a:r>
-                  <a:rPr lang="zh-TW" altLang="en-US">
-                    <a:noFill/>
-                  </a:rPr>
-                  <a:t> </a:t>
-                </a:r>
-              </a:p>
-            </p:txBody>
-          </p:sp>
-        </mc:Fallback>
-      </mc:AlternateContent>
-      <mc:AlternateContent xmlns:mc="http://schemas.openxmlformats.org/markup-compatibility/2006" xmlns:a14="http://schemas.microsoft.com/office/drawing/2010/main">
-        <mc:Choice Requires="a14">
-          <p:sp>
-            <p:nvSpPr>
-              <p:cNvPr id="8" name="文字方塊 7"/>
-              <p:cNvSpPr txBox="1"/>
-              <p:nvPr/>
-            </p:nvSpPr>
-            <p:spPr>
-              <a:xfrm>
-                <a:off x="3233283" y="4183885"/>
-                <a:ext cx="2305952" cy="523157"/>
-              </a:xfrm>
-              <a:prstGeom prst="rect">
-                <a:avLst/>
-              </a:prstGeom>
-              <a:noFill/>
-            </p:spPr>
-            <p:txBody>
-              <a:bodyPr wrap="none" lIns="0" tIns="0" rIns="0" bIns="0" rtlCol="0">
-                <a:spAutoFit/>
-              </a:bodyPr>
-              <a:lstStyle/>
-              <a:p>
-                <a:pPr/>
-                <a14:m>
-                  <m:oMathPara xmlns:m="http://schemas.openxmlformats.org/officeDocument/2006/math">
-                    <m:oMathParaPr>
-                      <m:jc m:val="centerGroup"/>
-                    </m:oMathParaPr>
-                    <m:oMath xmlns:m="http://schemas.openxmlformats.org/officeDocument/2006/math">
-                      <m:r>
-                        <a:rPr lang="en-US" altLang="zh-TW" b="0" i="1" smtClean="0">
-                          <a:latin typeface="Cambria Math" panose="02040503050406030204" pitchFamily="18" charset="0"/>
-                        </a:rPr>
-                        <m:t>𝑆𝑝𝑒𝑐𝑖𝑓𝑖𝑐𝑡𝑦</m:t>
-                      </m:r>
-                      <m:r>
-                        <a:rPr lang="en-US" altLang="zh-TW" i="1" smtClean="0">
-                          <a:latin typeface="Cambria Math" panose="02040503050406030204" pitchFamily="18" charset="0"/>
-                        </a:rPr>
-                        <m:t>=</m:t>
-                      </m:r>
-                      <m:f>
-                        <m:fPr>
-                          <m:ctrlPr>
-                            <a:rPr lang="en-US" altLang="zh-TW" b="0" i="1" smtClean="0">
-                              <a:latin typeface="Cambria Math" panose="02040503050406030204" pitchFamily="18" charset="0"/>
-                            </a:rPr>
-                          </m:ctrlPr>
-                        </m:fPr>
-                        <m:num>
-                          <m:r>
-                            <a:rPr lang="en-US" altLang="zh-TW" b="0" i="1" smtClean="0">
-                              <a:latin typeface="Cambria Math" panose="02040503050406030204" pitchFamily="18" charset="0"/>
-                            </a:rPr>
-                            <m:t>𝑇𝑁</m:t>
-                          </m:r>
-                        </m:num>
-                        <m:den>
-                          <m:r>
-                            <a:rPr lang="en-US" altLang="zh-TW" b="0" i="1" smtClean="0">
-                              <a:latin typeface="Cambria Math" panose="02040503050406030204" pitchFamily="18" charset="0"/>
-                            </a:rPr>
-                            <m:t>𝑇𝑁</m:t>
-                          </m:r>
-                          <m:r>
-                            <a:rPr lang="en-US" altLang="zh-TW" b="0" i="1" smtClean="0">
-                              <a:latin typeface="Cambria Math" panose="02040503050406030204" pitchFamily="18" charset="0"/>
-                            </a:rPr>
-                            <m:t>+</m:t>
-                          </m:r>
-                          <m:r>
-                            <a:rPr lang="en-US" altLang="zh-TW" b="0" i="1" smtClean="0">
-                              <a:latin typeface="Cambria Math" panose="02040503050406030204" pitchFamily="18" charset="0"/>
-                            </a:rPr>
-                            <m:t>𝐹𝑃</m:t>
-                          </m:r>
-                        </m:den>
-                      </m:f>
-                    </m:oMath>
-                  </m:oMathPara>
-                </a14:m>
-                <a:endParaRPr lang="zh-TW" altLang="en-US" dirty="0"/>
-              </a:p>
-            </p:txBody>
-          </p:sp>
-        </mc:Choice>
-        <mc:Fallback xmlns="">
-          <p:sp>
-            <p:nvSpPr>
-              <p:cNvPr id="8" name="文字方塊 7"/>
-              <p:cNvSpPr txBox="1">
-                <a:spLocks noRot="1" noChangeAspect="1" noMove="1" noResize="1" noEditPoints="1" noAdjustHandles="1" noChangeArrowheads="1" noChangeShapeType="1" noTextEdit="1"/>
-              </p:cNvSpPr>
-              <p:nvPr/>
-            </p:nvSpPr>
-            <p:spPr>
-              <a:xfrm>
-                <a:off x="3233283" y="4183885"/>
-                <a:ext cx="2305952" cy="523157"/>
-              </a:xfrm>
-              <a:prstGeom prst="rect">
-                <a:avLst/>
-              </a:prstGeom>
-              <a:blipFill>
-                <a:blip r:embed="rId3"/>
-                <a:stretch>
-                  <a:fillRect/>
-                </a:stretch>
-              </a:blipFill>
-            </p:spPr>
-            <p:txBody>
-              <a:bodyPr/>
-              <a:lstStyle/>
-              <a:p>
-                <a:r>
-                  <a:rPr lang="zh-TW" altLang="en-US">
-                    <a:noFill/>
-                  </a:rPr>
-                  <a:t> </a:t>
-                </a:r>
-              </a:p>
-            </p:txBody>
-          </p:sp>
-        </mc:Fallback>
-      </mc:AlternateContent>
     </p:spTree>
     <p:extLst>
       <p:ext uri="{BB962C8B-B14F-4D97-AF65-F5344CB8AC3E}">
-        <p14:creationId xmlns:p14="http://schemas.microsoft.com/office/powerpoint/2010/main" val="1171441974"/>
+        <p14:creationId xmlns:p14="http://schemas.microsoft.com/office/powerpoint/2010/main" val="3708820475"/>
       </p:ext>
     </p:extLst>
   </p:cSld>
@@ -10382,77 +8829,10 @@
       </p:sp>
       <p:sp>
         <p:nvSpPr>
-          <p:cNvPr id="3" name="Content Placeholder 2"/>
-          <p:cNvSpPr>
-            <a:spLocks noGrp="1"/>
-          </p:cNvSpPr>
-          <p:nvPr>
-            <p:ph idx="1"/>
-          </p:nvPr>
-        </p:nvSpPr>
-        <p:spPr/>
-        <p:txBody>
-          <a:bodyPr vert="horz" lIns="91440" tIns="45720" rIns="91440" bIns="45720" rtlCol="0" anchor="t">
-            <a:normAutofit/>
-          </a:bodyPr>
-          <a:lstStyle/>
-          <a:p>
-            <a:r>
-              <a:rPr sz="1800" dirty="0" err="1"/>
-              <a:t>研究結果顯示</a:t>
-            </a:r>
-            <a:r>
-              <a:rPr sz="1800" dirty="0" smtClean="0"/>
-              <a:t>，</a:t>
-            </a:r>
-            <a:r>
-              <a:rPr lang="zh-TW" altLang="en-US" sz="1800" dirty="0" smtClean="0"/>
-              <a:t>使用</a:t>
-            </a:r>
-            <a:r>
-              <a:rPr lang="en-US" altLang="zh-TW" sz="1800" dirty="0" smtClean="0"/>
-              <a:t>NMF-spectrogram</a:t>
-            </a:r>
-            <a:r>
-              <a:rPr lang="zh-TW" altLang="en-US" sz="1800" dirty="0" smtClean="0"/>
-              <a:t> </a:t>
-            </a:r>
-            <a:r>
-              <a:rPr lang="en-US" altLang="zh-TW" sz="1800" dirty="0" smtClean="0"/>
-              <a:t>+</a:t>
-            </a:r>
-            <a:r>
-              <a:rPr lang="zh-TW" altLang="en-US" sz="1800" dirty="0" smtClean="0"/>
-              <a:t> </a:t>
-            </a:r>
-            <a:r>
-              <a:rPr lang="en-US" altLang="zh-TW" sz="1800" dirty="0" err="1" smtClean="0"/>
-              <a:t>Undersampling</a:t>
-            </a:r>
-            <a:r>
-              <a:rPr lang="en-US" altLang="zh-TW" sz="1800" dirty="0" smtClean="0"/>
-              <a:t> + SVM </a:t>
-            </a:r>
-            <a:r>
-              <a:rPr lang="zh-TW" altLang="en-US" sz="1800" dirty="0" smtClean="0"/>
-              <a:t>有最佳陰陽性辨別能力</a:t>
-            </a:r>
-            <a:r>
-              <a:rPr sz="1800" dirty="0" smtClean="0"/>
-              <a:t>。</a:t>
-            </a:r>
-            <a:endParaRPr lang="zh-TW" altLang="en-US" sz="1800" dirty="0">
-              <a:cs typeface="Calibri"/>
-            </a:endParaRPr>
-          </a:p>
-        </p:txBody>
-      </p:sp>
-      <p:sp>
-        <p:nvSpPr>
           <p:cNvPr id="4" name="投影片編號版面配置區 3">
             <a:extLst>
               <a:ext uri="{FF2B5EF4-FFF2-40B4-BE49-F238E27FC236}">
-                <a16:creationId xmlns:a16="http://schemas.microsoft.com/office/drawing/2014/main" xmlns="" id="{A87F1B5D-F8E2-ED3D-2E72-EB23BAB0F167}"/>
+                <a16:creationId xmlns="" xmlns:a16="http://schemas.microsoft.com/office/drawing/2014/main" id="{A87F1B5D-F8E2-ED3D-2E72-EB23BAB0F167}"/>
               </a:ext>
             </a:extLst>
           </p:cNvPr>
@@ -10476,80 +8856,113 @@
           </a:p>
         </p:txBody>
       </p:sp>
+      <p:sp>
+        <p:nvSpPr>
+          <p:cNvPr id="5" name="Content Placeholder 2"/>
+          <p:cNvSpPr>
+            <a:spLocks noGrp="1"/>
+          </p:cNvSpPr>
+          <p:nvPr>
+            <p:ph idx="1"/>
+          </p:nvPr>
+        </p:nvSpPr>
+        <p:spPr>
+          <a:xfrm>
+            <a:off x="457200" y="1600200"/>
+            <a:ext cx="8229600" cy="4525963"/>
+          </a:xfrm>
+        </p:spPr>
+        <p:txBody>
+          <a:bodyPr vert="horz" lIns="91440" tIns="45720" rIns="91440" bIns="45720" rtlCol="0" anchor="t">
+            <a:normAutofit/>
+          </a:bodyPr>
+          <a:lstStyle/>
+          <a:p>
+            <a:r>
+              <a:rPr lang="zh-TW" altLang="en-US" sz="1800" dirty="0" smtClean="0"/>
+              <a:t>預測交通流量若使用單純</a:t>
+            </a:r>
+            <a:r>
+              <a:rPr lang="en-US" altLang="zh-TW" sz="1800" dirty="0" smtClean="0"/>
+              <a:t>CNN</a:t>
+            </a:r>
+            <a:r>
+              <a:rPr lang="zh-TW" altLang="en-US" sz="1800" dirty="0" smtClean="0"/>
+              <a:t>準確率大概</a:t>
+            </a:r>
+            <a:r>
+              <a:rPr lang="en-US" altLang="zh-TW" sz="1800" dirty="0" smtClean="0"/>
+              <a:t>78%</a:t>
+            </a:r>
+          </a:p>
+          <a:p>
+            <a:r>
+              <a:rPr lang="zh-TW" altLang="en-US" sz="1800" dirty="0" smtClean="0">
+                <a:cs typeface="Calibri"/>
+              </a:rPr>
+              <a:t>若加上時間維度，可以將準確率提升至</a:t>
+            </a:r>
+            <a:r>
+              <a:rPr lang="en-US" altLang="zh-TW" sz="1800" dirty="0" smtClean="0">
+                <a:cs typeface="Calibri"/>
+              </a:rPr>
+              <a:t>92%</a:t>
+            </a:r>
+          </a:p>
+        </p:txBody>
+      </p:sp>
       <p:pic>
         <p:nvPicPr>
-          <p:cNvPr id="17" name="圖片 16"/>
+          <p:cNvPr id="3" name="圖片 2"/>
           <p:cNvPicPr>
             <a:picLocks noChangeAspect="1"/>
           </p:cNvPicPr>
           <p:nvPr/>
         </p:nvPicPr>
-        <p:blipFill>
+        <p:blipFill rotWithShape="1">
           <a:blip r:embed="rId3"/>
-          <a:stretch>
-            <a:fillRect/>
-          </a:stretch>
+          <a:srcRect l="44457" t="35314" r="29891" b="34928"/>
+          <a:stretch/>
         </p:blipFill>
         <p:spPr>
           <a:xfrm>
-            <a:off x="1648481" y="2319236"/>
-            <a:ext cx="5966263" cy="3989489"/>
+            <a:off x="1042599" y="3316525"/>
+            <a:ext cx="2548456" cy="1662975"/>
           </a:xfrm>
           <a:prstGeom prst="rect">
             <a:avLst/>
           </a:prstGeom>
         </p:spPr>
       </p:pic>
-      <p:sp>
-        <p:nvSpPr>
-          <p:cNvPr id="18" name="矩形 17"/>
-          <p:cNvSpPr/>
+      <p:pic>
+        <p:nvPicPr>
+          <p:cNvPr id="6" name="圖片 5"/>
+          <p:cNvPicPr>
+            <a:picLocks noChangeAspect="1"/>
+          </p:cNvPicPr>
           <p:nvPr/>
-        </p:nvSpPr>
+        </p:nvPicPr>
+        <p:blipFill rotWithShape="1">
+          <a:blip r:embed="rId4"/>
+          <a:srcRect l="47826" t="33189" r="32717" b="42464"/>
+          <a:stretch/>
+        </p:blipFill>
         <p:spPr>
           <a:xfrm>
-            <a:off x="1648481" y="2806261"/>
-            <a:ext cx="5966263" cy="463279"/>
+            <a:off x="4176453" y="2706786"/>
+            <a:ext cx="4094922" cy="2882455"/>
           </a:xfrm>
           <a:prstGeom prst="rect">
             <a:avLst/>
           </a:prstGeom>
-          <a:noFill/>
-          <a:ln>
-            <a:solidFill>
-              <a:srgbClr val="FF0000"/>
-            </a:solidFill>
-            <a:prstDash val="sysDash"/>
-          </a:ln>
         </p:spPr>
-        <p:style>
-          <a:lnRef idx="1">
-            <a:schemeClr val="accent1"/>
-          </a:lnRef>
-          <a:fillRef idx="3">
-            <a:schemeClr val="accent1"/>
-          </a:fillRef>
-          <a:effectRef idx="2">
-            <a:schemeClr val="accent1"/>
-          </a:effectRef>
-          <a:fontRef idx="minor">
-            <a:schemeClr val="lt1"/>
-          </a:fontRef>
-        </p:style>
-        <p:txBody>
-          <a:bodyPr rtlCol="0" anchor="ctr"/>
-          <a:lstStyle/>
-          <a:p>
-            <a:pPr algn="ctr"/>
-            <a:endParaRPr lang="zh-TW" altLang="en-US" dirty="0">
-              <a:solidFill>
-                <a:srgbClr val="FF0000"/>
-              </a:solidFill>
-            </a:endParaRPr>
-          </a:p>
-        </p:txBody>
-      </p:sp>
+      </p:pic>
     </p:spTree>
+    <p:extLst>
+      <p:ext uri="{BB962C8B-B14F-4D97-AF65-F5344CB8AC3E}">
+        <p14:creationId xmlns:p14="http://schemas.microsoft.com/office/powerpoint/2010/main" val="2061367697"/>
+      </p:ext>
+    </p:extLst>
   </p:cSld>
   <p:clrMapOvr>
     <a:masterClrMapping/>
@@ -10590,10 +9003,10 @@
           <a:lstStyle/>
           <a:p>
             <a:r>
-              <a:rPr lang="af-ZA" dirty="0">
+              <a:rPr lang="zh-TW" altLang="en-US" dirty="0" smtClean="0">
                 <a:cs typeface="Calibri"/>
               </a:rPr>
-              <a:t>RESULT</a:t>
+              <a:t>結論</a:t>
             </a:r>
             <a:endParaRPr dirty="0"/>
           </a:p>
@@ -10609,12 +9022,7 @@
             <p:ph idx="1"/>
           </p:nvPr>
         </p:nvSpPr>
-        <p:spPr>
-          <a:xfrm>
-            <a:off x="457200" y="1166017"/>
-            <a:ext cx="8229600" cy="4525963"/>
-          </a:xfrm>
-        </p:spPr>
+        <p:spPr/>
         <p:txBody>
           <a:bodyPr vert="horz" lIns="91440" tIns="45720" rIns="91440" bIns="45720" rtlCol="0" anchor="t">
             <a:normAutofit/>
@@ -10622,48 +9030,60 @@
           <a:lstStyle/>
           <a:p>
             <a:r>
+              <a:rPr lang="zh-TW" altLang="en-US" sz="1800" dirty="0"/>
+              <a:t>隨著物聯網（</a:t>
+            </a:r>
+            <a:r>
+              <a:rPr lang="en-US" altLang="zh-TW" sz="1800" dirty="0" err="1"/>
+              <a:t>IoT</a:t>
+            </a:r>
+            <a:r>
+              <a:rPr lang="zh-TW" altLang="en-US" sz="1800" dirty="0"/>
+              <a:t>）、數據挖掘、機器學習、大數據和通信技術的發展，可以運用數據融合技術來提取有用信息或提升數據質量</a:t>
+            </a:r>
+            <a:r>
+              <a:rPr lang="zh-TW" altLang="en-US" sz="1800" dirty="0" smtClean="0"/>
+              <a:t>。</a:t>
+            </a:r>
+            <a:endParaRPr lang="en-US" altLang="zh-TW" sz="1800" dirty="0" smtClean="0">
+              <a:ea typeface="新細明體"/>
+            </a:endParaRPr>
+          </a:p>
+          <a:p>
+            <a:endParaRPr lang="en-US" altLang="zh-TW" sz="1800" dirty="0">
+              <a:ea typeface="新細明體"/>
+            </a:endParaRPr>
+          </a:p>
+          <a:p>
+            <a:r>
               <a:rPr lang="zh-TW" altLang="en-US" sz="1800" dirty="0" smtClean="0">
                 <a:ea typeface="新細明體"/>
               </a:rPr>
-              <a:t>將不同特徵萃取方法畫成</a:t>
-            </a:r>
-            <a:r>
-              <a:rPr lang="en-US" altLang="zh-TW" sz="1800" dirty="0" smtClean="0">
-                <a:ea typeface="新細明體"/>
-              </a:rPr>
-              <a:t>box plot</a:t>
-            </a:r>
-            <a:r>
-              <a:rPr lang="zh-TW" altLang="en-US" sz="1800" dirty="0" smtClean="0">
-                <a:ea typeface="新細明體"/>
-              </a:rPr>
-              <a:t>，其中</a:t>
-            </a:r>
-            <a:r>
-              <a:rPr lang="en-US" altLang="zh-TW" sz="1800" dirty="0"/>
-              <a:t>AUC</a:t>
-            </a:r>
-            <a:r>
-              <a:rPr lang="en-US" altLang="zh-TW" sz="1800" dirty="0" smtClean="0"/>
-              <a:t>ROC</a:t>
+              <a:t>本研究以</a:t>
             </a:r>
             <a:r>
               <a:rPr lang="zh-TW" altLang="en-US" sz="1800" dirty="0" smtClean="0"/>
-              <a:t>值以</a:t>
-            </a:r>
-            <a:r>
-              <a:rPr lang="en-US" altLang="zh-TW" sz="1800" dirty="0" err="1"/>
-              <a:t>NMF</a:t>
-            </a:r>
-            <a:r>
-              <a:rPr lang="en-US" altLang="zh-TW" sz="1800" dirty="0" err="1" smtClean="0"/>
-              <a:t>spectrogram</a:t>
+              <a:t>數據</a:t>
+            </a:r>
+            <a:r>
+              <a:rPr lang="zh-TW" altLang="en-US" sz="1800" dirty="0"/>
+              <a:t>融合的深度學習</a:t>
             </a:r>
             <a:r>
               <a:rPr lang="zh-TW" altLang="en-US" sz="1800" dirty="0" smtClean="0"/>
-              <a:t>表現最佳</a:t>
-            </a:r>
-            <a:endParaRPr lang="en-US" altLang="zh-TW" sz="1800" dirty="0" smtClean="0"/>
+              <a:t>模型，</a:t>
+            </a:r>
+            <a:r>
+              <a:rPr lang="zh-TW" altLang="en-US" sz="1800" dirty="0"/>
+              <a:t>預測智能城市中的交通流量</a:t>
+            </a:r>
+            <a:r>
+              <a:rPr lang="zh-TW" altLang="en-US" sz="1800" dirty="0" smtClean="0"/>
+              <a:t>。</a:t>
+            </a:r>
+            <a:endParaRPr lang="en-US" altLang="zh-TW" sz="1800" dirty="0" smtClean="0">
+              <a:cs typeface="Calibri"/>
+            </a:endParaRPr>
           </a:p>
           <a:p>
             <a:endParaRPr lang="en-US" altLang="zh-TW" sz="1800" dirty="0">
@@ -10671,82 +9091,50 @@
             </a:endParaRPr>
           </a:p>
           <a:p>
+            <a:r>
+              <a:rPr lang="zh-TW" altLang="en-US" sz="1800" dirty="0" smtClean="0"/>
+              <a:t>以</a:t>
+            </a:r>
+            <a:r>
+              <a:rPr lang="en-US" altLang="zh-TW" sz="1800" dirty="0" smtClean="0"/>
+              <a:t>CNN</a:t>
+            </a:r>
+            <a:r>
+              <a:rPr lang="zh-TW" altLang="en-US" sz="1800" dirty="0" smtClean="0"/>
+              <a:t>提取空間特徵，</a:t>
+            </a:r>
+            <a:r>
+              <a:rPr lang="en-US" altLang="zh-TW" sz="1800" dirty="0" smtClean="0"/>
+              <a:t>LSTM</a:t>
+            </a:r>
+            <a:r>
+              <a:rPr lang="zh-TW" altLang="en-US" sz="1800" dirty="0" smtClean="0"/>
+              <a:t>提取時間特徵，</a:t>
+            </a:r>
+            <a:r>
+              <a:rPr lang="zh-TW" altLang="en-US" sz="1800" dirty="0"/>
+              <a:t>證明了該模型的高準確性（最高可達</a:t>
+            </a:r>
+            <a:r>
+              <a:rPr lang="en-US" altLang="zh-TW" sz="1800" dirty="0"/>
+              <a:t>92.3%</a:t>
+            </a:r>
+            <a:r>
+              <a:rPr lang="zh-TW" altLang="en-US" sz="1800" dirty="0"/>
+              <a:t>）</a:t>
+            </a:r>
             <a:endParaRPr lang="en-US" altLang="zh-TW" sz="1800" dirty="0" smtClean="0">
               <a:cs typeface="Calibri"/>
             </a:endParaRPr>
           </a:p>
           <a:p>
+            <a:pPr marL="0" indent="0">
+              <a:buNone/>
+            </a:pPr>
             <a:endParaRPr lang="en-US" altLang="zh-TW" sz="1800" dirty="0">
               <a:cs typeface="Calibri"/>
             </a:endParaRPr>
           </a:p>
-          <a:p>
-            <a:endParaRPr lang="en-US" altLang="zh-TW" sz="1800" dirty="0" smtClean="0">
-              <a:cs typeface="Calibri"/>
-            </a:endParaRPr>
-          </a:p>
-          <a:p>
-            <a:endParaRPr lang="en-US" altLang="zh-TW" sz="1800" dirty="0">
-              <a:cs typeface="Calibri"/>
-            </a:endParaRPr>
-          </a:p>
-          <a:p>
-            <a:endParaRPr lang="en-US" altLang="zh-TW" sz="1800" dirty="0" smtClean="0">
-              <a:cs typeface="Calibri"/>
-            </a:endParaRPr>
-          </a:p>
-          <a:p>
-            <a:r>
-              <a:rPr lang="zh-TW" altLang="en-US" sz="1800" dirty="0" smtClean="0">
-                <a:cs typeface="Calibri"/>
-              </a:rPr>
-              <a:t>若以模型區分，</a:t>
-            </a:r>
-            <a:r>
-              <a:rPr lang="en-US" altLang="zh-TW" sz="1800" dirty="0" smtClean="0">
-                <a:cs typeface="Calibri"/>
-              </a:rPr>
-              <a:t>SVM</a:t>
-            </a:r>
-            <a:r>
-              <a:rPr lang="zh-TW" altLang="en-US" sz="1800" dirty="0" smtClean="0">
-                <a:cs typeface="Calibri"/>
-              </a:rPr>
-              <a:t>辨識度最好但不夠穩，大部分維持在</a:t>
-            </a:r>
-            <a:r>
-              <a:rPr lang="en-US" altLang="zh-TW" sz="1800" dirty="0" smtClean="0">
-                <a:cs typeface="Calibri"/>
-              </a:rPr>
-              <a:t>0.5</a:t>
-            </a:r>
-            <a:r>
-              <a:rPr lang="zh-TW" altLang="en-US" sz="1800" dirty="0" smtClean="0">
-                <a:cs typeface="Calibri"/>
-              </a:rPr>
-              <a:t>左右，但</a:t>
-            </a:r>
-            <a:r>
-              <a:rPr lang="en-US" altLang="zh-TW" sz="1800" dirty="0" smtClean="0">
-                <a:cs typeface="Calibri"/>
-              </a:rPr>
-              <a:t>XGBOOST</a:t>
-            </a:r>
-            <a:r>
-              <a:rPr lang="zh-TW" altLang="en-US" sz="1800" dirty="0" smtClean="0">
-                <a:cs typeface="Calibri"/>
-              </a:rPr>
-              <a:t>的平均最佳。</a:t>
-            </a:r>
-            <a:endParaRPr lang="en-US" altLang="zh-TW" sz="1800" dirty="0" smtClean="0">
-              <a:cs typeface="Calibri"/>
-            </a:endParaRPr>
-          </a:p>
-          <a:p>
-            <a:endParaRPr lang="zh-TW" altLang="en-US" sz="1800" dirty="0">
-              <a:cs typeface="Calibri"/>
-            </a:endParaRPr>
-          </a:p>
         </p:txBody>
       </p:sp>
       <p:sp>
@@ -10754,7 +9142,7 @@
           <p:cNvPr id="4" name="投影片編號版面配置區 3">
             <a:extLst>
               <a:ext uri="{FF2B5EF4-FFF2-40B4-BE49-F238E27FC236}">
-                <a16:creationId xmlns:a16="http://schemas.microsoft.com/office/drawing/2014/main" xmlns="" id="{A87F1B5D-F8E2-ED3D-2E72-EB23BAB0F167}"/>
+                <a16:creationId xmlns="" xmlns:a16="http://schemas.microsoft.com/office/drawing/2014/main" id="{A87F1B5D-F8E2-ED3D-2E72-EB23BAB0F167}"/>
               </a:ext>
             </a:extLst>
           </p:cNvPr>
@@ -10778,58 +9166,10 @@
           </a:p>
         </p:txBody>
       </p:sp>
-      <p:pic>
-        <p:nvPicPr>
-          <p:cNvPr id="5" name="圖片 4"/>
-          <p:cNvPicPr>
-            <a:picLocks noChangeAspect="1"/>
-          </p:cNvPicPr>
-          <p:nvPr/>
-        </p:nvPicPr>
-        <p:blipFill>
-          <a:blip r:embed="rId3"/>
-          <a:stretch>
-            <a:fillRect/>
-          </a:stretch>
-        </p:blipFill>
-        <p:spPr>
-          <a:xfrm>
-            <a:off x="4792717" y="1508124"/>
-            <a:ext cx="3263462" cy="2242539"/>
-          </a:xfrm>
-          <a:prstGeom prst="rect">
-            <a:avLst/>
-          </a:prstGeom>
-        </p:spPr>
-      </p:pic>
-      <p:pic>
-        <p:nvPicPr>
-          <p:cNvPr id="7" name="圖片 6"/>
-          <p:cNvPicPr>
-            <a:picLocks noChangeAspect="1"/>
-          </p:cNvPicPr>
-          <p:nvPr/>
-        </p:nvPicPr>
-        <p:blipFill>
-          <a:blip r:embed="rId4"/>
-          <a:stretch>
-            <a:fillRect/>
-          </a:stretch>
-        </p:blipFill>
-        <p:spPr>
-          <a:xfrm>
-            <a:off x="4572000" y="4138612"/>
-            <a:ext cx="3648075" cy="2400300"/>
-          </a:xfrm>
-          <a:prstGeom prst="rect">
-            <a:avLst/>
-          </a:prstGeom>
-        </p:spPr>
-      </p:pic>
     </p:spTree>
     <p:extLst>
       <p:ext uri="{BB962C8B-B14F-4D97-AF65-F5344CB8AC3E}">
-        <p14:creationId xmlns:p14="http://schemas.microsoft.com/office/powerpoint/2010/main" val="3708820475"/>
+        <p14:creationId xmlns:p14="http://schemas.microsoft.com/office/powerpoint/2010/main" val="67855328"/>
       </p:ext>
     </p:extLst>
   </p:cSld>
@@ -10858,174 +9198,10 @@
       </p:grpSpPr>
       <p:sp>
         <p:nvSpPr>
-          <p:cNvPr id="2" name="Title 1"/>
-          <p:cNvSpPr>
-            <a:spLocks noGrp="1"/>
-          </p:cNvSpPr>
-          <p:nvPr>
-            <p:ph type="title"/>
-          </p:nvPr>
-        </p:nvSpPr>
-        <p:spPr/>
-        <p:txBody>
-          <a:bodyPr/>
-          <a:lstStyle/>
-          <a:p>
-            <a:r>
-              <a:rPr lang="zh-TW" altLang="en-US" dirty="0" smtClean="0">
-                <a:cs typeface="Calibri"/>
-              </a:rPr>
-              <a:t>結論</a:t>
-            </a:r>
-            <a:endParaRPr dirty="0"/>
-          </a:p>
-        </p:txBody>
-      </p:sp>
-      <p:sp>
-        <p:nvSpPr>
-          <p:cNvPr id="3" name="Content Placeholder 2"/>
-          <p:cNvSpPr>
-            <a:spLocks noGrp="1"/>
-          </p:cNvSpPr>
-          <p:nvPr>
-            <p:ph idx="1"/>
-          </p:nvPr>
-        </p:nvSpPr>
-        <p:spPr/>
-        <p:txBody>
-          <a:bodyPr vert="horz" lIns="91440" tIns="45720" rIns="91440" bIns="45720" rtlCol="0" anchor="t">
-            <a:normAutofit/>
-          </a:bodyPr>
-          <a:lstStyle/>
-          <a:p>
-            <a:r>
-              <a:rPr lang="zh-TW" altLang="en-US" sz="1800" dirty="0" smtClean="0">
-                <a:ea typeface="新細明體"/>
-              </a:rPr>
-              <a:t>本研究在處理數據不平衡，以</a:t>
-            </a:r>
-            <a:r>
-              <a:rPr lang="en-US" altLang="zh-TW" sz="1800" dirty="0" err="1" smtClean="0"/>
-              <a:t>undersampling</a:t>
-            </a:r>
-            <a:r>
-              <a:rPr lang="zh-TW" altLang="en-US" sz="1800" dirty="0" smtClean="0"/>
-              <a:t>表現最佳，並且與</a:t>
-            </a:r>
-            <a:r>
-              <a:rPr lang="en-US" altLang="zh-TW" sz="1800" dirty="0" smtClean="0"/>
-              <a:t>SMOTE</a:t>
-            </a:r>
-            <a:r>
-              <a:rPr lang="zh-TW" altLang="en-US" sz="1800" dirty="0" smtClean="0"/>
-              <a:t>相比其運算更加容易。</a:t>
-            </a:r>
-            <a:endParaRPr lang="en-US" altLang="zh-TW" sz="1800" dirty="0" smtClean="0"/>
-          </a:p>
-          <a:p>
-            <a:endParaRPr lang="en-US" altLang="zh-TW" sz="1800" dirty="0">
-              <a:cs typeface="Calibri"/>
-            </a:endParaRPr>
-          </a:p>
-          <a:p>
-            <a:r>
-              <a:rPr lang="zh-TW" altLang="en-US" sz="1800" dirty="0" smtClean="0">
-                <a:cs typeface="Calibri"/>
-              </a:rPr>
-              <a:t>數據的乾淨程度會大幅影響模型的準確率</a:t>
-            </a:r>
-            <a:endParaRPr lang="en-US" altLang="zh-TW" sz="1800" dirty="0" smtClean="0">
-              <a:cs typeface="Calibri"/>
-            </a:endParaRPr>
-          </a:p>
-          <a:p>
-            <a:endParaRPr lang="en-US" altLang="zh-TW" sz="1800" dirty="0">
-              <a:cs typeface="Calibri"/>
-            </a:endParaRPr>
-          </a:p>
-          <a:p>
-            <a:r>
-              <a:rPr lang="zh-TW" altLang="en-US" sz="1800" dirty="0" smtClean="0">
-                <a:cs typeface="Calibri"/>
-              </a:rPr>
-              <a:t>若特徵萃取使用</a:t>
-            </a:r>
-            <a:r>
-              <a:rPr lang="en-US" altLang="zh-TW" sz="1800" dirty="0" smtClean="0">
-                <a:cs typeface="Calibri"/>
-              </a:rPr>
-              <a:t>MFCC</a:t>
-            </a:r>
-            <a:r>
-              <a:rPr lang="zh-TW" altLang="en-US" sz="1800" dirty="0" smtClean="0">
-                <a:cs typeface="Calibri"/>
-              </a:rPr>
-              <a:t>搭配</a:t>
-            </a:r>
-            <a:r>
-              <a:rPr lang="en-US" altLang="zh-TW" sz="1800" dirty="0" smtClean="0">
-                <a:cs typeface="Calibri"/>
-              </a:rPr>
-              <a:t>SVM</a:t>
-            </a:r>
-            <a:r>
-              <a:rPr lang="zh-TW" altLang="en-US" sz="1800" dirty="0" smtClean="0">
-                <a:cs typeface="Calibri"/>
-              </a:rPr>
-              <a:t>，其預測結果不論用什麼數據都非常差</a:t>
-            </a:r>
-            <a:endParaRPr lang="en-US" altLang="zh-TW" sz="1800" dirty="0" smtClean="0">
-              <a:cs typeface="Calibri"/>
-            </a:endParaRPr>
-          </a:p>
-          <a:p>
-            <a:endParaRPr lang="en-US" altLang="zh-TW" sz="1800" dirty="0">
-              <a:cs typeface="Calibri"/>
-            </a:endParaRPr>
-          </a:p>
-          <a:p>
-            <a:r>
-              <a:rPr lang="zh-TW" altLang="en-US" sz="1800" dirty="0" smtClean="0">
-                <a:cs typeface="Calibri"/>
-              </a:rPr>
-              <a:t>最佳的預測方法是</a:t>
-            </a:r>
-            <a:r>
-              <a:rPr lang="en-US" altLang="zh-TW" sz="1800" dirty="0" smtClean="0"/>
-              <a:t>NMF-spectrogram</a:t>
-            </a:r>
-            <a:r>
-              <a:rPr lang="zh-TW" altLang="en-US" sz="1800" dirty="0" smtClean="0"/>
-              <a:t>搭配</a:t>
-            </a:r>
-            <a:r>
-              <a:rPr lang="en-US" altLang="zh-TW" sz="1800" dirty="0" err="1" smtClean="0"/>
-              <a:t>undersampling</a:t>
-            </a:r>
-            <a:r>
-              <a:rPr lang="zh-TW" altLang="en-US" sz="1800" dirty="0" smtClean="0"/>
-              <a:t>及</a:t>
-            </a:r>
-            <a:r>
-              <a:rPr lang="en-US" altLang="zh-TW" sz="1800" dirty="0" smtClean="0"/>
-              <a:t>SVM</a:t>
-            </a:r>
-            <a:r>
-              <a:rPr lang="zh-TW" altLang="en-US" sz="1800" smtClean="0"/>
-              <a:t>建模。</a:t>
-            </a:r>
-            <a:endParaRPr lang="zh-TW" altLang="en-US" sz="1800" dirty="0">
-              <a:cs typeface="Calibri"/>
-            </a:endParaRPr>
-          </a:p>
-        </p:txBody>
-      </p:sp>
-      <p:sp>
-        <p:nvSpPr>
-          <p:cNvPr id="4" name="投影片編號版面配置區 3">
+          <p:cNvPr id="2" name="標題 1">
             <a:extLst>
               <a:ext uri="{FF2B5EF4-FFF2-40B4-BE49-F238E27FC236}">
-                <a16:creationId xmlns:a16="http://schemas.microsoft.com/office/drawing/2014/main" xmlns="" id="{A87F1B5D-F8E2-ED3D-2E72-EB23BAB0F167}"/>
+                <a16:creationId xmlns="" xmlns:a16="http://schemas.microsoft.com/office/drawing/2014/main" id="{1C5145E7-1DA2-290D-70FE-4A0455EAF62B}"/>
               </a:ext>
             </a:extLst>
           </p:cNvPr>
@@ -11033,65 +9209,6 @@
             <a:spLocks noGrp="1"/>
           </p:cNvSpPr>
           <p:nvPr>
-            <p:ph type="sldNum" sz="quarter" idx="12"/>
-          </p:nvPr>
-        </p:nvSpPr>
-        <p:spPr/>
-        <p:txBody>
-          <a:bodyPr/>
-          <a:lstStyle/>
-          <a:p>
-            <a:fld id="{C1FF6DA9-008F-8B48-92A6-B652298478BF}" type="slidenum">
-              <a:rPr lang="en-US" smtClean="0"/>
-              <a:t>14</a:t>
-            </a:fld>
-            <a:endParaRPr lang="zh-TW" altLang="en-US"/>
-          </a:p>
-        </p:txBody>
-      </p:sp>
-    </p:spTree>
-    <p:extLst>
-      <p:ext uri="{BB962C8B-B14F-4D97-AF65-F5344CB8AC3E}">
-        <p14:creationId xmlns:p14="http://schemas.microsoft.com/office/powerpoint/2010/main" val="67855328"/>
-      </p:ext>
-    </p:extLst>
-  </p:cSld>
-  <p:clrMapOvr>
-    <a:masterClrMapping/>
-  </p:clrMapOvr>
-</p:sld>
-</file>
-
-<file path=ppt/slides/slide15.xml><?xml version="1.0" encoding="utf-8"?>
-<p:sld xmlns:a="http://schemas.openxmlformats.org/drawingml/2006/main" xmlns:r="http://schemas.openxmlformats.org/officeDocument/2006/relationships" xmlns:p="http://schemas.openxmlformats.org/presentationml/2006/main">
-  <p:cSld>
-    <p:spTree>
-      <p:nvGrpSpPr>
-        <p:cNvPr id="1" name=""/>
-        <p:cNvGrpSpPr/>
-        <p:nvPr/>
-      </p:nvGrpSpPr>
-      <p:grpSpPr>
-        <a:xfrm>
-          <a:off x="0" y="0"/>
-          <a:ext cx="0" cy="0"/>
-          <a:chOff x="0" y="0"/>
-          <a:chExt cx="0" cy="0"/>
-        </a:xfrm>
-      </p:grpSpPr>
-      <p:sp>
-        <p:nvSpPr>
-          <p:cNvPr id="2" name="標題 1">
-            <a:extLst>
-              <a:ext uri="{FF2B5EF4-FFF2-40B4-BE49-F238E27FC236}">
-                <a16:creationId xmlns:a16="http://schemas.microsoft.com/office/drawing/2014/main" xmlns="" id="{1C5145E7-1DA2-290D-70FE-4A0455EAF62B}"/>
-              </a:ext>
-            </a:extLst>
-          </p:cNvPr>
-          <p:cNvSpPr>
-            <a:spLocks noGrp="1"/>
-          </p:cNvSpPr>
-          <p:nvPr>
             <p:ph type="title"/>
           </p:nvPr>
         </p:nvSpPr>
@@ -11109,7 +9226,7 @@
           <p:cNvPr id="3" name="內容版面配置區 2">
             <a:extLst>
               <a:ext uri="{FF2B5EF4-FFF2-40B4-BE49-F238E27FC236}">
-                <a16:creationId xmlns:a16="http://schemas.microsoft.com/office/drawing/2014/main" xmlns="" id="{1EAC5477-4418-042D-1EB0-1AD8F3229D2C}"/>
+                <a16:creationId xmlns="" xmlns:a16="http://schemas.microsoft.com/office/drawing/2014/main" id="{1EAC5477-4418-042D-1EB0-1AD8F3229D2C}"/>
               </a:ext>
             </a:extLst>
           </p:cNvPr>
@@ -11158,7 +9275,7 @@
           <p:cNvPr id="4" name="投影片編號版面配置區 3">
             <a:extLst>
               <a:ext uri="{FF2B5EF4-FFF2-40B4-BE49-F238E27FC236}">
-                <a16:creationId xmlns:a16="http://schemas.microsoft.com/office/drawing/2014/main" xmlns="" id="{94451F37-177D-FCF0-F344-3488B665D2A5}"/>
+                <a16:creationId xmlns="" xmlns:a16="http://schemas.microsoft.com/office/drawing/2014/main" id="{94451F37-177D-FCF0-F344-3488B665D2A5}"/>
               </a:ext>
             </a:extLst>
           </p:cNvPr>
@@ -11176,7 +9293,7 @@
           <a:p>
             <a:fld id="{C1FF6DA9-008F-8B48-92A6-B652298478BF}" type="slidenum">
               <a:rPr lang="en-US" smtClean="0"/>
-              <a:t>15</a:t>
+              <a:t>14</a:t>
             </a:fld>
             <a:endParaRPr lang="zh-TW" altLang="en-US"/>
           </a:p>
@@ -11225,10 +9342,10 @@
           <p:cNvPr id="9" name="Rectangle 8">
             <a:extLst>
               <a:ext uri="{FF2B5EF4-FFF2-40B4-BE49-F238E27FC236}">
-                <a16:creationId xmlns:a16="http://schemas.microsoft.com/office/drawing/2014/main" xmlns="" id="{BACC6370-2D7E-4714-9D71-7542949D7D5D}"/>
+                <a16:creationId xmlns="" xmlns:a16="http://schemas.microsoft.com/office/drawing/2014/main" id="{BACC6370-2D7E-4714-9D71-7542949D7D5D}"/>
               </a:ext>
               <a:ext uri="{C183D7F6-B498-43B3-948B-1728B52AA6E4}">
-                <adec:decorative xmlns:adec="http://schemas.microsoft.com/office/drawing/2017/decorative" xmlns="" val="1"/>
+                <adec:decorative xmlns="" xmlns:adec="http://schemas.microsoft.com/office/drawing/2017/decorative" val="1"/>
               </a:ext>
             </a:extLst>
           </p:cNvPr>
@@ -11238,7 +9355,7 @@
           <p:nvPr>
             <p:extLst>
               <p:ext uri="{386F3935-93C4-4BCD-93E2-E3B085C9AB24}">
-                <p16:designElem xmlns:p16="http://schemas.microsoft.com/office/powerpoint/2015/main" xmlns="" val="1"/>
+                <p16:designElem xmlns="" xmlns:p16="http://schemas.microsoft.com/office/powerpoint/2015/main" val="1"/>
               </p:ext>
             </p:extLst>
           </p:nvPr>
@@ -11301,10 +9418,10 @@
           <p:cNvPr id="11" name="Rectangle 10">
             <a:extLst>
               <a:ext uri="{FF2B5EF4-FFF2-40B4-BE49-F238E27FC236}">
-                <a16:creationId xmlns:a16="http://schemas.microsoft.com/office/drawing/2014/main" xmlns="" id="{256B2C21-A230-48C0-8DF1-C46611373C44}"/>
+                <a16:creationId xmlns="" xmlns:a16="http://schemas.microsoft.com/office/drawing/2014/main" id="{256B2C21-A230-48C0-8DF1-C46611373C44}"/>
               </a:ext>
               <a:ext uri="{C183D7F6-B498-43B3-948B-1728B52AA6E4}">
-                <adec:decorative xmlns:adec="http://schemas.microsoft.com/office/drawing/2017/decorative" xmlns="" val="1"/>
+                <adec:decorative xmlns="" xmlns:adec="http://schemas.microsoft.com/office/drawing/2017/decorative" val="1"/>
               </a:ext>
             </a:extLst>
           </p:cNvPr>
@@ -11314,7 +9431,7 @@
           <p:nvPr>
             <p:extLst>
               <p:ext uri="{386F3935-93C4-4BCD-93E2-E3B085C9AB24}">
-                <p16:designElem xmlns:p16="http://schemas.microsoft.com/office/powerpoint/2015/main" xmlns="" val="1"/>
+                <p16:designElem xmlns="" xmlns:p16="http://schemas.microsoft.com/office/powerpoint/2015/main" val="1"/>
               </p:ext>
             </p:extLst>
           </p:nvPr>
@@ -11374,10 +9491,10 @@
           <p:cNvPr id="13" name="Rectangle 12">
             <a:extLst>
               <a:ext uri="{FF2B5EF4-FFF2-40B4-BE49-F238E27FC236}">
-                <a16:creationId xmlns:a16="http://schemas.microsoft.com/office/drawing/2014/main" xmlns="" id="{3847E18C-932D-4C95-AABA-FEC7C9499AD7}"/>
+                <a16:creationId xmlns="" xmlns:a16="http://schemas.microsoft.com/office/drawing/2014/main" id="{3847E18C-932D-4C95-AABA-FEC7C9499AD7}"/>
               </a:ext>
               <a:ext uri="{C183D7F6-B498-43B3-948B-1728B52AA6E4}">
-                <adec:decorative xmlns:adec="http://schemas.microsoft.com/office/drawing/2017/decorative" xmlns="" val="1"/>
+                <adec:decorative xmlns="" xmlns:adec="http://schemas.microsoft.com/office/drawing/2017/decorative" val="1"/>
               </a:ext>
             </a:extLst>
           </p:cNvPr>
@@ -11387,7 +9504,7 @@
           <p:nvPr>
             <p:extLst>
               <p:ext uri="{386F3935-93C4-4BCD-93E2-E3B085C9AB24}">
-                <p16:designElem xmlns:p16="http://schemas.microsoft.com/office/powerpoint/2015/main" xmlns="" val="1"/>
+                <p16:designElem xmlns="" xmlns:p16="http://schemas.microsoft.com/office/powerpoint/2015/main" val="1"/>
               </p:ext>
             </p:extLst>
           </p:nvPr>
@@ -11449,10 +9566,10 @@
           <p:cNvPr id="15" name="Rectangle 14">
             <a:extLst>
               <a:ext uri="{FF2B5EF4-FFF2-40B4-BE49-F238E27FC236}">
-                <a16:creationId xmlns:a16="http://schemas.microsoft.com/office/drawing/2014/main" xmlns="" id="{3150CB11-0C61-439E-910F-5787759E72A0}"/>
+                <a16:creationId xmlns="" xmlns:a16="http://schemas.microsoft.com/office/drawing/2014/main" id="{3150CB11-0C61-439E-910F-5787759E72A0}"/>
               </a:ext>
               <a:ext uri="{C183D7F6-B498-43B3-948B-1728B52AA6E4}">
-                <adec:decorative xmlns:adec="http://schemas.microsoft.com/office/drawing/2017/decorative" xmlns="" val="1"/>
+                <adec:decorative xmlns="" xmlns:adec="http://schemas.microsoft.com/office/drawing/2017/decorative" val="1"/>
               </a:ext>
             </a:extLst>
           </p:cNvPr>
@@ -11462,7 +9579,7 @@
           <p:nvPr>
             <p:extLst>
               <p:ext uri="{386F3935-93C4-4BCD-93E2-E3B085C9AB24}">
-                <p16:designElem xmlns:p16="http://schemas.microsoft.com/office/powerpoint/2015/main" xmlns="" val="1"/>
+                <p16:designElem xmlns="" xmlns:p16="http://schemas.microsoft.com/office/powerpoint/2015/main" val="1"/>
               </p:ext>
             </p:extLst>
           </p:nvPr>
@@ -11524,10 +9641,10 @@
           <p:cNvPr id="17" name="Freeform: Shape 16">
             <a:extLst>
               <a:ext uri="{FF2B5EF4-FFF2-40B4-BE49-F238E27FC236}">
-                <a16:creationId xmlns:a16="http://schemas.microsoft.com/office/drawing/2014/main" xmlns="" id="{43F8A58B-5155-44CE-A5FF-7647B47D0A7A}"/>
+                <a16:creationId xmlns="" xmlns:a16="http://schemas.microsoft.com/office/drawing/2014/main" id="{43F8A58B-5155-44CE-A5FF-7647B47D0A7A}"/>
               </a:ext>
               <a:ext uri="{C183D7F6-B498-43B3-948B-1728B52AA6E4}">
-                <adec:decorative xmlns:adec="http://schemas.microsoft.com/office/drawing/2017/decorative" xmlns="" val="1"/>
+                <adec:decorative xmlns="" xmlns:adec="http://schemas.microsoft.com/office/drawing/2017/decorative" val="1"/>
               </a:ext>
             </a:extLst>
           </p:cNvPr>
@@ -11537,7 +9654,7 @@
           <p:nvPr>
             <p:extLst>
               <p:ext uri="{386F3935-93C4-4BCD-93E2-E3B085C9AB24}">
-                <p16:designElem xmlns:p16="http://schemas.microsoft.com/office/powerpoint/2015/main" xmlns="" val="1"/>
+                <p16:designElem xmlns="" xmlns:p16="http://schemas.microsoft.com/office/powerpoint/2015/main" val="1"/>
               </p:ext>
             </p:extLst>
           </p:nvPr>
@@ -11694,10 +9811,10 @@
           <p:cNvPr id="19" name="Rectangle 18">
             <a:extLst>
               <a:ext uri="{FF2B5EF4-FFF2-40B4-BE49-F238E27FC236}">
-                <a16:creationId xmlns:a16="http://schemas.microsoft.com/office/drawing/2014/main" xmlns="" id="{443F2ACA-E6D6-4028-82DD-F03C262D5DE6}"/>
+                <a16:creationId xmlns="" xmlns:a16="http://schemas.microsoft.com/office/drawing/2014/main" id="{443F2ACA-E6D6-4028-82DD-F03C262D5DE6}"/>
               </a:ext>
               <a:ext uri="{C183D7F6-B498-43B3-948B-1728B52AA6E4}">
-                <adec:decorative xmlns:adec="http://schemas.microsoft.com/office/drawing/2017/decorative" xmlns="" val="1"/>
+                <adec:decorative xmlns="" xmlns:adec="http://schemas.microsoft.com/office/drawing/2017/decorative" val="1"/>
               </a:ext>
             </a:extLst>
           </p:cNvPr>
@@ -11707,7 +9824,7 @@
           <p:nvPr>
             <p:extLst>
               <p:ext uri="{386F3935-93C4-4BCD-93E2-E3B085C9AB24}">
-                <p16:designElem xmlns:p16="http://schemas.microsoft.com/office/powerpoint/2015/main" xmlns="" val="1"/>
+                <p16:designElem xmlns="" xmlns:p16="http://schemas.microsoft.com/office/powerpoint/2015/main" val="1"/>
               </p:ext>
             </p:extLst>
           </p:nvPr>
@@ -11811,7 +9928,7 @@
           <p:cNvPr id="5" name="內容版面配置區 2">
             <a:extLst>
               <a:ext uri="{FF2B5EF4-FFF2-40B4-BE49-F238E27FC236}">
-                <a16:creationId xmlns:a16="http://schemas.microsoft.com/office/drawing/2014/main" xmlns="" id="{A5EA6EAC-EF19-06E2-5BF2-99998BBBEF53}"/>
+                <a16:creationId xmlns="" xmlns:a16="http://schemas.microsoft.com/office/drawing/2014/main" id="{A5EA6EAC-EF19-06E2-5BF2-99998BBBEF53}"/>
               </a:ext>
             </a:extLst>
           </p:cNvPr>
@@ -11842,7 +9959,7 @@
           <p:cNvPr id="20" name="投影片編號版面配置區 19">
             <a:extLst>
               <a:ext uri="{FF2B5EF4-FFF2-40B4-BE49-F238E27FC236}">
-                <a16:creationId xmlns:a16="http://schemas.microsoft.com/office/drawing/2014/main" xmlns="" id="{FD62721B-81D8-D26F-C457-0AD1BCB18627}"/>
+                <a16:creationId xmlns="" xmlns:a16="http://schemas.microsoft.com/office/drawing/2014/main" id="{FD62721B-81D8-D26F-C457-0AD1BCB18627}"/>
               </a:ext>
             </a:extLst>
           </p:cNvPr>
@@ -11909,10 +10026,10 @@
           <p:cNvPr id="8" name="Rectangle 7">
             <a:extLst>
               <a:ext uri="{FF2B5EF4-FFF2-40B4-BE49-F238E27FC236}">
-                <a16:creationId xmlns:a16="http://schemas.microsoft.com/office/drawing/2014/main" xmlns="" id="{B6CDA21F-E7AF-4C75-8395-33F58D5B0E45}"/>
+                <a16:creationId xmlns="" xmlns:a16="http://schemas.microsoft.com/office/drawing/2014/main" id="{B6CDA21F-E7AF-4C75-8395-33F58D5B0E45}"/>
               </a:ext>
               <a:ext uri="{C183D7F6-B498-43B3-948B-1728B52AA6E4}">
-                <adec:decorative xmlns:adec="http://schemas.microsoft.com/office/drawing/2017/decorative" xmlns="" val="1"/>
+                <adec:decorative xmlns="" xmlns:adec="http://schemas.microsoft.com/office/drawing/2017/decorative" val="1"/>
               </a:ext>
             </a:extLst>
           </p:cNvPr>
@@ -11922,7 +10039,7 @@
           <p:nvPr>
             <p:extLst>
               <p:ext uri="{386F3935-93C4-4BCD-93E2-E3B085C9AB24}">
-                <p16:designElem xmlns:p16="http://schemas.microsoft.com/office/powerpoint/2015/main" xmlns="" val="1"/>
+                <p16:designElem xmlns="" xmlns:p16="http://schemas.microsoft.com/office/powerpoint/2015/main" val="1"/>
               </p:ext>
             </p:extLst>
           </p:nvPr>
@@ -11969,10 +10086,10 @@
           <p:cNvPr id="10" name="Group 9">
             <a:extLst>
               <a:ext uri="{FF2B5EF4-FFF2-40B4-BE49-F238E27FC236}">
-                <a16:creationId xmlns:a16="http://schemas.microsoft.com/office/drawing/2014/main" xmlns="" id="{AE1C45F0-260A-458C-96ED-C1F6D2151219}"/>
+                <a16:creationId xmlns="" xmlns:a16="http://schemas.microsoft.com/office/drawing/2014/main" id="{AE1C45F0-260A-458C-96ED-C1F6D2151219}"/>
               </a:ext>
               <a:ext uri="{C183D7F6-B498-43B3-948B-1728B52AA6E4}">
-                <adec:decorative xmlns:adec="http://schemas.microsoft.com/office/drawing/2017/decorative" xmlns="" val="1"/>
+                <adec:decorative xmlns="" xmlns:adec="http://schemas.microsoft.com/office/drawing/2017/decorative" val="1"/>
               </a:ext>
             </a:extLst>
           </p:cNvPr>
@@ -11982,7 +10099,7 @@
           <p:nvPr>
             <p:extLst>
               <p:ext uri="{386F3935-93C4-4BCD-93E2-E3B085C9AB24}">
-                <p16:designElem xmlns:p16="http://schemas.microsoft.com/office/powerpoint/2015/main" xmlns="" val="1"/>
+                <p16:designElem xmlns="" xmlns:p16="http://schemas.microsoft.com/office/powerpoint/2015/main" val="1"/>
               </p:ext>
             </p:extLst>
           </p:nvPr>
@@ -12003,10 +10120,10 @@
             <p:cNvPr id="11" name="Rectangle 10">
               <a:extLst>
                 <a:ext uri="{FF2B5EF4-FFF2-40B4-BE49-F238E27FC236}">
-                  <a16:creationId xmlns:a16="http://schemas.microsoft.com/office/drawing/2014/main" xmlns="" id="{A6604B49-AD5C-4590-B051-06C8222ECD99}"/>
+                  <a16:creationId xmlns="" xmlns:a16="http://schemas.microsoft.com/office/drawing/2014/main" id="{A6604B49-AD5C-4590-B051-06C8222ECD99}"/>
                 </a:ext>
                 <a:ext uri="{C183D7F6-B498-43B3-948B-1728B52AA6E4}">
-                  <adec:decorative xmlns:adec="http://schemas.microsoft.com/office/drawing/2017/decorative" xmlns="" val="1"/>
+                  <adec:decorative xmlns="" xmlns:adec="http://schemas.microsoft.com/office/drawing/2017/decorative" val="1"/>
                 </a:ext>
               </a:extLst>
             </p:cNvPr>
@@ -12014,7 +10131,7 @@
             <p:nvPr>
               <p:extLst>
                 <p:ext uri="{386F3935-93C4-4BCD-93E2-E3B085C9AB24}">
-                  <p16:designElem xmlns:p16="http://schemas.microsoft.com/office/powerpoint/2015/main" xmlns="" val="1"/>
+                  <p16:designElem xmlns="" xmlns:p16="http://schemas.microsoft.com/office/powerpoint/2015/main" val="1"/>
                 </p:ext>
               </p:extLst>
             </p:nvPr>
@@ -12062,10 +10179,10 @@
             <p:cNvPr id="12" name="Rectangle 11">
               <a:extLst>
                 <a:ext uri="{FF2B5EF4-FFF2-40B4-BE49-F238E27FC236}">
-                  <a16:creationId xmlns:a16="http://schemas.microsoft.com/office/drawing/2014/main" xmlns="" id="{743ECCAF-29C5-4537-947C-7EA1292463DB}"/>
+                  <a16:creationId xmlns="" xmlns:a16="http://schemas.microsoft.com/office/drawing/2014/main" id="{743ECCAF-29C5-4537-947C-7EA1292463DB}"/>
                 </a:ext>
                 <a:ext uri="{C183D7F6-B498-43B3-948B-1728B52AA6E4}">
-                  <adec:decorative xmlns:adec="http://schemas.microsoft.com/office/drawing/2017/decorative" xmlns="" val="1"/>
+                  <adec:decorative xmlns="" xmlns:adec="http://schemas.microsoft.com/office/drawing/2017/decorative" val="1"/>
                 </a:ext>
               </a:extLst>
             </p:cNvPr>
@@ -12073,7 +10190,7 @@
             <p:nvPr>
               <p:extLst>
                 <p:ext uri="{386F3935-93C4-4BCD-93E2-E3B085C9AB24}">
-                  <p16:designElem xmlns:p16="http://schemas.microsoft.com/office/powerpoint/2015/main" xmlns="" val="1"/>
+                  <p16:designElem xmlns="" xmlns:p16="http://schemas.microsoft.com/office/powerpoint/2015/main" val="1"/>
                 </p:ext>
               </p:extLst>
             </p:nvPr>
@@ -12121,10 +10238,10 @@
             <p:cNvPr id="13" name="Rectangle 12">
               <a:extLst>
                 <a:ext uri="{FF2B5EF4-FFF2-40B4-BE49-F238E27FC236}">
-                  <a16:creationId xmlns:a16="http://schemas.microsoft.com/office/drawing/2014/main" xmlns="" id="{ED49787B-8DE6-4467-AD0A-8DECC6E0C2D6}"/>
+                  <a16:creationId xmlns="" xmlns:a16="http://schemas.microsoft.com/office/drawing/2014/main" id="{ED49787B-8DE6-4467-AD0A-8DECC6E0C2D6}"/>
                 </a:ext>
                 <a:ext uri="{C183D7F6-B498-43B3-948B-1728B52AA6E4}">
-                  <adec:decorative xmlns:adec="http://schemas.microsoft.com/office/drawing/2017/decorative" xmlns="" val="1"/>
+                  <adec:decorative xmlns="" xmlns:adec="http://schemas.microsoft.com/office/drawing/2017/decorative" val="1"/>
                 </a:ext>
               </a:extLst>
             </p:cNvPr>
@@ -12132,7 +10249,7 @@
             <p:nvPr>
               <p:extLst>
                 <p:ext uri="{386F3935-93C4-4BCD-93E2-E3B085C9AB24}">
-                  <p16:designElem xmlns:p16="http://schemas.microsoft.com/office/powerpoint/2015/main" xmlns="" val="1"/>
+                  <p16:designElem xmlns="" xmlns:p16="http://schemas.microsoft.com/office/powerpoint/2015/main" val="1"/>
                 </p:ext>
               </p:extLst>
             </p:nvPr>
@@ -12181,10 +10298,10 @@
           <p:cNvPr id="15" name="Rectangle 14">
             <a:extLst>
               <a:ext uri="{FF2B5EF4-FFF2-40B4-BE49-F238E27FC236}">
-                <a16:creationId xmlns:a16="http://schemas.microsoft.com/office/drawing/2014/main" xmlns="" id="{D5B0017B-2ECA-49AF-B397-DC140825DF8D}"/>
+                <a16:creationId xmlns="" xmlns:a16="http://schemas.microsoft.com/office/drawing/2014/main" id="{D5B0017B-2ECA-49AF-B397-DC140825DF8D}"/>
               </a:ext>
               <a:ext uri="{C183D7F6-B498-43B3-948B-1728B52AA6E4}">
-                <adec:decorative xmlns:adec="http://schemas.microsoft.com/office/drawing/2017/decorative" xmlns="" val="1"/>
+                <adec:decorative xmlns="" xmlns:adec="http://schemas.microsoft.com/office/drawing/2017/decorative" val="1"/>
               </a:ext>
             </a:extLst>
           </p:cNvPr>
@@ -12194,7 +10311,7 @@
           <p:nvPr>
             <p:extLst>
               <p:ext uri="{386F3935-93C4-4BCD-93E2-E3B085C9AB24}">
-                <p16:designElem xmlns:p16="http://schemas.microsoft.com/office/powerpoint/2015/main" xmlns="" val="1"/>
+                <p16:designElem xmlns="" xmlns:p16="http://schemas.microsoft.com/office/powerpoint/2015/main" val="1"/>
               </p:ext>
             </p:extLst>
           </p:nvPr>
@@ -12510,10 +10627,10 @@
           <p:cNvPr id="17" name="Straight Connector 16">
             <a:extLst>
               <a:ext uri="{FF2B5EF4-FFF2-40B4-BE49-F238E27FC236}">
-                <a16:creationId xmlns:a16="http://schemas.microsoft.com/office/drawing/2014/main" xmlns="" id="{6CF1BAF6-AD41-4082-B212-8A1F9A2E8779}"/>
+                <a16:creationId xmlns="" xmlns:a16="http://schemas.microsoft.com/office/drawing/2014/main" id="{6CF1BAF6-AD41-4082-B212-8A1F9A2E8779}"/>
               </a:ext>
               <a:ext uri="{C183D7F6-B498-43B3-948B-1728B52AA6E4}">
-                <adec:decorative xmlns:adec="http://schemas.microsoft.com/office/drawing/2017/decorative" xmlns="" val="1"/>
+                <adec:decorative xmlns="" xmlns:adec="http://schemas.microsoft.com/office/drawing/2017/decorative" val="1"/>
               </a:ext>
             </a:extLst>
           </p:cNvPr>
@@ -12523,7 +10640,7 @@
           <p:nvPr>
             <p:extLst>
               <p:ext uri="{386F3935-93C4-4BCD-93E2-E3B085C9AB24}">
-                <p16:designElem xmlns:p16="http://schemas.microsoft.com/office/powerpoint/2015/main" xmlns="" val="1"/>
+                <p16:designElem xmlns="" xmlns:p16="http://schemas.microsoft.com/office/powerpoint/2015/main" val="1"/>
               </p:ext>
             </p:extLst>
           </p:nvPr>
@@ -12562,7 +10679,7 @@
           <p:cNvPr id="4" name="投影片編號版面配置區 3">
             <a:extLst>
               <a:ext uri="{FF2B5EF4-FFF2-40B4-BE49-F238E27FC236}">
-                <a16:creationId xmlns:a16="http://schemas.microsoft.com/office/drawing/2014/main" xmlns="" id="{4B4E3367-D796-23F0-D97B-100A8EDD0E9C}"/>
+                <a16:creationId xmlns="" xmlns:a16="http://schemas.microsoft.com/office/drawing/2014/main" id="{4B4E3367-D796-23F0-D97B-100A8EDD0E9C}"/>
               </a:ext>
             </a:extLst>
           </p:cNvPr>
@@ -12624,10 +10741,10 @@
           <p:cNvPr id="22" name="Rectangle 7">
             <a:extLst>
               <a:ext uri="{FF2B5EF4-FFF2-40B4-BE49-F238E27FC236}">
-                <a16:creationId xmlns:a16="http://schemas.microsoft.com/office/drawing/2014/main" xmlns="" id="{3AD318CC-E2A8-4E27-9548-A047A78999B1}"/>
+                <a16:creationId xmlns="" xmlns:a16="http://schemas.microsoft.com/office/drawing/2014/main" id="{3AD318CC-E2A8-4E27-9548-A047A78999B1}"/>
               </a:ext>
               <a:ext uri="{C183D7F6-B498-43B3-948B-1728B52AA6E4}">
-                <adec:decorative xmlns:adec="http://schemas.microsoft.com/office/drawing/2017/decorative" xmlns="" val="1"/>
+                <adec:decorative xmlns="" xmlns:adec="http://schemas.microsoft.com/office/drawing/2017/decorative" val="1"/>
               </a:ext>
             </a:extLst>
           </p:cNvPr>
@@ -12637,7 +10754,7 @@
           <p:nvPr>
             <p:extLst>
               <p:ext uri="{386F3935-93C4-4BCD-93E2-E3B085C9AB24}">
-                <p16:designElem xmlns:p16="http://schemas.microsoft.com/office/powerpoint/2015/main" xmlns="" val="1"/>
+                <p16:designElem xmlns="" xmlns:p16="http://schemas.microsoft.com/office/powerpoint/2015/main" val="1"/>
               </p:ext>
             </p:extLst>
           </p:nvPr>
@@ -12717,10 +10834,10 @@
           <p:cNvPr id="23" name="Group 9">
             <a:extLst>
               <a:ext uri="{FF2B5EF4-FFF2-40B4-BE49-F238E27FC236}">
-                <a16:creationId xmlns:a16="http://schemas.microsoft.com/office/drawing/2014/main" xmlns="" id="{B14B560F-9DD7-4302-A60B-EBD3EF59B073}"/>
+                <a16:creationId xmlns="" xmlns:a16="http://schemas.microsoft.com/office/drawing/2014/main" id="{B14B560F-9DD7-4302-A60B-EBD3EF59B073}"/>
               </a:ext>
               <a:ext uri="{C183D7F6-B498-43B3-948B-1728B52AA6E4}">
-                <adec:decorative xmlns:adec="http://schemas.microsoft.com/office/drawing/2017/decorative" xmlns="" val="1"/>
+                <adec:decorative xmlns="" xmlns:adec="http://schemas.microsoft.com/office/drawing/2017/decorative" val="1"/>
               </a:ext>
             </a:extLst>
           </p:cNvPr>
@@ -12730,7 +10847,7 @@
           <p:nvPr>
             <p:extLst>
               <p:ext uri="{386F3935-93C4-4BCD-93E2-E3B085C9AB24}">
-                <p16:designElem xmlns:p16="http://schemas.microsoft.com/office/powerpoint/2015/main" xmlns="" val="1"/>
+                <p16:designElem xmlns="" xmlns:p16="http://schemas.microsoft.com/office/powerpoint/2015/main" val="1"/>
               </p:ext>
             </p:extLst>
           </p:nvPr>
@@ -12748,10 +10865,10 @@
             <p:cNvPr id="11" name="Rectangle 10">
               <a:extLst>
                 <a:ext uri="{FF2B5EF4-FFF2-40B4-BE49-F238E27FC236}">
-                  <a16:creationId xmlns:a16="http://schemas.microsoft.com/office/drawing/2014/main" xmlns="" id="{3A9A4357-BD1D-4622-A4FE-766E6AB8DE84}"/>
+                  <a16:creationId xmlns="" xmlns:a16="http://schemas.microsoft.com/office/drawing/2014/main" id="{3A9A4357-BD1D-4622-A4FE-766E6AB8DE84}"/>
                 </a:ext>
                 <a:ext uri="{C183D7F6-B498-43B3-948B-1728B52AA6E4}">
-                  <adec:decorative xmlns:adec="http://schemas.microsoft.com/office/drawing/2017/decorative" xmlns="" val="1"/>
+                  <adec:decorative xmlns="" xmlns:adec="http://schemas.microsoft.com/office/drawing/2017/decorative" val="1"/>
                 </a:ext>
               </a:extLst>
             </p:cNvPr>
@@ -12759,7 +10876,7 @@
             <p:nvPr>
               <p:extLst>
                 <p:ext uri="{386F3935-93C4-4BCD-93E2-E3B085C9AB24}">
-                  <p16:designElem xmlns:p16="http://schemas.microsoft.com/office/powerpoint/2015/main" xmlns="" val="1"/>
+                  <p16:designElem xmlns="" xmlns:p16="http://schemas.microsoft.com/office/powerpoint/2015/main" val="1"/>
                 </p:ext>
               </p:extLst>
             </p:nvPr>
@@ -12809,10 +10926,10 @@
             <p:cNvPr id="24" name="Straight Connector 11">
               <a:extLst>
                 <a:ext uri="{FF2B5EF4-FFF2-40B4-BE49-F238E27FC236}">
-                  <a16:creationId xmlns:a16="http://schemas.microsoft.com/office/drawing/2014/main" xmlns="" id="{C21D6966-343E-49AC-A026-D2497E0C3CA1}"/>
+                  <a16:creationId xmlns="" xmlns:a16="http://schemas.microsoft.com/office/drawing/2014/main" id="{C21D6966-343E-49AC-A026-D2497E0C3CA1}"/>
                 </a:ext>
                 <a:ext uri="{C183D7F6-B498-43B3-948B-1728B52AA6E4}">
-                  <adec:decorative xmlns:adec="http://schemas.microsoft.com/office/drawing/2017/decorative" xmlns="" val="1"/>
+                  <adec:decorative xmlns="" xmlns:adec="http://schemas.microsoft.com/office/drawing/2017/decorative" val="1"/>
                 </a:ext>
               </a:extLst>
             </p:cNvPr>
@@ -12822,7 +10939,7 @@
             <p:nvPr>
               <p:extLst>
                 <p:ext uri="{386F3935-93C4-4BCD-93E2-E3B085C9AB24}">
-                  <p16:designElem xmlns:p16="http://schemas.microsoft.com/office/powerpoint/2015/main" xmlns="" val="1"/>
+                  <p16:designElem xmlns="" xmlns:p16="http://schemas.microsoft.com/office/powerpoint/2015/main" val="1"/>
                 </p:ext>
               </p:extLst>
             </p:nvPr>
@@ -12862,10 +10979,10 @@
           <p:cNvPr id="25" name="Rectangle 13">
             <a:extLst>
               <a:ext uri="{FF2B5EF4-FFF2-40B4-BE49-F238E27FC236}">
-                <a16:creationId xmlns:a16="http://schemas.microsoft.com/office/drawing/2014/main" xmlns="" id="{2C1BBA94-3F40-40AA-8BB9-E69E25E537C1}"/>
+                <a16:creationId xmlns="" xmlns:a16="http://schemas.microsoft.com/office/drawing/2014/main" id="{2C1BBA94-3F40-40AA-8BB9-E69E25E537C1}"/>
               </a:ext>
               <a:ext uri="{C183D7F6-B498-43B3-948B-1728B52AA6E4}">
-                <adec:decorative xmlns:adec="http://schemas.microsoft.com/office/drawing/2017/decorative" xmlns="" val="1"/>
+                <adec:decorative xmlns="" xmlns:adec="http://schemas.microsoft.com/office/drawing/2017/decorative" val="1"/>
               </a:ext>
             </a:extLst>
           </p:cNvPr>
@@ -12875,7 +10992,7 @@
           <p:nvPr>
             <p:extLst>
               <p:ext uri="{386F3935-93C4-4BCD-93E2-E3B085C9AB24}">
-                <p16:designElem xmlns:p16="http://schemas.microsoft.com/office/powerpoint/2015/main" xmlns="" val="1"/>
+                <p16:designElem xmlns="" xmlns:p16="http://schemas.microsoft.com/office/powerpoint/2015/main" val="1"/>
               </p:ext>
             </p:extLst>
           </p:nvPr>
@@ -12949,36 +11066,79 @@
           </a:bodyPr>
           <a:lstStyle/>
           <a:p>
-            <a:pPr marL="0" indent="0">
-              <a:buNone/>
+            <a:pPr marL="457200" indent="-457200">
+              <a:buAutoNum type="arabicPeriod"/>
             </a:pPr>
             <a:r>
               <a:rPr lang="en-US" altLang="zh-TW" sz="1900" dirty="0" smtClean="0">
                 <a:ea typeface="+mn-lt"/>
                 <a:cs typeface="+mn-lt"/>
               </a:rPr>
-              <a:t>1.</a:t>
+              <a:t>5v data</a:t>
             </a:r>
             <a:r>
               <a:rPr lang="zh-TW" altLang="en-US" sz="1900" dirty="0" smtClean="0">
                 <a:ea typeface="+mn-lt"/>
                 <a:cs typeface="+mn-lt"/>
               </a:rPr>
-              <a:t>聲音被大量利用</a:t>
+              <a:t>實現智慧城市</a:t>
+            </a:r>
+            <a:r>
+              <a:rPr lang="en-US" altLang="zh-TW" sz="1900" dirty="0" smtClean="0">
+                <a:ea typeface="+mn-lt"/>
+                <a:cs typeface="+mn-lt"/>
+              </a:rPr>
+              <a:t>(</a:t>
+            </a:r>
+            <a:r>
+              <a:rPr lang="en-US" altLang="zh-TW" sz="2000" dirty="0"/>
+              <a:t>crowd flow, water quality </a:t>
+            </a:r>
+            <a:r>
+              <a:rPr lang="en-US" altLang="zh-TW" sz="2000" dirty="0" smtClean="0"/>
+              <a:t>……</a:t>
+            </a:r>
+            <a:r>
+              <a:rPr lang="en-US" altLang="zh-TW" sz="1900" dirty="0" smtClean="0">
+                <a:ea typeface="+mn-lt"/>
+                <a:cs typeface="+mn-lt"/>
+              </a:rPr>
+              <a:t>)</a:t>
+            </a:r>
+          </a:p>
+          <a:p>
+            <a:pPr marL="457200" indent="-457200">
+              <a:buAutoNum type="arabicPeriod"/>
+            </a:pPr>
+            <a:endParaRPr lang="en-US" altLang="zh-TW" sz="1900" dirty="0">
+              <a:ea typeface="+mn-lt"/>
+              <a:cs typeface="+mn-lt"/>
+            </a:endParaRPr>
+          </a:p>
+          <a:p>
+            <a:pPr marL="457200" indent="-457200">
+              <a:buAutoNum type="arabicPeriod"/>
+            </a:pPr>
+            <a:r>
+              <a:rPr lang="zh-TW" altLang="en-US" sz="1900" dirty="0" smtClean="0">
+                <a:ea typeface="+mn-lt"/>
+                <a:cs typeface="+mn-lt"/>
+              </a:rPr>
+              <a:t>以融合數據用於</a:t>
             </a:r>
             <a:r>
               <a:rPr lang="zh-TW" altLang="en-US" sz="1900" dirty="0">
                 <a:ea typeface="+mn-lt"/>
                 <a:cs typeface="+mn-lt"/>
               </a:rPr>
-              <a:t>來</a:t>
+              <a:t>智能城市中高效控制</a:t>
             </a:r>
             <a:r>
               <a:rPr lang="zh-TW" altLang="en-US" sz="1900" dirty="0" smtClean="0">
                 <a:ea typeface="+mn-lt"/>
                 <a:cs typeface="+mn-lt"/>
               </a:rPr>
-              <a:t>做醫療診斷</a:t>
+              <a:t>交通</a:t>
             </a:r>
             <a:endParaRPr lang="en-US" altLang="zh-TW" sz="1900" dirty="0" smtClean="0">
               <a:ea typeface="+mn-lt"/>
@@ -12986,119 +11146,36 @@
             </a:endParaRPr>
           </a:p>
           <a:p>
-            <a:pPr marL="0" indent="0">
-              <a:buNone/>
+            <a:pPr marL="857250" lvl="1" indent="-457200">
+              <a:buAutoNum type="arabicPeriod"/>
             </a:pPr>
             <a:r>
-              <a:rPr lang="en-US" altLang="zh-TW" sz="1900" dirty="0">
-                <a:ea typeface="+mn-lt"/>
-                <a:cs typeface="+mn-lt"/>
-              </a:rPr>
-              <a:t>2.</a:t>
-            </a:r>
-            <a:r>
-              <a:rPr lang="zh-TW" altLang="en-US" sz="1900" dirty="0">
-                <a:ea typeface="+mn-lt"/>
-                <a:cs typeface="+mn-lt"/>
-              </a:rPr>
-              <a:t>本研究利用</a:t>
-            </a:r>
-            <a:r>
-              <a:rPr lang="en-US" altLang="zh-TW" sz="1900" dirty="0">
-                <a:ea typeface="+mn-lt"/>
-                <a:cs typeface="+mn-lt"/>
-              </a:rPr>
-              <a:t>MFCC</a:t>
-            </a:r>
-            <a:r>
-              <a:rPr lang="zh-TW" altLang="en-US" sz="1900" dirty="0">
-                <a:ea typeface="+mn-lt"/>
-                <a:cs typeface="+mn-lt"/>
-              </a:rPr>
-              <a:t>取得特徵</a:t>
-            </a:r>
-            <a:r>
-              <a:rPr lang="zh-TW" altLang="en-US" sz="1900" dirty="0" smtClean="0">
-                <a:ea typeface="+mn-lt"/>
-                <a:cs typeface="+mn-lt"/>
-              </a:rPr>
-              <a:t>向量，再將此向量使用機器學習或深度學習</a:t>
-            </a:r>
-            <a:r>
-              <a:rPr lang="en-US" altLang="zh-TW" sz="1900" dirty="0" smtClean="0">
-                <a:ea typeface="+mn-lt"/>
-                <a:cs typeface="+mn-lt"/>
-              </a:rPr>
-              <a:t>(CNN)</a:t>
-            </a:r>
-            <a:r>
-              <a:rPr lang="zh-TW" altLang="en-US" sz="1900" dirty="0" smtClean="0">
-                <a:ea typeface="+mn-lt"/>
-                <a:cs typeface="+mn-lt"/>
-              </a:rPr>
-              <a:t>進行分類</a:t>
-            </a:r>
-            <a:r>
-              <a:rPr lang="zh-TW" sz="1900" dirty="0" smtClean="0">
-                <a:ea typeface="+mn-lt"/>
-                <a:cs typeface="+mn-lt"/>
-              </a:rPr>
-              <a:t>。</a:t>
-            </a:r>
-            <a:endParaRPr lang="en-US" altLang="zh-TW" sz="1900" dirty="0" smtClean="0">
-              <a:ea typeface="+mn-lt"/>
-              <a:cs typeface="+mn-lt"/>
-            </a:endParaRPr>
-          </a:p>
-          <a:p>
-            <a:pPr marL="0" indent="0">
-              <a:buNone/>
+              <a:rPr lang="en-US" altLang="zh-TW" sz="1600" dirty="0"/>
+              <a:t>CNN</a:t>
+            </a:r>
+            <a:r>
+              <a:rPr lang="zh-TW" altLang="en-US" sz="1600" dirty="0"/>
+              <a:t>用於空間數據的</a:t>
+            </a:r>
+            <a:r>
+              <a:rPr lang="zh-TW" altLang="en-US" sz="1600" dirty="0" smtClean="0"/>
+              <a:t>分類</a:t>
+            </a:r>
+            <a:endParaRPr lang="en-US" altLang="zh-TW" sz="1600" dirty="0" smtClean="0"/>
+          </a:p>
+          <a:p>
+            <a:pPr marL="857250" lvl="1" indent="-457200">
+              <a:buAutoNum type="arabicPeriod"/>
             </a:pPr>
             <a:r>
-              <a:rPr lang="en-US" altLang="zh-TW" sz="1900" dirty="0" smtClean="0">
-                <a:ea typeface="+mn-lt"/>
-                <a:cs typeface="+mn-lt"/>
-              </a:rPr>
-              <a:t>3.</a:t>
-            </a:r>
-            <a:r>
-              <a:rPr lang="zh-TW" altLang="en-US" sz="1900" dirty="0">
-                <a:ea typeface="+mn-lt"/>
-                <a:cs typeface="+mn-lt"/>
-              </a:rPr>
-              <a:t>本</a:t>
-            </a:r>
-            <a:r>
-              <a:rPr lang="zh-TW" altLang="en-US" sz="1900" dirty="0" smtClean="0">
-                <a:ea typeface="+mn-lt"/>
-                <a:cs typeface="+mn-lt"/>
-              </a:rPr>
-              <a:t>研究利用實際的咳嗽聲音，並搭配</a:t>
-            </a:r>
-            <a:r>
-              <a:rPr lang="en-US" altLang="zh-TW" sz="1900" dirty="0" smtClean="0">
-                <a:ea typeface="+mn-lt"/>
-                <a:cs typeface="+mn-lt"/>
-              </a:rPr>
-              <a:t>PCR</a:t>
-            </a:r>
-            <a:r>
-              <a:rPr lang="zh-TW" altLang="en-US" sz="1900" dirty="0" smtClean="0">
-                <a:ea typeface="+mn-lt"/>
-                <a:cs typeface="+mn-lt"/>
-              </a:rPr>
-              <a:t>測試標註陰陽性作為正確答案。</a:t>
-            </a:r>
-            <a:endParaRPr lang="en-US" altLang="zh-TW" sz="1900" dirty="0" smtClean="0">
-              <a:ea typeface="+mn-lt"/>
-              <a:cs typeface="+mn-lt"/>
-            </a:endParaRPr>
-          </a:p>
-          <a:p>
-            <a:pPr marL="0" indent="0">
-              <a:buNone/>
-            </a:pPr>
-            <a:endParaRPr lang="en-US" altLang="zh-TW" sz="1900" dirty="0" smtClean="0">
+              <a:rPr lang="en-US" altLang="zh-TW" sz="1600" dirty="0" smtClean="0"/>
+              <a:t>LSTM</a:t>
+            </a:r>
+            <a:r>
+              <a:rPr lang="zh-TW" altLang="en-US" sz="1600" dirty="0"/>
+              <a:t>則用於時間數據的分類</a:t>
+            </a:r>
+            <a:endParaRPr lang="en-US" altLang="zh-TW" sz="1500" dirty="0">
               <a:ea typeface="+mn-lt"/>
               <a:cs typeface="+mn-lt"/>
             </a:endParaRPr>
@@ -13130,7 +11207,7 @@
           <p:cNvPr id="4" name="投影片編號版面配置區 3">
             <a:extLst>
               <a:ext uri="{FF2B5EF4-FFF2-40B4-BE49-F238E27FC236}">
-                <a16:creationId xmlns:a16="http://schemas.microsoft.com/office/drawing/2014/main" xmlns="" id="{6D0A9CE2-4264-9F38-B8F0-B8E64394EAB2}"/>
+                <a16:creationId xmlns="" xmlns:a16="http://schemas.microsoft.com/office/drawing/2014/main" id="{6D0A9CE2-4264-9F38-B8F0-B8E64394EAB2}"/>
               </a:ext>
             </a:extLst>
           </p:cNvPr>
@@ -13154,6 +11231,29 @@
           </a:p>
         </p:txBody>
       </p:sp>
+      <p:pic>
+        <p:nvPicPr>
+          <p:cNvPr id="5" name="圖片 4"/>
+          <p:cNvPicPr>
+            <a:picLocks noChangeAspect="1"/>
+          </p:cNvPicPr>
+          <p:nvPr/>
+        </p:nvPicPr>
+        <p:blipFill rotWithShape="1">
+          <a:blip r:embed="rId3"/>
+          <a:srcRect l="33479" t="24300" r="32500" b="15990"/>
+          <a:stretch/>
+        </p:blipFill>
+        <p:spPr>
+          <a:xfrm>
+            <a:off x="611964" y="2387952"/>
+            <a:ext cx="3110948" cy="3071191"/>
+          </a:xfrm>
+          <a:prstGeom prst="rect">
+            <a:avLst/>
+          </a:prstGeom>
+        </p:spPr>
+      </p:pic>
     </p:spTree>
   </p:cSld>
   <p:clrMapOvr>
@@ -13165,14 +11265,6 @@
 <file path=ppt/slides/slide5.xml><?xml version="1.0" encoding="utf-8"?>
 <p:sld xmlns:a="http://schemas.openxmlformats.org/drawingml/2006/main" xmlns:r="http://schemas.openxmlformats.org/officeDocument/2006/relationships" xmlns:p="http://schemas.openxmlformats.org/presentationml/2006/main">
   <p:cSld>
-    <p:bg>
-      <p:bgPr>
-        <a:solidFill>
-          <a:schemeClr val="bg1"/>
-        </a:solidFill>
-        <a:effectLst/>
-      </p:bgPr>
-    </p:bg>
     <p:spTree>
       <p:nvGrpSpPr>
         <p:cNvPr id="1" name=""/>
@@ -13189,13 +11281,13 @@
       </p:grpSpPr>
       <p:sp useBgFill="1">
         <p:nvSpPr>
-          <p:cNvPr id="29" name="Rectangle 17">
+          <p:cNvPr id="22" name="Rectangle 7">
             <a:extLst>
               <a:ext uri="{FF2B5EF4-FFF2-40B4-BE49-F238E27FC236}">
-                <a16:creationId xmlns:a16="http://schemas.microsoft.com/office/drawing/2014/main" xmlns="" id="{9D25F302-27C5-414F-97F8-6EA0A6C028BA}"/>
+                <a16:creationId xmlns="" xmlns:a16="http://schemas.microsoft.com/office/drawing/2014/main" id="{3AD318CC-E2A8-4E27-9548-A047A78999B1}"/>
               </a:ext>
               <a:ext uri="{C183D7F6-B498-43B3-948B-1728B52AA6E4}">
-                <adec:decorative xmlns:adec="http://schemas.microsoft.com/office/drawing/2017/decorative" xmlns="" val="1"/>
+                <adec:decorative xmlns="" xmlns:adec="http://schemas.microsoft.com/office/drawing/2017/decorative" val="1"/>
               </a:ext>
             </a:extLst>
           </p:cNvPr>
@@ -13205,7 +11297,7 @@
           <p:nvPr>
             <p:extLst>
               <p:ext uri="{386F3935-93C4-4BCD-93E2-E3B085C9AB24}">
-                <p16:designElem xmlns:p16="http://schemas.microsoft.com/office/powerpoint/2015/main" xmlns="" val="1"/>
+                <p16:designElem xmlns="" xmlns:p16="http://schemas.microsoft.com/office/powerpoint/2015/main" val="1"/>
               </p:ext>
             </p:extLst>
           </p:nvPr>
@@ -13213,7 +11305,7 @@
         <p:spPr>
           <a:xfrm>
             <a:off x="0" y="0"/>
-            <a:ext cx="9144000" cy="6858000"/>
+            <a:ext cx="9143999" cy="6857365"/>
           </a:xfrm>
           <a:prstGeom prst="rect">
             <a:avLst/>
@@ -13249,41 +11341,226 @@
       </p:sp>
       <p:sp>
         <p:nvSpPr>
-          <p:cNvPr id="30" name="Right Triangle 19">
+          <p:cNvPr id="2" name="Title 1"/>
+          <p:cNvSpPr>
+            <a:spLocks noGrp="1"/>
+          </p:cNvSpPr>
+          <p:nvPr>
+            <p:ph type="title"/>
+          </p:nvPr>
+        </p:nvSpPr>
+        <p:spPr>
+          <a:xfrm>
+            <a:off x="483798" y="1463040"/>
+            <a:ext cx="2847230" cy="2690949"/>
+          </a:xfrm>
+        </p:spPr>
+        <p:txBody>
+          <a:bodyPr anchor="t">
+            <a:normAutofit/>
+          </a:bodyPr>
+          <a:lstStyle/>
+          <a:p>
+            <a:pPr>
+              <a:buFont typeface="Arial" panose="020B0604020202020204" pitchFamily="34" charset="0"/>
+              <a:buChar char="•"/>
+            </a:pPr>
+            <a:r>
+              <a:rPr lang="en-US" altLang="zh-TW" sz="3600"/>
+              <a:t>Introduction</a:t>
+            </a:r>
+          </a:p>
+        </p:txBody>
+      </p:sp>
+      <p:grpSp>
+        <p:nvGrpSpPr>
+          <p:cNvPr id="23" name="Group 9">
             <a:extLst>
               <a:ext uri="{FF2B5EF4-FFF2-40B4-BE49-F238E27FC236}">
-                <a16:creationId xmlns:a16="http://schemas.microsoft.com/office/drawing/2014/main" xmlns="" id="{830A36F8-48C2-4842-A87B-8CE8DF4E7FD2}"/>
+                <a16:creationId xmlns="" xmlns:a16="http://schemas.microsoft.com/office/drawing/2014/main" id="{B14B560F-9DD7-4302-A60B-EBD3EF59B073}"/>
               </a:ext>
               <a:ext uri="{C183D7F6-B498-43B3-948B-1728B52AA6E4}">
-                <adec:decorative xmlns:adec="http://schemas.microsoft.com/office/drawing/2017/decorative" xmlns="" val="1"/>
+                <adec:decorative xmlns="" xmlns:adec="http://schemas.microsoft.com/office/drawing/2017/decorative" val="1"/>
               </a:ext>
             </a:extLst>
           </p:cNvPr>
-          <p:cNvSpPr>
-            <a:spLocks noGrp="1" noRot="1" noChangeAspect="1" noMove="1" noResize="1" noEditPoints="1" noAdjustHandles="1" noChangeArrowheads="1" noChangeShapeType="1" noTextEdit="1"/>
-          </p:cNvSpPr>
+          <p:cNvGrpSpPr>
+            <a:grpSpLocks noGrp="1" noUngrp="1" noRot="1" noChangeAspect="1" noMove="1" noResize="1"/>
+          </p:cNvGrpSpPr>
           <p:nvPr>
             <p:extLst>
               <p:ext uri="{386F3935-93C4-4BCD-93E2-E3B085C9AB24}">
-                <p16:designElem xmlns:p16="http://schemas.microsoft.com/office/powerpoint/2015/main" xmlns="" val="1"/>
+                <p16:designElem xmlns="" xmlns:p16="http://schemas.microsoft.com/office/powerpoint/2015/main" val="1"/>
               </p:ext>
             </p:extLst>
           </p:nvPr>
+        </p:nvGrpSpPr>
+        <p:grpSpPr>
+          <a:xfrm>
+            <a:off x="157250" y="4415246"/>
+            <a:ext cx="8986749" cy="2087795"/>
+            <a:chOff x="143163" y="5763486"/>
+            <a:chExt cx="11982332" cy="739555"/>
+          </a:xfrm>
+        </p:grpSpPr>
+        <p:sp>
+          <p:nvSpPr>
+            <p:cNvPr id="11" name="Rectangle 10">
+              <a:extLst>
+                <a:ext uri="{FF2B5EF4-FFF2-40B4-BE49-F238E27FC236}">
+                  <a16:creationId xmlns="" xmlns:a16="http://schemas.microsoft.com/office/drawing/2014/main" id="{3A9A4357-BD1D-4622-A4FE-766E6AB8DE84}"/>
+                </a:ext>
+                <a:ext uri="{C183D7F6-B498-43B3-948B-1728B52AA6E4}">
+                  <adec:decorative xmlns="" xmlns:adec="http://schemas.microsoft.com/office/drawing/2017/decorative" val="1"/>
+                </a:ext>
+              </a:extLst>
+            </p:cNvPr>
+            <p:cNvSpPr/>
+            <p:nvPr>
+              <p:extLst>
+                <p:ext uri="{386F3935-93C4-4BCD-93E2-E3B085C9AB24}">
+                  <p16:designElem xmlns="" xmlns:p16="http://schemas.microsoft.com/office/powerpoint/2015/main" val="1"/>
+                </p:ext>
+              </p:extLst>
+            </p:nvPr>
+          </p:nvSpPr>
+          <p:spPr>
+            <a:xfrm flipH="1" flipV="1">
+              <a:off x="357444" y="5763486"/>
+              <a:ext cx="11768051" cy="739555"/>
+            </a:xfrm>
+            <a:prstGeom prst="rect">
+              <a:avLst/>
+            </a:prstGeom>
+            <a:solidFill>
+              <a:schemeClr val="accent4"/>
+            </a:solidFill>
+            <a:ln>
+              <a:noFill/>
+            </a:ln>
+          </p:spPr>
+          <p:style>
+            <a:lnRef idx="2">
+              <a:schemeClr val="accent1">
+                <a:shade val="50000"/>
+              </a:schemeClr>
+            </a:lnRef>
+            <a:fillRef idx="1">
+              <a:schemeClr val="accent1"/>
+            </a:fillRef>
+            <a:effectRef idx="0">
+              <a:schemeClr val="accent1"/>
+            </a:effectRef>
+            <a:fontRef idx="minor">
+              <a:schemeClr val="lt1"/>
+            </a:fontRef>
+          </p:style>
+          <p:txBody>
+            <a:bodyPr rtlCol="0" anchor="ctr"/>
+            <a:lstStyle/>
+            <a:p>
+              <a:pPr algn="ctr"/>
+              <a:endParaRPr lang="en-US"/>
+            </a:p>
+          </p:txBody>
+        </p:sp>
+        <p:cxnSp>
+          <p:nvCxnSpPr>
+            <p:cNvPr id="24" name="Straight Connector 11">
+              <a:extLst>
+                <a:ext uri="{FF2B5EF4-FFF2-40B4-BE49-F238E27FC236}">
+                  <a16:creationId xmlns="" xmlns:a16="http://schemas.microsoft.com/office/drawing/2014/main" id="{C21D6966-343E-49AC-A026-D2497E0C3CA1}"/>
+                </a:ext>
+                <a:ext uri="{C183D7F6-B498-43B3-948B-1728B52AA6E4}">
+                  <adec:decorative xmlns="" xmlns:adec="http://schemas.microsoft.com/office/drawing/2017/decorative" val="1"/>
+                </a:ext>
+              </a:extLst>
+            </p:cNvPr>
+            <p:cNvCxnSpPr>
+              <a:cxnSpLocks/>
+            </p:cNvCxnSpPr>
+            <p:nvPr>
+              <p:extLst>
+                <p:ext uri="{386F3935-93C4-4BCD-93E2-E3B085C9AB24}">
+                  <p16:designElem xmlns="" xmlns:p16="http://schemas.microsoft.com/office/powerpoint/2015/main" val="1"/>
+                </p:ext>
+              </p:extLst>
+            </p:nvPr>
+          </p:nvCxnSpPr>
+          <p:spPr>
+            <a:xfrm flipH="1">
+              <a:off x="143163" y="5763486"/>
+              <a:ext cx="1" cy="739555"/>
+            </a:xfrm>
+            <a:prstGeom prst="line">
+              <a:avLst/>
+            </a:prstGeom>
+            <a:ln w="177800">
+              <a:solidFill>
+                <a:schemeClr val="accent4"/>
+              </a:solidFill>
+            </a:ln>
+          </p:spPr>
+          <p:style>
+            <a:lnRef idx="1">
+              <a:schemeClr val="accent1"/>
+            </a:lnRef>
+            <a:fillRef idx="0">
+              <a:schemeClr val="accent1"/>
+            </a:fillRef>
+            <a:effectRef idx="0">
+              <a:schemeClr val="accent1"/>
+            </a:effectRef>
+            <a:fontRef idx="minor">
+              <a:schemeClr val="tx1"/>
+            </a:fontRef>
+          </p:style>
+        </p:cxnSp>
+      </p:grpSp>
+      <p:sp>
+        <p:nvSpPr>
+          <p:cNvPr id="25" name="Rectangle 13">
+            <a:extLst>
+              <a:ext uri="{FF2B5EF4-FFF2-40B4-BE49-F238E27FC236}">
+                <a16:creationId xmlns="" xmlns:a16="http://schemas.microsoft.com/office/drawing/2014/main" id="{2C1BBA94-3F40-40AA-8BB9-E69E25E537C1}"/>
+              </a:ext>
+              <a:ext uri="{C183D7F6-B498-43B3-948B-1728B52AA6E4}">
+                <adec:decorative xmlns="" xmlns:adec="http://schemas.microsoft.com/office/drawing/2017/decorative" val="1"/>
+              </a:ext>
+            </a:extLst>
+          </p:cNvPr>
+          <p:cNvSpPr>
+            <a:spLocks noGrp="1" noRot="1" noChangeAspect="1" noMove="1" noResize="1" noEditPoints="1" noAdjustHandles="1" noChangeArrowheads="1" noChangeShapeType="1" noTextEdit="1"/>
+          </p:cNvSpPr>
+          <p:nvPr>
+            <p:extLst>
+              <p:ext uri="{386F3935-93C4-4BCD-93E2-E3B085C9AB24}">
+                <p16:designElem xmlns="" xmlns:p16="http://schemas.microsoft.com/office/powerpoint/2015/main" val="1"/>
+              </p:ext>
+            </p:extLst>
+          </p:nvPr>
         </p:nvSpPr>
         <p:spPr>
-          <a:xfrm flipH="1">
-            <a:off x="6432540" y="3335867"/>
-            <a:ext cx="2468880" cy="3200400"/>
+          <a:xfrm>
+            <a:off x="3850279" y="587829"/>
+            <a:ext cx="4878975" cy="5682342"/>
           </a:xfrm>
-          <a:prstGeom prst="rtTriangle">
+          <a:prstGeom prst="rect">
             <a:avLst/>
           </a:prstGeom>
           <a:solidFill>
-            <a:schemeClr val="accent4"/>
+            <a:schemeClr val="bg1"/>
           </a:solidFill>
           <a:ln>
             <a:noFill/>
           </a:ln>
+          <a:effectLst>
+            <a:outerShdw blurRad="139700" dist="127000" dir="5400000" algn="t" rotWithShape="0">
+              <a:prstClr val="black">
+                <a:alpha val="15000"/>
+              </a:prstClr>
+            </a:outerShdw>
+          </a:effectLst>
         </p:spPr>
         <p:style>
           <a:lnRef idx="2">
@@ -13306,114 +11583,54 @@
           <a:lstStyle/>
           <a:p>
             <a:pPr algn="ctr"/>
-            <a:endParaRPr lang="en-US" dirty="0"/>
-          </a:p>
-        </p:txBody>
-      </p:sp>
-      <p:sp>
-        <p:nvSpPr>
-          <p:cNvPr id="31" name="Rectangle 21">
-            <a:extLst>
-              <a:ext uri="{FF2B5EF4-FFF2-40B4-BE49-F238E27FC236}">
-                <a16:creationId xmlns:a16="http://schemas.microsoft.com/office/drawing/2014/main" xmlns="" id="{8F451A30-466B-4996-9BA5-CD6ABCC6D558}"/>
-              </a:ext>
-              <a:ext uri="{C183D7F6-B498-43B3-948B-1728B52AA6E4}">
-                <adec:decorative xmlns:adec="http://schemas.microsoft.com/office/drawing/2017/decorative" xmlns="" val="1"/>
-              </a:ext>
-            </a:extLst>
-          </p:cNvPr>
-          <p:cNvSpPr>
-            <a:spLocks noGrp="1" noRot="1" noChangeAspect="1" noMove="1" noResize="1" noEditPoints="1" noAdjustHandles="1" noChangeArrowheads="1" noChangeShapeType="1" noTextEdit="1"/>
-          </p:cNvSpPr>
-          <p:nvPr>
-            <p:extLst>
-              <p:ext uri="{386F3935-93C4-4BCD-93E2-E3B085C9AB24}">
-                <p16:designElem xmlns:p16="http://schemas.microsoft.com/office/powerpoint/2015/main" xmlns="" val="1"/>
-              </p:ext>
-            </p:extLst>
+            <a:endParaRPr lang="en-US"/>
+          </a:p>
+        </p:txBody>
+      </p:sp>
+      <p:sp>
+        <p:nvSpPr>
+          <p:cNvPr id="3" name="Content Placeholder 2"/>
+          <p:cNvSpPr>
+            <a:spLocks noGrp="1"/>
+          </p:cNvSpPr>
+          <p:nvPr>
+            <p:ph idx="1"/>
           </p:nvPr>
         </p:nvSpPr>
         <p:spPr>
           <a:xfrm>
-            <a:off x="481330" y="623275"/>
-            <a:ext cx="8178790" cy="5607882"/>
-          </a:xfrm>
-          <a:prstGeom prst="rect">
-            <a:avLst/>
-          </a:prstGeom>
-          <a:noFill/>
-          <a:ln w="19050">
-            <a:solidFill>
-              <a:schemeClr val="tx1">
-                <a:lumMod val="75000"/>
-                <a:lumOff val="25000"/>
-              </a:schemeClr>
-            </a:solidFill>
-          </a:ln>
-        </p:spPr>
-        <p:style>
-          <a:lnRef idx="2">
-            <a:schemeClr val="accent1">
-              <a:shade val="50000"/>
-            </a:schemeClr>
-          </a:lnRef>
-          <a:fillRef idx="1">
-            <a:schemeClr val="accent1"/>
-          </a:fillRef>
-          <a:effectRef idx="0">
-            <a:schemeClr val="accent1"/>
-          </a:effectRef>
-          <a:fontRef idx="minor">
-            <a:schemeClr val="lt1"/>
-          </a:fontRef>
-        </p:style>
-        <p:txBody>
-          <a:bodyPr rtlCol="0" anchor="ctr"/>
-          <a:lstStyle/>
-          <a:p>
-            <a:pPr algn="ctr"/>
-            <a:endParaRPr lang="en-US"/>
-          </a:p>
-        </p:txBody>
-      </p:sp>
-      <p:sp>
-        <p:nvSpPr>
-          <p:cNvPr id="2" name="Title 1"/>
-          <p:cNvSpPr>
-            <a:spLocks noGrp="1"/>
-          </p:cNvSpPr>
-          <p:nvPr>
-            <p:ph type="title"/>
-          </p:nvPr>
-        </p:nvSpPr>
-        <p:spPr>
-          <a:xfrm>
-            <a:off x="866336" y="827829"/>
-            <a:ext cx="7103967" cy="1137111"/>
+            <a:off x="4878409" y="261798"/>
+            <a:ext cx="1750991" cy="532073"/>
           </a:xfrm>
         </p:spPr>
         <p:txBody>
-          <a:bodyPr>
+          <a:bodyPr vert="horz" lIns="91440" tIns="45720" rIns="91440" bIns="45720" rtlCol="0" anchor="t">
             <a:normAutofit/>
           </a:bodyPr>
           <a:lstStyle/>
           <a:p>
-            <a:r>
-              <a:rPr lang="af-ZA" sz="4700" dirty="0">
-                <a:cs typeface="Calibri"/>
+            <a:pPr marL="0" indent="0">
+              <a:buNone/>
+            </a:pPr>
+            <a:r>
+              <a:rPr lang="zh-TW" altLang="en-US" sz="1900" dirty="0" smtClean="0">
+                <a:ea typeface="+mn-lt"/>
+                <a:cs typeface="+mn-lt"/>
               </a:rPr>
-              <a:t>method</a:t>
-            </a:r>
-            <a:endParaRPr lang="af-ZA" sz="4700" dirty="0"/>
-          </a:p>
-        </p:txBody>
-      </p:sp>
-      <p:sp>
-        <p:nvSpPr>
-          <p:cNvPr id="6" name="投影片編號版面配置區 5">
+              <a:t>數據類別簡介</a:t>
+            </a:r>
+            <a:endParaRPr lang="zh-TW" altLang="en-US" sz="1900" dirty="0">
+              <a:cs typeface="Calibri"/>
+            </a:endParaRPr>
+          </a:p>
+        </p:txBody>
+      </p:sp>
+      <p:sp>
+        <p:nvSpPr>
+          <p:cNvPr id="4" name="投影片編號版面配置區 3">
             <a:extLst>
               <a:ext uri="{FF2B5EF4-FFF2-40B4-BE49-F238E27FC236}">
-                <a16:creationId xmlns:a16="http://schemas.microsoft.com/office/drawing/2014/main" xmlns="" id="{D6C4808F-09EB-FC63-6EF5-9C9BE97A1390}"/>
+                <a16:creationId xmlns="" xmlns:a16="http://schemas.microsoft.com/office/drawing/2014/main" id="{6D0A9CE2-4264-9F38-B8F0-B8E64394EAB2}"/>
               </a:ext>
             </a:extLst>
           </p:cNvPr>
@@ -13437,553 +11654,35 @@
           </a:p>
         </p:txBody>
       </p:sp>
-      <p:sp>
-        <p:nvSpPr>
-          <p:cNvPr id="7" name="矩形 6"/>
-          <p:cNvSpPr/>
+      <p:pic>
+        <p:nvPicPr>
+          <p:cNvPr id="12" name="圖片 11"/>
+          <p:cNvPicPr>
+            <a:picLocks noChangeAspect="1"/>
+          </p:cNvPicPr>
           <p:nvPr/>
-        </p:nvSpPr>
+        </p:nvPicPr>
+        <p:blipFill rotWithShape="1">
+          <a:blip r:embed="rId3"/>
+          <a:srcRect l="46195" t="31256" r="31305" b="18503"/>
+          <a:stretch/>
+        </p:blipFill>
         <p:spPr>
           <a:xfrm>
-            <a:off x="429753" y="1627102"/>
-            <a:ext cx="1241864" cy="651260"/>
+            <a:off x="3435533" y="760705"/>
+            <a:ext cx="4346805" cy="5459755"/>
           </a:xfrm>
           <a:prstGeom prst="rect">
             <a:avLst/>
           </a:prstGeom>
-          <a:noFill/>
-          <a:ln>
-            <a:noFill/>
-          </a:ln>
         </p:spPr>
-        <p:style>
-          <a:lnRef idx="1">
-            <a:schemeClr val="accent1"/>
-          </a:lnRef>
-          <a:fillRef idx="3">
-            <a:schemeClr val="accent1"/>
-          </a:fillRef>
-          <a:effectRef idx="2">
-            <a:schemeClr val="accent1"/>
-          </a:effectRef>
-          <a:fontRef idx="minor">
-            <a:schemeClr val="lt1"/>
-          </a:fontRef>
-        </p:style>
-        <p:txBody>
-          <a:bodyPr rtlCol="0" anchor="ctr"/>
-          <a:lstStyle/>
-          <a:p>
-            <a:pPr algn="ctr"/>
-            <a:r>
-              <a:rPr lang="zh-TW" altLang="en-US" dirty="0" smtClean="0">
-                <a:solidFill>
-                  <a:srgbClr val="FF0000"/>
-                </a:solidFill>
-              </a:rPr>
-              <a:t>語音輸入</a:t>
-            </a:r>
-            <a:endParaRPr lang="zh-TW" altLang="en-US" dirty="0">
-              <a:solidFill>
-                <a:srgbClr val="FF0000"/>
-              </a:solidFill>
-            </a:endParaRPr>
-          </a:p>
-        </p:txBody>
-      </p:sp>
-      <p:cxnSp>
-        <p:nvCxnSpPr>
-          <p:cNvPr id="9" name="直線單箭頭接點 8"/>
-          <p:cNvCxnSpPr/>
-          <p:nvPr/>
-        </p:nvCxnSpPr>
-        <p:spPr>
-          <a:xfrm>
-            <a:off x="625036" y="2825439"/>
-            <a:ext cx="494316" cy="0"/>
-          </a:xfrm>
-          <a:prstGeom prst="straightConnector1">
-            <a:avLst/>
-          </a:prstGeom>
-          <a:ln w="28575">
-            <a:tailEnd type="triangle"/>
-          </a:ln>
-        </p:spPr>
-        <p:style>
-          <a:lnRef idx="2">
-            <a:schemeClr val="accent1"/>
-          </a:lnRef>
-          <a:fillRef idx="0">
-            <a:schemeClr val="accent1"/>
-          </a:fillRef>
-          <a:effectRef idx="1">
-            <a:schemeClr val="accent1"/>
-          </a:effectRef>
-          <a:fontRef idx="minor">
-            <a:schemeClr val="tx1"/>
-          </a:fontRef>
-        </p:style>
-      </p:cxnSp>
-      <p:sp>
-        <p:nvSpPr>
-          <p:cNvPr id="10" name="圓角矩形 9"/>
-          <p:cNvSpPr/>
-          <p:nvPr/>
-        </p:nvSpPr>
-        <p:spPr>
-          <a:xfrm>
-            <a:off x="1263058" y="2117494"/>
-            <a:ext cx="2242142" cy="1474547"/>
-          </a:xfrm>
-          <a:prstGeom prst="roundRect">
-            <a:avLst/>
-          </a:prstGeom>
-        </p:spPr>
-        <p:style>
-          <a:lnRef idx="1">
-            <a:schemeClr val="accent1"/>
-          </a:lnRef>
-          <a:fillRef idx="3">
-            <a:schemeClr val="accent1"/>
-          </a:fillRef>
-          <a:effectRef idx="2">
-            <a:schemeClr val="accent1"/>
-          </a:effectRef>
-          <a:fontRef idx="minor">
-            <a:schemeClr val="lt1"/>
-          </a:fontRef>
-        </p:style>
-        <p:txBody>
-          <a:bodyPr rtlCol="0" anchor="ctr"/>
-          <a:lstStyle/>
-          <a:p>
-            <a:pPr algn="ctr"/>
-            <a:r>
-              <a:rPr lang="en-US" altLang="zh-TW" dirty="0" smtClean="0">
-                <a:solidFill>
-                  <a:schemeClr val="tx1"/>
-                </a:solidFill>
-              </a:rPr>
-              <a:t>Preprocess</a:t>
-            </a:r>
-          </a:p>
-          <a:p>
-            <a:pPr algn="ctr"/>
-            <a:r>
-              <a:rPr lang="en-US" altLang="zh-TW" dirty="0">
-                <a:solidFill>
-                  <a:schemeClr val="tx1"/>
-                </a:solidFill>
-              </a:rPr>
-              <a:t>MFCC-raw</a:t>
-            </a:r>
-          </a:p>
-          <a:p>
-            <a:pPr algn="ctr"/>
-            <a:r>
-              <a:rPr lang="en-US" altLang="zh-TW" dirty="0">
-                <a:solidFill>
-                  <a:schemeClr val="tx1"/>
-                </a:solidFill>
-              </a:rPr>
-              <a:t>MFCC-stats</a:t>
-            </a:r>
-          </a:p>
-          <a:p>
-            <a:pPr algn="ctr"/>
-            <a:r>
-              <a:rPr lang="en-US" altLang="zh-TW" dirty="0">
-                <a:solidFill>
-                  <a:schemeClr val="tx1"/>
-                </a:solidFill>
-              </a:rPr>
-              <a:t>NMF-spectrogram</a:t>
-            </a:r>
-          </a:p>
-          <a:p>
-            <a:pPr algn="ctr"/>
-            <a:r>
-              <a:rPr lang="en-US" altLang="zh-TW" dirty="0">
-                <a:solidFill>
-                  <a:schemeClr val="tx1"/>
-                </a:solidFill>
-              </a:rPr>
-              <a:t>NMF-MFCC</a:t>
-            </a:r>
-            <a:endParaRPr lang="zh-TW" altLang="en-US" dirty="0">
-              <a:solidFill>
-                <a:schemeClr val="tx1"/>
-              </a:solidFill>
-            </a:endParaRPr>
-          </a:p>
-        </p:txBody>
-      </p:sp>
-      <p:sp>
-        <p:nvSpPr>
-          <p:cNvPr id="14" name="矩形 13"/>
-          <p:cNvSpPr/>
-          <p:nvPr/>
-        </p:nvSpPr>
-        <p:spPr>
-          <a:xfrm>
-            <a:off x="2019300" y="1552773"/>
-            <a:ext cx="1241864" cy="651260"/>
-          </a:xfrm>
-          <a:prstGeom prst="rect">
-            <a:avLst/>
-          </a:prstGeom>
-          <a:noFill/>
-          <a:ln>
-            <a:noFill/>
-          </a:ln>
-        </p:spPr>
-        <p:style>
-          <a:lnRef idx="1">
-            <a:schemeClr val="accent1"/>
-          </a:lnRef>
-          <a:fillRef idx="3">
-            <a:schemeClr val="accent1"/>
-          </a:fillRef>
-          <a:effectRef idx="2">
-            <a:schemeClr val="accent1"/>
-          </a:effectRef>
-          <a:fontRef idx="minor">
-            <a:schemeClr val="lt1"/>
-          </a:fontRef>
-        </p:style>
-        <p:txBody>
-          <a:bodyPr rtlCol="0" anchor="ctr"/>
-          <a:lstStyle/>
-          <a:p>
-            <a:pPr algn="ctr"/>
-            <a:r>
-              <a:rPr lang="en-US" altLang="zh-TW" dirty="0" smtClean="0">
-                <a:solidFill>
-                  <a:schemeClr val="tx1"/>
-                </a:solidFill>
-              </a:rPr>
-              <a:t>MFCC</a:t>
-            </a:r>
-            <a:endParaRPr lang="zh-TW" altLang="en-US" dirty="0">
-              <a:solidFill>
-                <a:schemeClr val="tx1"/>
-              </a:solidFill>
-            </a:endParaRPr>
-          </a:p>
-        </p:txBody>
-      </p:sp>
-      <p:cxnSp>
-        <p:nvCxnSpPr>
-          <p:cNvPr id="15" name="直線單箭頭接點 14"/>
-          <p:cNvCxnSpPr/>
-          <p:nvPr/>
-        </p:nvCxnSpPr>
-        <p:spPr>
-          <a:xfrm>
-            <a:off x="3505200" y="2822652"/>
-            <a:ext cx="590550" cy="0"/>
-          </a:xfrm>
-          <a:prstGeom prst="straightConnector1">
-            <a:avLst/>
-          </a:prstGeom>
-          <a:ln w="28575">
-            <a:tailEnd type="triangle"/>
-          </a:ln>
-        </p:spPr>
-        <p:style>
-          <a:lnRef idx="2">
-            <a:schemeClr val="accent1"/>
-          </a:lnRef>
-          <a:fillRef idx="0">
-            <a:schemeClr val="accent1"/>
-          </a:fillRef>
-          <a:effectRef idx="1">
-            <a:schemeClr val="accent1"/>
-          </a:effectRef>
-          <a:fontRef idx="minor">
-            <a:schemeClr val="tx1"/>
-          </a:fontRef>
-        </p:style>
-      </p:cxnSp>
-      <p:sp>
-        <p:nvSpPr>
-          <p:cNvPr id="17" name="圓角矩形 16"/>
-          <p:cNvSpPr/>
-          <p:nvPr/>
-        </p:nvSpPr>
-        <p:spPr>
-          <a:xfrm>
-            <a:off x="4149085" y="2477972"/>
-            <a:ext cx="1638300" cy="720955"/>
-          </a:xfrm>
-          <a:prstGeom prst="roundRect">
-            <a:avLst/>
-          </a:prstGeom>
-        </p:spPr>
-        <p:style>
-          <a:lnRef idx="1">
-            <a:schemeClr val="accent1"/>
-          </a:lnRef>
-          <a:fillRef idx="3">
-            <a:schemeClr val="accent1"/>
-          </a:fillRef>
-          <a:effectRef idx="2">
-            <a:schemeClr val="accent1"/>
-          </a:effectRef>
-          <a:fontRef idx="minor">
-            <a:schemeClr val="lt1"/>
-          </a:fontRef>
-        </p:style>
-        <p:txBody>
-          <a:bodyPr rtlCol="0" anchor="ctr"/>
-          <a:lstStyle/>
-          <a:p>
-            <a:pPr algn="ctr"/>
-            <a:r>
-              <a:rPr lang="zh-TW" altLang="en-US" dirty="0" smtClean="0">
-                <a:solidFill>
-                  <a:schemeClr val="tx1"/>
-                </a:solidFill>
-              </a:rPr>
-              <a:t>抽樣</a:t>
-            </a:r>
-            <a:endParaRPr lang="en-US" altLang="zh-TW" dirty="0" smtClean="0">
-              <a:solidFill>
-                <a:schemeClr val="tx1"/>
-              </a:solidFill>
-            </a:endParaRPr>
-          </a:p>
-          <a:p>
-            <a:pPr algn="ctr"/>
-            <a:r>
-              <a:rPr lang="zh-TW" altLang="en-US" dirty="0" smtClean="0">
-                <a:solidFill>
-                  <a:schemeClr val="tx1"/>
-                </a:solidFill>
-              </a:rPr>
-              <a:t>分</a:t>
-            </a:r>
-            <a:r>
-              <a:rPr lang="en-US" altLang="zh-TW" dirty="0">
-                <a:solidFill>
-                  <a:schemeClr val="tx1"/>
-                </a:solidFill>
-              </a:rPr>
-              <a:t>train/test</a:t>
-            </a:r>
-            <a:endParaRPr lang="zh-TW" altLang="en-US" dirty="0">
-              <a:solidFill>
-                <a:schemeClr val="tx1"/>
-              </a:solidFill>
-            </a:endParaRPr>
-          </a:p>
-        </p:txBody>
-      </p:sp>
-      <p:cxnSp>
-        <p:nvCxnSpPr>
-          <p:cNvPr id="13" name="直線單箭頭接點 12"/>
-          <p:cNvCxnSpPr/>
-          <p:nvPr/>
-        </p:nvCxnSpPr>
-        <p:spPr>
-          <a:xfrm>
-            <a:off x="5841990" y="2822652"/>
-            <a:ext cx="590550" cy="0"/>
-          </a:xfrm>
-          <a:prstGeom prst="straightConnector1">
-            <a:avLst/>
-          </a:prstGeom>
-          <a:ln w="28575">
-            <a:tailEnd type="triangle"/>
-          </a:ln>
-        </p:spPr>
-        <p:style>
-          <a:lnRef idx="2">
-            <a:schemeClr val="accent1"/>
-          </a:lnRef>
-          <a:fillRef idx="0">
-            <a:schemeClr val="accent1"/>
-          </a:fillRef>
-          <a:effectRef idx="1">
-            <a:schemeClr val="accent1"/>
-          </a:effectRef>
-          <a:fontRef idx="minor">
-            <a:schemeClr val="tx1"/>
-          </a:fontRef>
-        </p:style>
-      </p:cxnSp>
-      <p:sp>
-        <p:nvSpPr>
-          <p:cNvPr id="16" name="圓角矩形 15"/>
-          <p:cNvSpPr/>
-          <p:nvPr/>
-        </p:nvSpPr>
-        <p:spPr>
-          <a:xfrm>
-            <a:off x="6524612" y="2258947"/>
-            <a:ext cx="2020297" cy="1237112"/>
-          </a:xfrm>
-          <a:prstGeom prst="roundRect">
-            <a:avLst/>
-          </a:prstGeom>
-        </p:spPr>
-        <p:style>
-          <a:lnRef idx="1">
-            <a:schemeClr val="accent1"/>
-          </a:lnRef>
-          <a:fillRef idx="3">
-            <a:schemeClr val="accent1"/>
-          </a:fillRef>
-          <a:effectRef idx="2">
-            <a:schemeClr val="accent1"/>
-          </a:effectRef>
-          <a:fontRef idx="minor">
-            <a:schemeClr val="lt1"/>
-          </a:fontRef>
-        </p:style>
-        <p:txBody>
-          <a:bodyPr rtlCol="0" anchor="ctr"/>
-          <a:lstStyle/>
-          <a:p>
-            <a:pPr algn="ctr"/>
-            <a:r>
-              <a:rPr lang="zh-TW" altLang="en-US" dirty="0" smtClean="0">
-                <a:solidFill>
-                  <a:schemeClr val="tx1"/>
-                </a:solidFill>
-              </a:rPr>
-              <a:t>機器學習演算法</a:t>
-            </a:r>
-            <a:r>
-              <a:rPr lang="zh-TW" altLang="en-US" dirty="0">
-                <a:solidFill>
-                  <a:schemeClr val="tx1"/>
-                </a:solidFill>
-              </a:rPr>
-              <a:t>建立模型</a:t>
-            </a:r>
-            <a:r>
-              <a:rPr lang="en-US" altLang="zh-TW" dirty="0">
-                <a:solidFill>
-                  <a:schemeClr val="tx1"/>
-                </a:solidFill>
-              </a:rPr>
-              <a:t>:</a:t>
-            </a:r>
-          </a:p>
-          <a:p>
-            <a:pPr algn="ctr"/>
-            <a:r>
-              <a:rPr lang="en-US" altLang="zh-TW" dirty="0">
-                <a:solidFill>
-                  <a:schemeClr val="tx1"/>
-                </a:solidFill>
-              </a:rPr>
-              <a:t>SVM/KNN/</a:t>
-            </a:r>
-          </a:p>
-          <a:p>
-            <a:pPr algn="ctr"/>
-            <a:r>
-              <a:rPr lang="en-US" altLang="zh-TW" dirty="0" err="1">
-                <a:solidFill>
-                  <a:schemeClr val="tx1"/>
-                </a:solidFill>
-              </a:rPr>
-              <a:t>XGBoost</a:t>
-            </a:r>
-            <a:endParaRPr lang="zh-TW" altLang="en-US" dirty="0">
-              <a:solidFill>
-                <a:schemeClr val="tx1"/>
-              </a:solidFill>
-            </a:endParaRPr>
-          </a:p>
-        </p:txBody>
-      </p:sp>
-      <p:cxnSp>
-        <p:nvCxnSpPr>
-          <p:cNvPr id="18" name="直線單箭頭接點 17"/>
-          <p:cNvCxnSpPr/>
-          <p:nvPr/>
-        </p:nvCxnSpPr>
-        <p:spPr>
-          <a:xfrm>
-            <a:off x="7343763" y="4020194"/>
-            <a:ext cx="0" cy="687584"/>
-          </a:xfrm>
-          <a:prstGeom prst="straightConnector1">
-            <a:avLst/>
-          </a:prstGeom>
-          <a:ln w="28575">
-            <a:tailEnd type="triangle"/>
-          </a:ln>
-        </p:spPr>
-        <p:style>
-          <a:lnRef idx="2">
-            <a:schemeClr val="accent1"/>
-          </a:lnRef>
-          <a:fillRef idx="0">
-            <a:schemeClr val="accent1"/>
-          </a:fillRef>
-          <a:effectRef idx="1">
-            <a:schemeClr val="accent1"/>
-          </a:effectRef>
-          <a:fontRef idx="minor">
-            <a:schemeClr val="tx1"/>
-          </a:fontRef>
-        </p:style>
-      </p:cxnSp>
-      <p:sp>
-        <p:nvSpPr>
-          <p:cNvPr id="19" name="圓角矩形 18"/>
-          <p:cNvSpPr/>
-          <p:nvPr/>
-        </p:nvSpPr>
-        <p:spPr>
-          <a:xfrm>
-            <a:off x="6519526" y="5030643"/>
-            <a:ext cx="1638300" cy="720955"/>
-          </a:xfrm>
-          <a:prstGeom prst="roundRect">
-            <a:avLst/>
-          </a:prstGeom>
-        </p:spPr>
-        <p:style>
-          <a:lnRef idx="1">
-            <a:schemeClr val="accent1"/>
-          </a:lnRef>
-          <a:fillRef idx="3">
-            <a:schemeClr val="accent1"/>
-          </a:fillRef>
-          <a:effectRef idx="2">
-            <a:schemeClr val="accent1"/>
-          </a:effectRef>
-          <a:fontRef idx="minor">
-            <a:schemeClr val="lt1"/>
-          </a:fontRef>
-        </p:style>
-        <p:txBody>
-          <a:bodyPr rtlCol="0" anchor="ctr"/>
-          <a:lstStyle/>
-          <a:p>
-            <a:pPr algn="ctr"/>
-            <a:r>
-              <a:rPr lang="zh-TW" altLang="en-US" dirty="0" smtClean="0">
-                <a:solidFill>
-                  <a:schemeClr val="tx1"/>
-                </a:solidFill>
-              </a:rPr>
-              <a:t>評估</a:t>
-            </a:r>
-            <a:endParaRPr lang="zh-TW" altLang="en-US" dirty="0">
-              <a:solidFill>
-                <a:schemeClr val="tx1"/>
-              </a:solidFill>
-            </a:endParaRPr>
-          </a:p>
-        </p:txBody>
-      </p:sp>
+      </p:pic>
     </p:spTree>
+    <p:extLst>
+      <p:ext uri="{BB962C8B-B14F-4D97-AF65-F5344CB8AC3E}">
+        <p14:creationId xmlns:p14="http://schemas.microsoft.com/office/powerpoint/2010/main" val="1504260693"/>
+      </p:ext>
+    </p:extLst>
   </p:cSld>
   <p:clrMapOvr>
     <a:masterClrMapping/>
@@ -14008,115 +11707,338 @@
           <a:chExt cx="0" cy="0"/>
         </a:xfrm>
       </p:grpSpPr>
-      <p:sp>
-        <p:nvSpPr>
-          <p:cNvPr id="2" name="Title 1"/>
-          <p:cNvSpPr>
-            <a:spLocks noGrp="1"/>
-          </p:cNvSpPr>
-          <p:nvPr>
-            <p:ph type="title"/>
+      <p:sp useBgFill="1">
+        <p:nvSpPr>
+          <p:cNvPr id="22" name="Rectangle 7">
+            <a:extLst>
+              <a:ext uri="{FF2B5EF4-FFF2-40B4-BE49-F238E27FC236}">
+                <a16:creationId xmlns="" xmlns:a16="http://schemas.microsoft.com/office/drawing/2014/main" id="{3AD318CC-E2A8-4E27-9548-A047A78999B1}"/>
+              </a:ext>
+              <a:ext uri="{C183D7F6-B498-43B3-948B-1728B52AA6E4}">
+                <adec:decorative xmlns="" xmlns:adec="http://schemas.microsoft.com/office/drawing/2017/decorative" val="1"/>
+              </a:ext>
+            </a:extLst>
+          </p:cNvPr>
+          <p:cNvSpPr>
+            <a:spLocks noGrp="1" noRot="1" noChangeAspect="1" noMove="1" noResize="1" noEditPoints="1" noAdjustHandles="1" noChangeArrowheads="1" noChangeShapeType="1" noTextEdit="1"/>
+          </p:cNvSpPr>
+          <p:nvPr>
+            <p:extLst>
+              <p:ext uri="{386F3935-93C4-4BCD-93E2-E3B085C9AB24}">
+                <p16:designElem xmlns="" xmlns:p16="http://schemas.microsoft.com/office/powerpoint/2015/main" val="1"/>
+              </p:ext>
+            </p:extLst>
           </p:nvPr>
         </p:nvSpPr>
         <p:spPr>
           <a:xfrm>
-            <a:off x="866336" y="827829"/>
-            <a:ext cx="7103967" cy="1137111"/>
+            <a:off x="0" y="0"/>
+            <a:ext cx="9143999" cy="6857365"/>
+          </a:xfrm>
+          <a:prstGeom prst="rect">
+            <a:avLst/>
+          </a:prstGeom>
+          <a:ln>
+            <a:noFill/>
+          </a:ln>
+        </p:spPr>
+        <p:style>
+          <a:lnRef idx="2">
+            <a:schemeClr val="accent1">
+              <a:shade val="50000"/>
+            </a:schemeClr>
+          </a:lnRef>
+          <a:fillRef idx="1">
+            <a:schemeClr val="accent1"/>
+          </a:fillRef>
+          <a:effectRef idx="0">
+            <a:schemeClr val="accent1"/>
+          </a:effectRef>
+          <a:fontRef idx="minor">
+            <a:schemeClr val="lt1"/>
+          </a:fontRef>
+        </p:style>
+        <p:txBody>
+          <a:bodyPr rtlCol="0" anchor="ctr"/>
+          <a:lstStyle/>
+          <a:p>
+            <a:pPr algn="ctr"/>
+            <a:endParaRPr lang="en-US"/>
+          </a:p>
+        </p:txBody>
+      </p:sp>
+      <p:sp>
+        <p:nvSpPr>
+          <p:cNvPr id="2" name="Title 1"/>
+          <p:cNvSpPr>
+            <a:spLocks noGrp="1"/>
+          </p:cNvSpPr>
+          <p:nvPr>
+            <p:ph type="title"/>
+          </p:nvPr>
+        </p:nvSpPr>
+        <p:spPr>
+          <a:xfrm>
+            <a:off x="483798" y="1463040"/>
+            <a:ext cx="2847230" cy="2690949"/>
           </a:xfrm>
         </p:spPr>
         <p:txBody>
-          <a:bodyPr>
+          <a:bodyPr anchor="t">
             <a:normAutofit/>
           </a:bodyPr>
           <a:lstStyle/>
           <a:p>
-            <a:r>
-              <a:rPr lang="af-ZA" sz="4700" dirty="0">
-                <a:cs typeface="Calibri"/>
+            <a:pPr>
+              <a:buFont typeface="Arial" panose="020B0604020202020204" pitchFamily="34" charset="0"/>
+              <a:buChar char="•"/>
+            </a:pPr>
+            <a:r>
+              <a:rPr lang="en-US" altLang="zh-TW" sz="3600"/>
+              <a:t>Introduction</a:t>
+            </a:r>
+          </a:p>
+        </p:txBody>
+      </p:sp>
+      <p:grpSp>
+        <p:nvGrpSpPr>
+          <p:cNvPr id="23" name="Group 9">
+            <a:extLst>
+              <a:ext uri="{FF2B5EF4-FFF2-40B4-BE49-F238E27FC236}">
+                <a16:creationId xmlns="" xmlns:a16="http://schemas.microsoft.com/office/drawing/2014/main" id="{B14B560F-9DD7-4302-A60B-EBD3EF59B073}"/>
+              </a:ext>
+              <a:ext uri="{C183D7F6-B498-43B3-948B-1728B52AA6E4}">
+                <adec:decorative xmlns="" xmlns:adec="http://schemas.microsoft.com/office/drawing/2017/decorative" val="1"/>
+              </a:ext>
+            </a:extLst>
+          </p:cNvPr>
+          <p:cNvGrpSpPr>
+            <a:grpSpLocks noGrp="1" noUngrp="1" noRot="1" noChangeAspect="1" noMove="1" noResize="1"/>
+          </p:cNvGrpSpPr>
+          <p:nvPr>
+            <p:extLst>
+              <p:ext uri="{386F3935-93C4-4BCD-93E2-E3B085C9AB24}">
+                <p16:designElem xmlns="" xmlns:p16="http://schemas.microsoft.com/office/powerpoint/2015/main" val="1"/>
+              </p:ext>
+            </p:extLst>
+          </p:nvPr>
+        </p:nvGrpSpPr>
+        <p:grpSpPr>
+          <a:xfrm>
+            <a:off x="157250" y="4415246"/>
+            <a:ext cx="8986749" cy="2087795"/>
+            <a:chOff x="143163" y="5763486"/>
+            <a:chExt cx="11982332" cy="739555"/>
+          </a:xfrm>
+        </p:grpSpPr>
+        <p:sp>
+          <p:nvSpPr>
+            <p:cNvPr id="11" name="Rectangle 10">
+              <a:extLst>
+                <a:ext uri="{FF2B5EF4-FFF2-40B4-BE49-F238E27FC236}">
+                  <a16:creationId xmlns="" xmlns:a16="http://schemas.microsoft.com/office/drawing/2014/main" id="{3A9A4357-BD1D-4622-A4FE-766E6AB8DE84}"/>
+                </a:ext>
+                <a:ext uri="{C183D7F6-B498-43B3-948B-1728B52AA6E4}">
+                  <adec:decorative xmlns="" xmlns:adec="http://schemas.microsoft.com/office/drawing/2017/decorative" val="1"/>
+                </a:ext>
+              </a:extLst>
+            </p:cNvPr>
+            <p:cNvSpPr/>
+            <p:nvPr>
+              <p:extLst>
+                <p:ext uri="{386F3935-93C4-4BCD-93E2-E3B085C9AB24}">
+                  <p16:designElem xmlns="" xmlns:p16="http://schemas.microsoft.com/office/powerpoint/2015/main" val="1"/>
+                </p:ext>
+              </p:extLst>
+            </p:nvPr>
+          </p:nvSpPr>
+          <p:spPr>
+            <a:xfrm flipH="1" flipV="1">
+              <a:off x="357444" y="5763486"/>
+              <a:ext cx="11768051" cy="739555"/>
+            </a:xfrm>
+            <a:prstGeom prst="rect">
+              <a:avLst/>
+            </a:prstGeom>
+            <a:solidFill>
+              <a:schemeClr val="accent4"/>
+            </a:solidFill>
+            <a:ln>
+              <a:noFill/>
+            </a:ln>
+          </p:spPr>
+          <p:style>
+            <a:lnRef idx="2">
+              <a:schemeClr val="accent1">
+                <a:shade val="50000"/>
+              </a:schemeClr>
+            </a:lnRef>
+            <a:fillRef idx="1">
+              <a:schemeClr val="accent1"/>
+            </a:fillRef>
+            <a:effectRef idx="0">
+              <a:schemeClr val="accent1"/>
+            </a:effectRef>
+            <a:fontRef idx="minor">
+              <a:schemeClr val="lt1"/>
+            </a:fontRef>
+          </p:style>
+          <p:txBody>
+            <a:bodyPr rtlCol="0" anchor="ctr"/>
+            <a:lstStyle/>
+            <a:p>
+              <a:pPr algn="ctr"/>
+              <a:endParaRPr lang="en-US"/>
+            </a:p>
+          </p:txBody>
+        </p:sp>
+        <p:cxnSp>
+          <p:nvCxnSpPr>
+            <p:cNvPr id="24" name="Straight Connector 11">
+              <a:extLst>
+                <a:ext uri="{FF2B5EF4-FFF2-40B4-BE49-F238E27FC236}">
+                  <a16:creationId xmlns="" xmlns:a16="http://schemas.microsoft.com/office/drawing/2014/main" id="{C21D6966-343E-49AC-A026-D2497E0C3CA1}"/>
+                </a:ext>
+                <a:ext uri="{C183D7F6-B498-43B3-948B-1728B52AA6E4}">
+                  <adec:decorative xmlns="" xmlns:adec="http://schemas.microsoft.com/office/drawing/2017/decorative" val="1"/>
+                </a:ext>
+              </a:extLst>
+            </p:cNvPr>
+            <p:cNvCxnSpPr>
+              <a:cxnSpLocks/>
+            </p:cNvCxnSpPr>
+            <p:nvPr>
+              <p:extLst>
+                <p:ext uri="{386F3935-93C4-4BCD-93E2-E3B085C9AB24}">
+                  <p16:designElem xmlns="" xmlns:p16="http://schemas.microsoft.com/office/powerpoint/2015/main" val="1"/>
+                </p:ext>
+              </p:extLst>
+            </p:nvPr>
+          </p:nvCxnSpPr>
+          <p:spPr>
+            <a:xfrm flipH="1">
+              <a:off x="143163" y="5763486"/>
+              <a:ext cx="1" cy="739555"/>
+            </a:xfrm>
+            <a:prstGeom prst="line">
+              <a:avLst/>
+            </a:prstGeom>
+            <a:ln w="177800">
+              <a:solidFill>
+                <a:schemeClr val="accent4"/>
+              </a:solidFill>
+            </a:ln>
+          </p:spPr>
+          <p:style>
+            <a:lnRef idx="1">
+              <a:schemeClr val="accent1"/>
+            </a:lnRef>
+            <a:fillRef idx="0">
+              <a:schemeClr val="accent1"/>
+            </a:fillRef>
+            <a:effectRef idx="0">
+              <a:schemeClr val="accent1"/>
+            </a:effectRef>
+            <a:fontRef idx="minor">
+              <a:schemeClr val="tx1"/>
+            </a:fontRef>
+          </p:style>
+        </p:cxnSp>
+      </p:grpSp>
+      <p:sp>
+        <p:nvSpPr>
+          <p:cNvPr id="3" name="Content Placeholder 2"/>
+          <p:cNvSpPr>
+            <a:spLocks noGrp="1"/>
+          </p:cNvSpPr>
+          <p:nvPr>
+            <p:ph idx="1"/>
+          </p:nvPr>
+        </p:nvSpPr>
+        <p:spPr>
+          <a:xfrm>
+            <a:off x="4571999" y="655226"/>
+            <a:ext cx="2615695" cy="532073"/>
+          </a:xfrm>
+        </p:spPr>
+        <p:txBody>
+          <a:bodyPr vert="horz" lIns="91440" tIns="45720" rIns="91440" bIns="45720" rtlCol="0" anchor="t">
+            <a:normAutofit/>
+          </a:bodyPr>
+          <a:lstStyle/>
+          <a:p>
+            <a:pPr marL="0" indent="0">
+              <a:buNone/>
+            </a:pPr>
+            <a:r>
+              <a:rPr lang="zh-TW" altLang="en-US" sz="1900" dirty="0" smtClean="0">
+                <a:ea typeface="+mn-lt"/>
+                <a:cs typeface="+mn-lt"/>
               </a:rPr>
-              <a:t>method</a:t>
-            </a:r>
-            <a:endParaRPr lang="af-ZA" sz="4700" dirty="0"/>
+              <a:t>數據融合方法簡介</a:t>
+            </a:r>
+            <a:endParaRPr lang="zh-TW" altLang="en-US" sz="1900" dirty="0">
+              <a:cs typeface="Calibri"/>
+            </a:endParaRPr>
+          </a:p>
+        </p:txBody>
+      </p:sp>
+      <p:sp>
+        <p:nvSpPr>
+          <p:cNvPr id="4" name="投影片編號版面配置區 3">
+            <a:extLst>
+              <a:ext uri="{FF2B5EF4-FFF2-40B4-BE49-F238E27FC236}">
+                <a16:creationId xmlns="" xmlns:a16="http://schemas.microsoft.com/office/drawing/2014/main" id="{6D0A9CE2-4264-9F38-B8F0-B8E64394EAB2}"/>
+              </a:ext>
+            </a:extLst>
+          </p:cNvPr>
+          <p:cNvSpPr>
+            <a:spLocks noGrp="1"/>
+          </p:cNvSpPr>
+          <p:nvPr>
+            <p:ph type="sldNum" sz="quarter" idx="12"/>
+          </p:nvPr>
+        </p:nvSpPr>
+        <p:spPr/>
+        <p:txBody>
+          <a:bodyPr/>
+          <a:lstStyle/>
+          <a:p>
+            <a:fld id="{C1FF6DA9-008F-8B48-92A6-B652298478BF}" type="slidenum">
+              <a:rPr lang="en-US" smtClean="0"/>
+              <a:t>6</a:t>
+            </a:fld>
+            <a:endParaRPr lang="zh-TW" altLang="en-US"/>
           </a:p>
         </p:txBody>
       </p:sp>
       <p:pic>
         <p:nvPicPr>
-          <p:cNvPr id="3" name="圖片 2"/>
+          <p:cNvPr id="13" name="圖片 12"/>
           <p:cNvPicPr>
             <a:picLocks noChangeAspect="1"/>
           </p:cNvPicPr>
           <p:nvPr/>
         </p:nvPicPr>
-        <p:blipFill>
-          <a:blip r:embed="rId2"/>
-          <a:stretch>
-            <a:fillRect/>
-          </a:stretch>
+        <p:blipFill rotWithShape="1">
+          <a:blip r:embed="rId3"/>
+          <a:srcRect l="41957" t="28164" r="26956" b="18309"/>
+          <a:stretch/>
         </p:blipFill>
         <p:spPr>
           <a:xfrm>
-            <a:off x="740211" y="1964940"/>
-            <a:ext cx="7741636" cy="3518925"/>
+            <a:off x="3417780" y="1275587"/>
+            <a:ext cx="4446104" cy="4306190"/>
           </a:xfrm>
           <a:prstGeom prst="rect">
             <a:avLst/>
           </a:prstGeom>
         </p:spPr>
       </p:pic>
-      <p:sp>
-        <p:nvSpPr>
-          <p:cNvPr id="20" name="矩形 19"/>
-          <p:cNvSpPr/>
-          <p:nvPr/>
-        </p:nvSpPr>
-        <p:spPr>
-          <a:xfrm>
-            <a:off x="6767489" y="4809688"/>
-            <a:ext cx="1714358" cy="651260"/>
-          </a:xfrm>
-          <a:prstGeom prst="rect">
-            <a:avLst/>
-          </a:prstGeom>
-          <a:noFill/>
-          <a:ln>
-            <a:solidFill>
-              <a:srgbClr val="FF0000"/>
-            </a:solidFill>
-            <a:prstDash val="sysDash"/>
-          </a:ln>
-        </p:spPr>
-        <p:style>
-          <a:lnRef idx="1">
-            <a:schemeClr val="accent1"/>
-          </a:lnRef>
-          <a:fillRef idx="3">
-            <a:schemeClr val="accent1"/>
-          </a:fillRef>
-          <a:effectRef idx="2">
-            <a:schemeClr val="accent1"/>
-          </a:effectRef>
-          <a:fontRef idx="minor">
-            <a:schemeClr val="lt1"/>
-          </a:fontRef>
-        </p:style>
-        <p:txBody>
-          <a:bodyPr rtlCol="0" anchor="ctr"/>
-          <a:lstStyle/>
-          <a:p>
-            <a:pPr algn="ctr"/>
-            <a:endParaRPr lang="zh-TW" altLang="en-US" dirty="0">
-              <a:solidFill>
-                <a:srgbClr val="FF0000"/>
-              </a:solidFill>
-            </a:endParaRPr>
-          </a:p>
-        </p:txBody>
-      </p:sp>
     </p:spTree>
     <p:extLst>
       <p:ext uri="{BB962C8B-B14F-4D97-AF65-F5344CB8AC3E}">
-        <p14:creationId xmlns:p14="http://schemas.microsoft.com/office/powerpoint/2010/main" val="1943441441"/>
+        <p14:creationId xmlns:p14="http://schemas.microsoft.com/office/powerpoint/2010/main" val="3185869271"/>
       </p:ext>
     </p:extLst>
   </p:cSld>
@@ -14175,60 +12097,29 @@
           </a:p>
         </p:txBody>
       </p:sp>
-      <p:sp>
-        <p:nvSpPr>
-          <p:cNvPr id="5" name="矩形 4"/>
-          <p:cNvSpPr/>
+      <p:pic>
+        <p:nvPicPr>
+          <p:cNvPr id="4" name="圖片 3"/>
+          <p:cNvPicPr>
+            <a:picLocks noChangeAspect="1"/>
+          </p:cNvPicPr>
           <p:nvPr/>
-        </p:nvSpPr>
+        </p:nvPicPr>
+        <p:blipFill rotWithShape="1">
+          <a:blip r:embed="rId2"/>
+          <a:srcRect l="36630" t="30096" r="21956" b="33961"/>
+          <a:stretch/>
+        </p:blipFill>
         <p:spPr>
           <a:xfrm>
-            <a:off x="426982" y="1639310"/>
-            <a:ext cx="1780189" cy="651260"/>
+            <a:off x="1023730" y="1878495"/>
+            <a:ext cx="7384773" cy="3605163"/>
           </a:xfrm>
           <a:prstGeom prst="rect">
             <a:avLst/>
           </a:prstGeom>
-          <a:noFill/>
-          <a:ln>
-            <a:noFill/>
-          </a:ln>
         </p:spPr>
-        <p:style>
-          <a:lnRef idx="1">
-            <a:schemeClr val="accent1"/>
-          </a:lnRef>
-          <a:fillRef idx="3">
-            <a:schemeClr val="accent1"/>
-          </a:fillRef>
-          <a:effectRef idx="2">
-            <a:schemeClr val="accent1"/>
-          </a:effectRef>
-          <a:fontRef idx="minor">
-            <a:schemeClr val="lt1"/>
-          </a:fontRef>
-        </p:style>
-        <p:txBody>
-          <a:bodyPr rtlCol="0" anchor="ctr"/>
-          <a:lstStyle/>
-          <a:p>
-            <a:pPr algn="ctr"/>
-            <a:r>
-              <a:rPr lang="zh-TW" altLang="en-US" dirty="0" smtClean="0">
-                <a:solidFill>
-                  <a:schemeClr val="tx1"/>
-                </a:solidFill>
-              </a:rPr>
-              <a:t>採樣方式介紹</a:t>
-            </a:r>
-            <a:endParaRPr lang="zh-TW" altLang="en-US" dirty="0">
-              <a:solidFill>
-                <a:schemeClr val="tx1"/>
-              </a:solidFill>
-            </a:endParaRPr>
-          </a:p>
-        </p:txBody>
-      </p:sp>
+      </p:pic>
       <p:sp>
         <p:nvSpPr>
           <p:cNvPr id="6" name="Content Placeholder 2"/>
@@ -14241,8 +12132,8 @@
         </p:nvSpPr>
         <p:spPr>
           <a:xfrm>
-            <a:off x="931947" y="2290570"/>
-            <a:ext cx="7991336" cy="4300447"/>
+            <a:off x="1023730" y="5502277"/>
+            <a:ext cx="1750991" cy="532073"/>
           </a:xfrm>
         </p:spPr>
         <p:txBody>
@@ -14251,395 +12142,23 @@
           </a:bodyPr>
           <a:lstStyle/>
           <a:p>
-            <a:pPr marL="457200" indent="-457200">
-              <a:buAutoNum type="arabicPeriod"/>
-            </a:pPr>
-            <a:r>
-              <a:rPr lang="en-US" altLang="zh-TW" sz="2000" dirty="0" err="1" smtClean="0"/>
-              <a:t>Undersampling</a:t>
-            </a:r>
-            <a:r>
-              <a:rPr lang="en-US" altLang="zh-TW" sz="2000" dirty="0" smtClean="0"/>
-              <a:t> :</a:t>
-            </a:r>
-            <a:r>
-              <a:rPr lang="zh-TW" altLang="en-US" sz="2000" dirty="0" smtClean="0"/>
-              <a:t> 假設</a:t>
-            </a:r>
-            <a:r>
-              <a:rPr lang="en-US" altLang="zh-TW" sz="2000" dirty="0" smtClean="0"/>
-              <a:t>100</a:t>
-            </a:r>
-            <a:r>
-              <a:rPr lang="zh-TW" altLang="en-US" sz="2000" dirty="0" smtClean="0"/>
-              <a:t>個</a:t>
-            </a:r>
-            <a:r>
-              <a:rPr lang="en-US" altLang="zh-TW" sz="2000" dirty="0" smtClean="0"/>
-              <a:t>A</a:t>
-            </a:r>
-            <a:r>
-              <a:rPr lang="zh-TW" altLang="en-US" sz="2000" dirty="0" smtClean="0"/>
-              <a:t>，</a:t>
-            </a:r>
-            <a:r>
-              <a:rPr lang="en-US" altLang="zh-TW" sz="2000" dirty="0" smtClean="0"/>
-              <a:t>10</a:t>
-            </a:r>
-            <a:r>
-              <a:rPr lang="zh-TW" altLang="en-US" sz="2000" dirty="0" smtClean="0"/>
-              <a:t>個</a:t>
-            </a:r>
-            <a:r>
-              <a:rPr lang="en-US" altLang="zh-TW" sz="2000" dirty="0" smtClean="0"/>
-              <a:t>B</a:t>
-            </a:r>
-            <a:r>
-              <a:rPr lang="zh-TW" altLang="en-US" sz="2000" dirty="0" smtClean="0"/>
-              <a:t>，則</a:t>
-            </a:r>
-            <a:r>
-              <a:rPr lang="en-US" altLang="zh-TW" sz="2000" dirty="0" smtClean="0"/>
-              <a:t>A</a:t>
-            </a:r>
-            <a:r>
-              <a:rPr lang="zh-TW" altLang="en-US" sz="2000" dirty="0" smtClean="0"/>
-              <a:t>抽出</a:t>
-            </a:r>
-            <a:r>
-              <a:rPr lang="en-US" altLang="zh-TW" sz="2000" dirty="0"/>
-              <a:t>9</a:t>
-            </a:r>
-            <a:r>
-              <a:rPr lang="zh-TW" altLang="en-US" sz="2000" dirty="0" smtClean="0"/>
-              <a:t>個</a:t>
-            </a:r>
-            <a:r>
-              <a:rPr lang="en-US" altLang="zh-TW" sz="2000" dirty="0" smtClean="0"/>
-              <a:t>B</a:t>
-            </a:r>
-            <a:r>
-              <a:rPr lang="zh-TW" altLang="en-US" sz="2000" dirty="0" smtClean="0"/>
-              <a:t>抽出</a:t>
-            </a:r>
-            <a:r>
-              <a:rPr lang="en-US" altLang="zh-TW" sz="2000" dirty="0" smtClean="0"/>
-              <a:t>9</a:t>
-            </a:r>
-            <a:r>
-              <a:rPr lang="zh-TW" altLang="en-US" sz="2000" dirty="0" smtClean="0"/>
-              <a:t>個</a:t>
-            </a:r>
-            <a:endParaRPr lang="en-US" altLang="zh-TW" sz="2000" dirty="0" smtClean="0"/>
-          </a:p>
-          <a:p>
-            <a:pPr marL="457200" indent="-457200">
-              <a:buAutoNum type="arabicPeriod"/>
-            </a:pPr>
-            <a:r>
-              <a:rPr lang="en-US" altLang="zh-TW" sz="2000" dirty="0" smtClean="0"/>
-              <a:t>Oversampling</a:t>
-            </a:r>
-            <a:r>
-              <a:rPr lang="en-US" altLang="zh-TW" sz="2000" dirty="0"/>
-              <a:t> :</a:t>
-            </a:r>
-            <a:r>
-              <a:rPr lang="zh-TW" altLang="en-US" sz="2000" dirty="0"/>
-              <a:t> 假設</a:t>
-            </a:r>
-            <a:r>
-              <a:rPr lang="en-US" altLang="zh-TW" sz="2000" dirty="0"/>
-              <a:t>100</a:t>
-            </a:r>
-            <a:r>
-              <a:rPr lang="zh-TW" altLang="en-US" sz="2000" dirty="0"/>
-              <a:t>個</a:t>
-            </a:r>
-            <a:r>
-              <a:rPr lang="en-US" altLang="zh-TW" sz="2000" dirty="0"/>
-              <a:t>A</a:t>
-            </a:r>
-            <a:r>
-              <a:rPr lang="zh-TW" altLang="en-US" sz="2000" dirty="0"/>
-              <a:t>，</a:t>
-            </a:r>
-            <a:r>
-              <a:rPr lang="en-US" altLang="zh-TW" sz="2000" dirty="0"/>
-              <a:t>10</a:t>
-            </a:r>
-            <a:r>
-              <a:rPr lang="zh-TW" altLang="en-US" sz="2000" dirty="0"/>
-              <a:t>個</a:t>
-            </a:r>
-            <a:r>
-              <a:rPr lang="en-US" altLang="zh-TW" sz="2000" dirty="0"/>
-              <a:t>B</a:t>
-            </a:r>
-            <a:r>
-              <a:rPr lang="zh-TW" altLang="en-US" sz="2000" dirty="0"/>
-              <a:t>，則</a:t>
-            </a:r>
-            <a:r>
-              <a:rPr lang="en-US" altLang="zh-TW" sz="2000" dirty="0"/>
-              <a:t>A</a:t>
-            </a:r>
-            <a:r>
-              <a:rPr lang="zh-TW" altLang="en-US" sz="2000" dirty="0" smtClean="0"/>
-              <a:t>抽出</a:t>
-            </a:r>
-            <a:r>
-              <a:rPr lang="en-US" altLang="zh-TW" sz="2000" dirty="0" smtClean="0"/>
-              <a:t>50</a:t>
-            </a:r>
-            <a:r>
-              <a:rPr lang="zh-TW" altLang="en-US" sz="2000" dirty="0" smtClean="0"/>
-              <a:t>個</a:t>
-            </a:r>
-            <a:r>
-              <a:rPr lang="en-US" altLang="zh-TW" sz="2000" dirty="0" smtClean="0"/>
-              <a:t>B</a:t>
-            </a:r>
-            <a:r>
-              <a:rPr lang="zh-TW" altLang="en-US" sz="2000" dirty="0" smtClean="0"/>
-              <a:t>重複抽出</a:t>
-            </a:r>
-            <a:r>
-              <a:rPr lang="en-US" altLang="zh-TW" sz="2000" dirty="0" smtClean="0"/>
-              <a:t>50</a:t>
-            </a:r>
-            <a:r>
-              <a:rPr lang="zh-TW" altLang="en-US" sz="2000" dirty="0" smtClean="0"/>
-              <a:t>個</a:t>
-            </a:r>
-            <a:endParaRPr lang="en-US" altLang="zh-TW" sz="2000" dirty="0"/>
-          </a:p>
-          <a:p>
-            <a:pPr marL="457200" indent="-457200">
-              <a:buAutoNum type="arabicPeriod"/>
-            </a:pPr>
-            <a:r>
-              <a:rPr lang="en-US" altLang="zh-TW" sz="2000" dirty="0" smtClean="0"/>
-              <a:t>SMOTE</a:t>
-            </a:r>
-            <a:r>
-              <a:rPr lang="en-US" altLang="zh-TW" sz="1800" dirty="0"/>
-              <a:t> </a:t>
-            </a:r>
-            <a:r>
-              <a:rPr lang="en-US" altLang="zh-TW" sz="1800" dirty="0" smtClean="0"/>
-              <a:t>:</a:t>
-            </a:r>
-            <a:r>
-              <a:rPr lang="zh-TW" altLang="en-US" sz="1800" dirty="0" smtClean="0"/>
-              <a:t> </a:t>
-            </a:r>
-            <a:r>
-              <a:rPr lang="en-US" altLang="zh-TW" sz="2000" dirty="0"/>
-              <a:t>Synthetic Minority Over-sampling </a:t>
-            </a:r>
-            <a:r>
-              <a:rPr lang="en-US" altLang="zh-TW" sz="2000" dirty="0" smtClean="0"/>
-              <a:t>Technique</a:t>
-            </a:r>
-          </a:p>
-          <a:p>
             <a:pPr marL="0" indent="0">
               <a:buNone/>
             </a:pPr>
             <a:r>
-              <a:rPr lang="en-US" altLang="zh-TW" sz="2000" dirty="0">
+              <a:rPr lang="en-US" altLang="zh-TW" sz="1900" dirty="0" smtClean="0">
                 <a:ea typeface="+mn-lt"/>
                 <a:cs typeface="+mn-lt"/>
               </a:rPr>
-              <a:t>	</a:t>
-            </a:r>
-            <a:r>
-              <a:rPr lang="zh-TW" altLang="en-US" sz="2000" dirty="0" smtClean="0">
+              <a:t>DNN</a:t>
+            </a:r>
+            <a:r>
+              <a:rPr lang="zh-TW" altLang="en-US" sz="1900" dirty="0" smtClean="0">
                 <a:ea typeface="+mn-lt"/>
                 <a:cs typeface="+mn-lt"/>
               </a:rPr>
-              <a:t>原理</a:t>
-            </a:r>
-            <a:r>
-              <a:rPr lang="en-US" altLang="zh-TW" sz="2000" dirty="0" smtClean="0">
-                <a:ea typeface="+mn-lt"/>
-                <a:cs typeface="+mn-lt"/>
-              </a:rPr>
-              <a:t>:</a:t>
-            </a:r>
-            <a:r>
-              <a:rPr lang="zh-TW" altLang="en-US" sz="2000" dirty="0">
-                <a:ea typeface="+mn-lt"/>
-                <a:cs typeface="+mn-lt"/>
-              </a:rPr>
-              <a:t>通過在少數類樣本之間創建新的合成樣本來增加少數類的</a:t>
-            </a:r>
-            <a:r>
-              <a:rPr lang="zh-TW" altLang="en-US" sz="2000" dirty="0" smtClean="0">
-                <a:ea typeface="+mn-lt"/>
-                <a:cs typeface="+mn-lt"/>
-              </a:rPr>
-              <a:t>數</a:t>
-            </a:r>
-            <a:r>
-              <a:rPr lang="en-US" altLang="zh-TW" sz="2000" dirty="0" smtClean="0">
-                <a:ea typeface="+mn-lt"/>
-                <a:cs typeface="+mn-lt"/>
-              </a:rPr>
-              <a:t>	</a:t>
-            </a:r>
-            <a:r>
-              <a:rPr lang="zh-TW" altLang="en-US" sz="2000" dirty="0" smtClean="0">
-                <a:ea typeface="+mn-lt"/>
-                <a:cs typeface="+mn-lt"/>
-              </a:rPr>
-              <a:t>量。</a:t>
-            </a:r>
-            <a:endParaRPr lang="en-US" altLang="zh-TW" sz="2000" dirty="0" smtClean="0">
-              <a:ea typeface="+mn-lt"/>
-              <a:cs typeface="+mn-lt"/>
-            </a:endParaRPr>
-          </a:p>
-          <a:p>
-            <a:pPr marL="0" indent="0">
-              <a:buNone/>
-            </a:pPr>
-            <a:r>
-              <a:rPr lang="en-US" altLang="zh-TW" sz="2000" dirty="0">
-                <a:ea typeface="+mn-lt"/>
-                <a:cs typeface="+mn-lt"/>
-              </a:rPr>
-              <a:t>	</a:t>
-            </a:r>
-            <a:r>
-              <a:rPr lang="zh-TW" altLang="en-US" sz="2000" dirty="0" smtClean="0"/>
-              <a:t>過程</a:t>
-            </a:r>
-            <a:r>
-              <a:rPr lang="en-US" altLang="zh-TW" sz="2000" dirty="0" smtClean="0"/>
-              <a:t>:</a:t>
-            </a:r>
-            <a:r>
-              <a:rPr lang="zh-TW" altLang="en-US" sz="2000" dirty="0"/>
-              <a:t>對於少數類中的每個樣本，找到其最近的</a:t>
-            </a:r>
-            <a:r>
-              <a:rPr lang="en-US" altLang="zh-TW" sz="2000" dirty="0"/>
-              <a:t>k</a:t>
-            </a:r>
-            <a:r>
-              <a:rPr lang="zh-TW" altLang="en-US" sz="2000" dirty="0"/>
-              <a:t>個鄰居，在該</a:t>
-            </a:r>
-            <a:r>
-              <a:rPr lang="zh-TW" altLang="en-US" sz="2000" dirty="0" smtClean="0"/>
-              <a:t>樣本</a:t>
-            </a:r>
-            <a:r>
-              <a:rPr lang="en-US" altLang="zh-TW" sz="2000" dirty="0" smtClean="0"/>
-              <a:t>	</a:t>
-            </a:r>
-            <a:r>
-              <a:rPr lang="zh-TW" altLang="en-US" sz="2000" dirty="0" smtClean="0"/>
-              <a:t>和</a:t>
-            </a:r>
-            <a:r>
-              <a:rPr lang="zh-TW" altLang="en-US" sz="2000" dirty="0"/>
-              <a:t>其鄰居之間的連線上隨機選擇點</a:t>
-            </a:r>
-            <a:r>
-              <a:rPr lang="zh-TW" altLang="en-US" sz="2000" dirty="0" smtClean="0"/>
-              <a:t>，產出全新</a:t>
-            </a:r>
-            <a:r>
-              <a:rPr lang="zh-TW" altLang="en-US" sz="2000" dirty="0"/>
-              <a:t>的合成樣本。</a:t>
-            </a:r>
-            <a:endParaRPr lang="en-US" altLang="zh-TW" sz="1900" dirty="0" smtClean="0">
-              <a:ea typeface="+mn-lt"/>
-              <a:cs typeface="+mn-lt"/>
-            </a:endParaRPr>
-          </a:p>
-          <a:p>
-            <a:pPr marL="0" indent="0" algn="ctr">
-              <a:buNone/>
-            </a:pPr>
-            <a:r>
-              <a:rPr lang="zh-TW" altLang="en-US" sz="2000" dirty="0" smtClean="0"/>
-              <a:t>數學式</a:t>
-            </a:r>
-            <a:r>
-              <a:rPr lang="en-US" altLang="zh-TW" sz="2000" dirty="0" smtClean="0"/>
-              <a:t>:</a:t>
-            </a:r>
-            <a:r>
-              <a:rPr lang="zh-TW" altLang="en-US" sz="2000" dirty="0" smtClean="0"/>
-              <a:t> </a:t>
-            </a:r>
-            <a:r>
-              <a:rPr lang="en-US" altLang="zh-TW" sz="2000" dirty="0" err="1" smtClean="0"/>
-              <a:t>x_new</a:t>
-            </a:r>
-            <a:r>
-              <a:rPr lang="en-US" altLang="zh-TW" sz="2000" dirty="0" smtClean="0"/>
-              <a:t> </a:t>
-            </a:r>
-            <a:r>
-              <a:rPr lang="en-US" altLang="zh-TW" sz="2000" dirty="0"/>
-              <a:t>= x + </a:t>
-            </a:r>
-            <a:r>
-              <a:rPr lang="el-GR" altLang="zh-TW" sz="2000" dirty="0"/>
-              <a:t>λ(</a:t>
-            </a:r>
-            <a:r>
-              <a:rPr lang="en-US" altLang="zh-TW" sz="2000" dirty="0" err="1"/>
-              <a:t>x_i</a:t>
-            </a:r>
-            <a:r>
-              <a:rPr lang="en-US" altLang="zh-TW" sz="2000" dirty="0"/>
-              <a:t> - x)</a:t>
-            </a:r>
-            <a:endParaRPr lang="en-US" altLang="zh-TW" sz="1900" dirty="0" smtClean="0">
-              <a:ea typeface="+mn-lt"/>
-              <a:cs typeface="+mn-lt"/>
-            </a:endParaRPr>
-          </a:p>
-          <a:p>
-            <a:pPr marL="0" indent="0">
-              <a:buNone/>
-            </a:pPr>
-            <a:endParaRPr lang="en-US" altLang="zh-TW" sz="1900" dirty="0" smtClean="0">
-              <a:ea typeface="+mn-lt"/>
-              <a:cs typeface="+mn-lt"/>
-            </a:endParaRPr>
-          </a:p>
-          <a:p>
-            <a:pPr marL="0" indent="0">
-              <a:buNone/>
-            </a:pPr>
-            <a:endParaRPr lang="en-US" altLang="zh-TW" sz="1900" dirty="0" smtClean="0">
-              <a:ea typeface="+mn-lt"/>
-              <a:cs typeface="+mn-lt"/>
-            </a:endParaRPr>
-          </a:p>
-          <a:p>
-            <a:pPr marL="0" indent="0">
-              <a:buNone/>
-            </a:pPr>
-            <a:endParaRPr lang="zh-TW" sz="1900" dirty="0">
-              <a:ea typeface="+mn-lt"/>
-              <a:cs typeface="+mn-lt"/>
-            </a:endParaRPr>
-          </a:p>
-          <a:p>
-            <a:endParaRPr lang="zh-TW" altLang="en-US" sz="1900" dirty="0">
-              <a:ea typeface="新細明體"/>
-              <a:cs typeface="Calibri"/>
-            </a:endParaRPr>
-          </a:p>
-          <a:p>
+              <a:t>模型</a:t>
+            </a:r>
             <a:endParaRPr lang="zh-TW" altLang="en-US" sz="1900" dirty="0">
               <a:cs typeface="Calibri"/>
             </a:endParaRPr>
@@ -14649,7 +12168,7 @@
     </p:spTree>
     <p:extLst>
       <p:ext uri="{BB962C8B-B14F-4D97-AF65-F5344CB8AC3E}">
-        <p14:creationId xmlns:p14="http://schemas.microsoft.com/office/powerpoint/2010/main" val="2693117407"/>
+        <p14:creationId xmlns:p14="http://schemas.microsoft.com/office/powerpoint/2010/main" val="1943441441"/>
       </p:ext>
     </p:extLst>
   </p:cSld>
@@ -14708,79 +12227,32 @@
           </a:p>
         </p:txBody>
       </p:sp>
-      <p:sp>
-        <p:nvSpPr>
-          <p:cNvPr id="5" name="矩形 4"/>
-          <p:cNvSpPr/>
+      <p:pic>
+        <p:nvPicPr>
+          <p:cNvPr id="4" name="圖片 3"/>
+          <p:cNvPicPr>
+            <a:picLocks noChangeAspect="1"/>
+          </p:cNvPicPr>
           <p:nvPr/>
-        </p:nvSpPr>
+        </p:nvPicPr>
+        <p:blipFill rotWithShape="1">
+          <a:blip r:embed="rId2"/>
+          <a:srcRect l="39130" t="41304" r="24783" b="27391"/>
+          <a:stretch/>
+        </p:blipFill>
         <p:spPr>
           <a:xfrm>
-            <a:off x="426982" y="1639310"/>
-            <a:ext cx="1780189" cy="651260"/>
+            <a:off x="1279851" y="2057399"/>
+            <a:ext cx="6584298" cy="3212820"/>
           </a:xfrm>
           <a:prstGeom prst="rect">
             <a:avLst/>
           </a:prstGeom>
-          <a:noFill/>
-          <a:ln>
-            <a:noFill/>
-          </a:ln>
         </p:spPr>
-        <p:style>
-          <a:lnRef idx="1">
-            <a:schemeClr val="accent1"/>
-          </a:lnRef>
-          <a:fillRef idx="3">
-            <a:schemeClr val="accent1"/>
-          </a:fillRef>
-          <a:effectRef idx="2">
-            <a:schemeClr val="accent1"/>
-          </a:effectRef>
-          <a:fontRef idx="minor">
-            <a:schemeClr val="lt1"/>
-          </a:fontRef>
-        </p:style>
-        <p:txBody>
-          <a:bodyPr rtlCol="0" anchor="ctr"/>
-          <a:lstStyle/>
-          <a:p>
-            <a:pPr algn="ctr"/>
-            <a:r>
-              <a:rPr lang="zh-TW" altLang="en-US" dirty="0" smtClean="0">
-                <a:solidFill>
-                  <a:schemeClr val="tx1"/>
-                </a:solidFill>
-              </a:rPr>
-              <a:t>建模演算法</a:t>
-            </a:r>
-            <a:endParaRPr lang="en-US" altLang="zh-TW" dirty="0" smtClean="0">
-              <a:solidFill>
-                <a:schemeClr val="tx1"/>
-              </a:solidFill>
-            </a:endParaRPr>
-          </a:p>
-          <a:p>
-            <a:pPr algn="ctr"/>
-            <a:r>
-              <a:rPr lang="zh-TW" altLang="en-US" dirty="0" smtClean="0">
-                <a:solidFill>
-                  <a:schemeClr val="tx1"/>
-                </a:solidFill>
-              </a:rPr>
-              <a:t>介紹</a:t>
-            </a:r>
-            <a:endParaRPr lang="zh-TW" altLang="en-US" dirty="0">
-              <a:solidFill>
-                <a:schemeClr val="tx1"/>
-              </a:solidFill>
-            </a:endParaRPr>
-          </a:p>
-        </p:txBody>
-      </p:sp>
-      <p:sp>
-        <p:nvSpPr>
-          <p:cNvPr id="6" name="Content Placeholder 2"/>
+      </p:pic>
+      <p:sp>
+        <p:nvSpPr>
+          <p:cNvPr id="7" name="Content Placeholder 2"/>
           <p:cNvSpPr>
             <a:spLocks noGrp="1"/>
           </p:cNvSpPr>
@@ -14790,8 +12262,8 @@
         </p:nvSpPr>
         <p:spPr>
           <a:xfrm>
-            <a:off x="931947" y="2290570"/>
-            <a:ext cx="7991336" cy="4300447"/>
+            <a:off x="1431234" y="4738146"/>
+            <a:ext cx="1750991" cy="532073"/>
           </a:xfrm>
         </p:spPr>
         <p:txBody>
@@ -14800,229 +12272,23 @@
           </a:bodyPr>
           <a:lstStyle/>
           <a:p>
-            <a:pPr marL="457200" indent="-457200">
-              <a:buAutoNum type="arabicPeriod"/>
-            </a:pPr>
-            <a:r>
-              <a:rPr lang="en-US" altLang="zh-TW" sz="2000" dirty="0"/>
-              <a:t>Support </a:t>
-            </a:r>
-            <a:r>
-              <a:rPr lang="en-US" altLang="zh-TW" sz="2000" dirty="0" err="1"/>
-              <a:t>Vectore</a:t>
-            </a:r>
-            <a:r>
-              <a:rPr lang="en-US" altLang="zh-TW" sz="2000" dirty="0"/>
-              <a:t> Machine</a:t>
-            </a:r>
-            <a:r>
-              <a:rPr lang="en-US" altLang="zh-TW" sz="2000" dirty="0" smtClean="0"/>
-              <a:t> :</a:t>
-            </a:r>
-          </a:p>
-          <a:p>
             <a:pPr marL="0" indent="0">
               <a:buNone/>
             </a:pPr>
             <a:r>
-              <a:rPr lang="en-US" altLang="zh-TW" sz="2000" dirty="0" smtClean="0"/>
-              <a:t>	</a:t>
-            </a:r>
-            <a:r>
-              <a:rPr lang="zh-TW" altLang="en-US" sz="2000" dirty="0"/>
-              <a:t>映射</a:t>
-            </a:r>
-            <a:r>
-              <a:rPr lang="en-US" altLang="zh-TW" sz="2000" dirty="0"/>
-              <a:t>: </a:t>
-            </a:r>
-            <a:r>
-              <a:rPr lang="zh-TW" altLang="en-US" sz="2000" dirty="0"/>
-              <a:t>將原始數據點映射到更高維的特徵空間。 </a:t>
-            </a:r>
-            <a:endParaRPr lang="en-US" altLang="zh-TW" sz="2000" dirty="0" smtClean="0"/>
-          </a:p>
-          <a:p>
-            <a:pPr marL="0" indent="0">
-              <a:buNone/>
-            </a:pPr>
-            <a:r>
-              <a:rPr lang="en-US" altLang="zh-TW" sz="2000" dirty="0"/>
-              <a:t>	</a:t>
-            </a:r>
-            <a:r>
-              <a:rPr lang="zh-TW" altLang="en-US" sz="2000" dirty="0" smtClean="0"/>
-              <a:t>最大</a:t>
-            </a:r>
-            <a:r>
-              <a:rPr lang="zh-TW" altLang="en-US" sz="2000" dirty="0"/>
-              <a:t>間隔</a:t>
-            </a:r>
-            <a:r>
-              <a:rPr lang="en-US" altLang="zh-TW" sz="2000" dirty="0"/>
-              <a:t>: </a:t>
-            </a:r>
-            <a:r>
-              <a:rPr lang="zh-TW" altLang="en-US" sz="2000" dirty="0"/>
-              <a:t>在特徵空間中找到一個超平面</a:t>
-            </a:r>
-            <a:r>
-              <a:rPr lang="en-US" altLang="zh-TW" sz="2000" dirty="0"/>
-              <a:t>,</a:t>
-            </a:r>
-            <a:r>
-              <a:rPr lang="zh-TW" altLang="en-US" sz="2000" dirty="0"/>
-              <a:t>使得它能將不同類別的</a:t>
-            </a:r>
-            <a:r>
-              <a:rPr lang="zh-TW" altLang="en-US" sz="2000" dirty="0" smtClean="0"/>
-              <a:t>數</a:t>
-            </a:r>
-            <a:r>
-              <a:rPr lang="en-US" altLang="zh-TW" sz="2000" dirty="0" smtClean="0"/>
-              <a:t>	</a:t>
-            </a:r>
-            <a:r>
-              <a:rPr lang="zh-TW" altLang="en-US" sz="2000" dirty="0" smtClean="0"/>
-              <a:t>據點</a:t>
-            </a:r>
-            <a:r>
-              <a:rPr lang="zh-TW" altLang="en-US" sz="2000" dirty="0"/>
-              <a:t>分開</a:t>
-            </a:r>
-            <a:r>
-              <a:rPr lang="en-US" altLang="zh-TW" sz="2000" dirty="0"/>
-              <a:t>,</a:t>
-            </a:r>
-            <a:r>
-              <a:rPr lang="zh-TW" altLang="en-US" sz="2000" dirty="0"/>
-              <a:t>並且使得離超平面最近的數據點</a:t>
-            </a:r>
-            <a:r>
-              <a:rPr lang="en-US" altLang="zh-TW" sz="2000" dirty="0"/>
-              <a:t>(</a:t>
-            </a:r>
-            <a:r>
-              <a:rPr lang="zh-TW" altLang="en-US" sz="2000" dirty="0"/>
-              <a:t>即支持向量</a:t>
-            </a:r>
-            <a:r>
-              <a:rPr lang="en-US" altLang="zh-TW" sz="2000" dirty="0"/>
-              <a:t>)</a:t>
-            </a:r>
-            <a:r>
-              <a:rPr lang="zh-TW" altLang="en-US" sz="2000" dirty="0"/>
-              <a:t>到超平面</a:t>
-            </a:r>
-            <a:r>
-              <a:rPr lang="zh-TW" altLang="en-US" sz="2000" dirty="0" smtClean="0"/>
-              <a:t>的</a:t>
-            </a:r>
-            <a:r>
-              <a:rPr lang="en-US" altLang="zh-TW" sz="2000" dirty="0" smtClean="0"/>
-              <a:t>	</a:t>
-            </a:r>
-            <a:r>
-              <a:rPr lang="zh-TW" altLang="en-US" sz="2000" dirty="0" smtClean="0"/>
-              <a:t>距離</a:t>
-            </a:r>
-            <a:r>
-              <a:rPr lang="zh-TW" altLang="en-US" sz="2000" dirty="0"/>
-              <a:t>最大。 </a:t>
-            </a:r>
-            <a:endParaRPr lang="en-US" altLang="zh-TW" sz="2000" dirty="0" smtClean="0"/>
-          </a:p>
-          <a:p>
-            <a:pPr marL="0" indent="0">
-              <a:buNone/>
-            </a:pPr>
-            <a:r>
-              <a:rPr lang="en-US" altLang="zh-TW" sz="2000" dirty="0"/>
-              <a:t>	</a:t>
-            </a:r>
-            <a:r>
-              <a:rPr lang="zh-TW" altLang="en-US" sz="2000" dirty="0" smtClean="0"/>
-              <a:t>核</a:t>
-            </a:r>
-            <a:r>
-              <a:rPr lang="en-US" altLang="zh-TW" sz="2000" dirty="0" smtClean="0"/>
-              <a:t>: </a:t>
-            </a:r>
-            <a:r>
-              <a:rPr lang="zh-TW" altLang="en-US" sz="2000" dirty="0"/>
-              <a:t>使用核函數來處理非線性可分的數據</a:t>
-            </a:r>
-            <a:r>
-              <a:rPr lang="en-US" altLang="zh-TW" sz="2000" dirty="0"/>
-              <a:t>,</a:t>
-            </a:r>
-            <a:r>
-              <a:rPr lang="zh-TW" altLang="en-US" sz="2000" dirty="0"/>
-              <a:t>無需顯式地計算高</a:t>
-            </a:r>
-            <a:r>
-              <a:rPr lang="zh-TW" altLang="en-US" sz="2000" dirty="0" smtClean="0"/>
-              <a:t>維特</a:t>
-            </a:r>
-            <a:r>
-              <a:rPr lang="en-US" altLang="zh-TW" sz="2000" dirty="0" smtClean="0"/>
-              <a:t>	</a:t>
-            </a:r>
-            <a:r>
-              <a:rPr lang="zh-TW" altLang="en-US" sz="2000" dirty="0" smtClean="0"/>
-              <a:t>徵</a:t>
-            </a:r>
-            <a:r>
-              <a:rPr lang="zh-TW" altLang="en-US" sz="2000" dirty="0"/>
-              <a:t>空間</a:t>
-            </a:r>
-            <a:r>
-              <a:rPr lang="zh-TW" altLang="en-US" sz="2000" dirty="0" smtClean="0"/>
-              <a:t>。</a:t>
-            </a:r>
-            <a:endParaRPr lang="en-US" altLang="zh-TW" sz="2000" dirty="0" smtClean="0"/>
-          </a:p>
-          <a:p>
-            <a:pPr marL="0" indent="0">
-              <a:buNone/>
-            </a:pPr>
-            <a:r>
-              <a:rPr lang="en-US" altLang="zh-TW" sz="2000" dirty="0">
+              <a:rPr lang="en-US" altLang="zh-TW" sz="1900" dirty="0" smtClean="0">
                 <a:ea typeface="+mn-lt"/>
                 <a:cs typeface="+mn-lt"/>
               </a:rPr>
-              <a:t>	</a:t>
-            </a:r>
-            <a:endParaRPr lang="en-US" altLang="zh-TW" sz="1900" dirty="0" smtClean="0">
-              <a:ea typeface="+mn-lt"/>
-              <a:cs typeface="+mn-lt"/>
-            </a:endParaRPr>
-          </a:p>
-          <a:p>
-            <a:pPr marL="0" indent="0">
-              <a:buNone/>
-            </a:pPr>
-            <a:endParaRPr lang="en-US" altLang="zh-TW" sz="1900" dirty="0" smtClean="0">
-              <a:ea typeface="+mn-lt"/>
-              <a:cs typeface="+mn-lt"/>
-            </a:endParaRPr>
-          </a:p>
-          <a:p>
-            <a:pPr marL="0" indent="0">
-              <a:buNone/>
-            </a:pPr>
-            <a:endParaRPr lang="zh-TW" sz="1900" dirty="0">
-              <a:ea typeface="+mn-lt"/>
-              <a:cs typeface="+mn-lt"/>
-            </a:endParaRPr>
-          </a:p>
-          <a:p>
-            <a:endParaRPr lang="zh-TW" altLang="en-US" sz="1900" dirty="0">
-              <a:ea typeface="新細明體"/>
-              <a:cs typeface="Calibri"/>
-            </a:endParaRPr>
-          </a:p>
-          <a:p>
+              <a:t>CNN</a:t>
+            </a:r>
+            <a:r>
+              <a:rPr lang="zh-TW" altLang="en-US" sz="1900" dirty="0" smtClean="0">
+                <a:ea typeface="+mn-lt"/>
+                <a:cs typeface="+mn-lt"/>
+              </a:rPr>
+              <a:t>模型</a:t>
+            </a:r>
             <a:endParaRPr lang="zh-TW" altLang="en-US" sz="1900" dirty="0">
               <a:cs typeface="Calibri"/>
             </a:endParaRPr>
@@ -15032,7 +12298,7 @@
     </p:spTree>
     <p:extLst>
       <p:ext uri="{BB962C8B-B14F-4D97-AF65-F5344CB8AC3E}">
-        <p14:creationId xmlns:p14="http://schemas.microsoft.com/office/powerpoint/2010/main" val="4228945872"/>
+        <p14:creationId xmlns:p14="http://schemas.microsoft.com/office/powerpoint/2010/main" val="2693117407"/>
       </p:ext>
     </p:extLst>
   </p:cSld>
@@ -15091,79 +12357,32 @@
           </a:p>
         </p:txBody>
       </p:sp>
-      <p:sp>
-        <p:nvSpPr>
-          <p:cNvPr id="5" name="矩形 4"/>
-          <p:cNvSpPr/>
+      <p:pic>
+        <p:nvPicPr>
+          <p:cNvPr id="4" name="圖片 3"/>
+          <p:cNvPicPr>
+            <a:picLocks noChangeAspect="1"/>
+          </p:cNvPicPr>
           <p:nvPr/>
-        </p:nvSpPr>
+        </p:nvPicPr>
+        <p:blipFill rotWithShape="1">
+          <a:blip r:embed="rId3"/>
+          <a:srcRect l="39131" t="31257" r="24782" b="29323"/>
+          <a:stretch/>
+        </p:blipFill>
         <p:spPr>
           <a:xfrm>
-            <a:off x="426982" y="1639310"/>
-            <a:ext cx="1780189" cy="651260"/>
+            <a:off x="1719910" y="2126974"/>
+            <a:ext cx="5704181" cy="3504979"/>
           </a:xfrm>
           <a:prstGeom prst="rect">
             <a:avLst/>
           </a:prstGeom>
-          <a:noFill/>
-          <a:ln>
-            <a:noFill/>
-          </a:ln>
         </p:spPr>
-        <p:style>
-          <a:lnRef idx="1">
-            <a:schemeClr val="accent1"/>
-          </a:lnRef>
-          <a:fillRef idx="3">
-            <a:schemeClr val="accent1"/>
-          </a:fillRef>
-          <a:effectRef idx="2">
-            <a:schemeClr val="accent1"/>
-          </a:effectRef>
-          <a:fontRef idx="minor">
-            <a:schemeClr val="lt1"/>
-          </a:fontRef>
-        </p:style>
-        <p:txBody>
-          <a:bodyPr rtlCol="0" anchor="ctr"/>
-          <a:lstStyle/>
-          <a:p>
-            <a:pPr algn="ctr"/>
-            <a:r>
-              <a:rPr lang="zh-TW" altLang="en-US" dirty="0" smtClean="0">
-                <a:solidFill>
-                  <a:schemeClr val="tx1"/>
-                </a:solidFill>
-              </a:rPr>
-              <a:t>建模演算法</a:t>
-            </a:r>
-            <a:endParaRPr lang="en-US" altLang="zh-TW" dirty="0" smtClean="0">
-              <a:solidFill>
-                <a:schemeClr val="tx1"/>
-              </a:solidFill>
-            </a:endParaRPr>
-          </a:p>
-          <a:p>
-            <a:pPr algn="ctr"/>
-            <a:r>
-              <a:rPr lang="zh-TW" altLang="en-US" dirty="0" smtClean="0">
-                <a:solidFill>
-                  <a:schemeClr val="tx1"/>
-                </a:solidFill>
-              </a:rPr>
-              <a:t>介紹</a:t>
-            </a:r>
-            <a:endParaRPr lang="zh-TW" altLang="en-US" dirty="0">
-              <a:solidFill>
-                <a:schemeClr val="tx1"/>
-              </a:solidFill>
-            </a:endParaRPr>
-          </a:p>
-        </p:txBody>
-      </p:sp>
-      <p:sp>
-        <p:nvSpPr>
-          <p:cNvPr id="6" name="Content Placeholder 2"/>
+      </p:pic>
+      <p:sp>
+        <p:nvSpPr>
+          <p:cNvPr id="7" name="Content Placeholder 2"/>
           <p:cNvSpPr>
             <a:spLocks noGrp="1"/>
           </p:cNvSpPr>
@@ -15173,191 +12392,73 @@
         </p:nvSpPr>
         <p:spPr>
           <a:xfrm>
-            <a:off x="931947" y="2290570"/>
-            <a:ext cx="7991336" cy="4300447"/>
+            <a:off x="1858616" y="5722120"/>
+            <a:ext cx="5466523" cy="532073"/>
           </a:xfrm>
         </p:spPr>
         <p:txBody>
           <a:bodyPr vert="horz" lIns="91440" tIns="45720" rIns="91440" bIns="45720" rtlCol="0" anchor="t">
-            <a:normAutofit/>
+            <a:normAutofit fontScale="85000" lnSpcReduction="20000"/>
           </a:bodyPr>
           <a:lstStyle/>
-          <a:p>
-            <a:pPr marL="457200" indent="-457200">
-              <a:buAutoNum type="arabicPeriod"/>
-            </a:pPr>
-            <a:r>
-              <a:rPr lang="en-US" altLang="zh-TW" sz="2000" dirty="0" smtClean="0"/>
-              <a:t>K-nearest </a:t>
-            </a:r>
-            <a:r>
-              <a:rPr lang="en-US" altLang="zh-TW" sz="2000" dirty="0" err="1"/>
-              <a:t>neighbour</a:t>
-            </a:r>
-            <a:r>
-              <a:rPr lang="en-US" altLang="zh-TW" sz="2000" dirty="0" smtClean="0"/>
-              <a:t> </a:t>
-            </a:r>
-            <a:r>
-              <a:rPr lang="en-US" altLang="zh-TW" sz="2000" dirty="0"/>
-              <a:t>:</a:t>
-            </a:r>
-            <a:r>
-              <a:rPr lang="zh-TW" altLang="en-US" sz="2000" dirty="0"/>
-              <a:t> </a:t>
-            </a:r>
-            <a:endParaRPr lang="en-US" altLang="zh-TW" sz="2000" dirty="0" smtClean="0"/>
-          </a:p>
-          <a:p>
-            <a:r>
-              <a:rPr lang="zh-TW" altLang="en-US" sz="2000" dirty="0"/>
-              <a:t>原理</a:t>
-            </a:r>
-            <a:r>
-              <a:rPr lang="en-US" altLang="zh-TW" sz="2000" dirty="0"/>
-              <a:t>: </a:t>
-            </a:r>
-            <a:r>
-              <a:rPr lang="zh-TW" altLang="en-US" sz="2000" dirty="0"/>
-              <a:t>物以類聚</a:t>
-            </a:r>
-            <a:r>
-              <a:rPr lang="en-US" altLang="zh-TW" sz="2000" dirty="0"/>
-              <a:t>,</a:t>
-            </a:r>
-            <a:r>
-              <a:rPr lang="zh-TW" altLang="en-US" sz="2000" dirty="0"/>
-              <a:t>即相似的數據點在特徵空間中應該較為接近。 分類過程</a:t>
-            </a:r>
-            <a:r>
-              <a:rPr lang="en-US" altLang="zh-TW" sz="2000" dirty="0"/>
-              <a:t>: </a:t>
-            </a:r>
-            <a:r>
-              <a:rPr lang="zh-TW" altLang="en-US" sz="2000" dirty="0"/>
-              <a:t>對於一個新的數據點</a:t>
-            </a:r>
-            <a:r>
-              <a:rPr lang="en-US" altLang="zh-TW" sz="2000" dirty="0"/>
-              <a:t>,</a:t>
-            </a:r>
-            <a:r>
-              <a:rPr lang="zh-TW" altLang="en-US" sz="2000" dirty="0"/>
-              <a:t>計算它與訓練集中所有點的距離。</a:t>
-            </a:r>
-          </a:p>
-          <a:p>
-            <a:r>
-              <a:rPr lang="zh-TW" altLang="en-US" sz="2000" dirty="0"/>
-              <a:t>選擇最近的</a:t>
-            </a:r>
-            <a:r>
-              <a:rPr lang="en-US" altLang="zh-TW" sz="2000" dirty="0"/>
-              <a:t>K</a:t>
-            </a:r>
-            <a:r>
-              <a:rPr lang="zh-TW" altLang="en-US" sz="2000" dirty="0"/>
-              <a:t>個鄰居。</a:t>
-            </a:r>
-          </a:p>
-          <a:p>
-            <a:r>
-              <a:rPr lang="zh-TW" altLang="en-US" sz="2000" dirty="0"/>
-              <a:t>對於這</a:t>
-            </a:r>
-            <a:r>
-              <a:rPr lang="en-US" altLang="zh-TW" sz="2000" dirty="0"/>
-              <a:t>K</a:t>
-            </a:r>
-            <a:r>
-              <a:rPr lang="zh-TW" altLang="en-US" sz="2000" dirty="0"/>
-              <a:t>個鄰居進行投票</a:t>
-            </a:r>
-            <a:r>
-              <a:rPr lang="en-US" altLang="zh-TW" sz="2000" dirty="0"/>
-              <a:t>(</a:t>
-            </a:r>
-            <a:r>
-              <a:rPr lang="zh-TW" altLang="en-US" sz="2000" dirty="0"/>
-              <a:t>分類</a:t>
-            </a:r>
-            <a:r>
-              <a:rPr lang="en-US" altLang="zh-TW" sz="2000" dirty="0"/>
-              <a:t>)</a:t>
-            </a:r>
-            <a:r>
-              <a:rPr lang="zh-TW" altLang="en-US" sz="2000" dirty="0"/>
-              <a:t>或平均</a:t>
-            </a:r>
-            <a:r>
-              <a:rPr lang="en-US" altLang="zh-TW" sz="2000" dirty="0"/>
-              <a:t>(</a:t>
-            </a:r>
-            <a:r>
-              <a:rPr lang="zh-TW" altLang="en-US" sz="2000" dirty="0"/>
-              <a:t>回歸</a:t>
-            </a:r>
-            <a:r>
-              <a:rPr lang="en-US" altLang="zh-TW" sz="2000" dirty="0"/>
-              <a:t>)</a:t>
-            </a:r>
-            <a:r>
-              <a:rPr lang="zh-TW" altLang="en-US" sz="2000" dirty="0"/>
-              <a:t>。</a:t>
-            </a:r>
-          </a:p>
-          <a:p>
-            <a:r>
-              <a:rPr lang="zh-TW" altLang="en-US" sz="2000" dirty="0"/>
-              <a:t>距離度量</a:t>
-            </a:r>
-            <a:r>
-              <a:rPr lang="en-US" altLang="zh-TW" sz="2000" dirty="0"/>
-              <a:t>: </a:t>
-            </a:r>
-            <a:r>
-              <a:rPr lang="zh-TW" altLang="en-US" sz="2000" dirty="0"/>
-              <a:t>通常使用歐幾里得距離</a:t>
-            </a:r>
-            <a:r>
-              <a:rPr lang="en-US" altLang="zh-TW" sz="2000" dirty="0"/>
-              <a:t>,</a:t>
-            </a:r>
-            <a:r>
-              <a:rPr lang="zh-TW" altLang="en-US" sz="2000" dirty="0"/>
-              <a:t>但也可以使用其他距離如曼哈頓距離</a:t>
-            </a:r>
-            <a:r>
-              <a:rPr lang="zh-TW" altLang="en-US" sz="2000" dirty="0" smtClean="0"/>
-              <a:t>。</a:t>
-            </a:r>
-            <a:endParaRPr lang="en-US" altLang="zh-TW" sz="2000" dirty="0"/>
-          </a:p>
           <a:p>
             <a:pPr marL="0" indent="0">
               <a:buNone/>
             </a:pPr>
-            <a:endParaRPr lang="en-US" altLang="zh-TW" sz="1900" dirty="0" smtClean="0">
-              <a:ea typeface="+mn-lt"/>
-              <a:cs typeface="+mn-lt"/>
-            </a:endParaRPr>
+            <a:r>
+              <a:rPr lang="zh-TW" altLang="en-US" sz="1900" dirty="0" smtClean="0">
+                <a:ea typeface="+mn-lt"/>
+                <a:cs typeface="+mn-lt"/>
+              </a:rPr>
+              <a:t>融合模型</a:t>
+            </a:r>
+            <a:r>
+              <a:rPr lang="en-US" altLang="zh-TW" sz="1900" dirty="0" smtClean="0">
+                <a:ea typeface="+mn-lt"/>
+                <a:cs typeface="+mn-lt"/>
+              </a:rPr>
+              <a:t>(CNN+LSTM)</a:t>
+            </a:r>
           </a:p>
           <a:p>
             <a:pPr marL="0" indent="0">
               <a:buNone/>
             </a:pPr>
-            <a:endParaRPr lang="zh-TW" sz="1900" dirty="0">
-              <a:ea typeface="+mn-lt"/>
-              <a:cs typeface="+mn-lt"/>
-            </a:endParaRPr>
-          </a:p>
-          <a:p>
-            <a:endParaRPr lang="zh-TW" altLang="en-US" sz="1900" dirty="0">
-              <a:ea typeface="新細明體"/>
-              <a:cs typeface="Calibri"/>
-            </a:endParaRPr>
-          </a:p>
-          <a:p>
+            <a:r>
+              <a:rPr lang="zh-TW" altLang="en-US" sz="1900" dirty="0" smtClean="0">
+                <a:ea typeface="+mn-lt"/>
+                <a:cs typeface="+mn-lt"/>
+              </a:rPr>
+              <a:t>評估方式</a:t>
+            </a:r>
+            <a:r>
+              <a:rPr lang="en-US" altLang="zh-TW" sz="1900" dirty="0" smtClean="0">
+                <a:ea typeface="+mn-lt"/>
+                <a:cs typeface="+mn-lt"/>
+              </a:rPr>
+              <a:t>:</a:t>
+            </a:r>
+            <a:r>
+              <a:rPr lang="zh-TW" altLang="en-US" sz="1900" dirty="0">
+                <a:ea typeface="+mn-lt"/>
+                <a:cs typeface="+mn-lt"/>
+              </a:rPr>
+              <a:t> </a:t>
+            </a:r>
+            <a:r>
+              <a:rPr lang="en-US" altLang="zh-TW" sz="1900" dirty="0" smtClean="0">
+                <a:ea typeface="+mn-lt"/>
+                <a:cs typeface="+mn-lt"/>
+              </a:rPr>
+              <a:t>RMS</a:t>
+            </a:r>
+            <a:r>
+              <a:rPr lang="en-US" altLang="zh-TW" sz="1900" dirty="0">
+                <a:ea typeface="+mn-lt"/>
+                <a:cs typeface="+mn-lt"/>
+              </a:rPr>
+              <a:t>E</a:t>
+            </a:r>
             <a:endParaRPr lang="zh-TW" altLang="en-US" sz="1900" dirty="0">
               <a:cs typeface="Calibri"/>
             </a:endParaRPr>
@@ -15367,7 +12468,7 @@
     </p:spTree>
     <p:extLst>
       <p:ext uri="{BB962C8B-B14F-4D97-AF65-F5344CB8AC3E}">
-        <p14:creationId xmlns:p14="http://schemas.microsoft.com/office/powerpoint/2010/main" val="3266785747"/>
+        <p14:creationId xmlns:p14="http://schemas.microsoft.com/office/powerpoint/2010/main" val="4228945872"/>
       </p:ext>
     </p:extLst>
   </p:cSld>
